--- a/posters/CAHR 2016.pptx
+++ b/posters/CAHR 2016.pptx
@@ -288,7 +288,7 @@
           <a:p>
             <a:fld id="{D10E5F71-CB03-4346-9BBA-E5D3823F93A7}" type="datetimeFigureOut">
               <a:rPr lang="en-US" smtClean="0"/>
-              <a:t>2016-04-13</a:t>
+              <a:t>2016-04-20</a:t>
             </a:fld>
             <a:endParaRPr lang="en-US"/>
           </a:p>
@@ -458,7 +458,7 @@
           <a:p>
             <a:fld id="{D10E5F71-CB03-4346-9BBA-E5D3823F93A7}" type="datetimeFigureOut">
               <a:rPr lang="en-US" smtClean="0"/>
-              <a:t>2016-04-13</a:t>
+              <a:t>2016-04-20</a:t>
             </a:fld>
             <a:endParaRPr lang="en-US"/>
           </a:p>
@@ -638,7 +638,7 @@
           <a:p>
             <a:fld id="{D10E5F71-CB03-4346-9BBA-E5D3823F93A7}" type="datetimeFigureOut">
               <a:rPr lang="en-US" smtClean="0"/>
-              <a:t>2016-04-13</a:t>
+              <a:t>2016-04-20</a:t>
             </a:fld>
             <a:endParaRPr lang="en-US"/>
           </a:p>
@@ -808,7 +808,7 @@
           <a:p>
             <a:fld id="{D10E5F71-CB03-4346-9BBA-E5D3823F93A7}" type="datetimeFigureOut">
               <a:rPr lang="en-US" smtClean="0"/>
-              <a:t>2016-04-13</a:t>
+              <a:t>2016-04-20</a:t>
             </a:fld>
             <a:endParaRPr lang="en-US"/>
           </a:p>
@@ -1054,7 +1054,7 @@
           <a:p>
             <a:fld id="{D10E5F71-CB03-4346-9BBA-E5D3823F93A7}" type="datetimeFigureOut">
               <a:rPr lang="en-US" smtClean="0"/>
-              <a:t>2016-04-13</a:t>
+              <a:t>2016-04-20</a:t>
             </a:fld>
             <a:endParaRPr lang="en-US"/>
           </a:p>
@@ -1342,7 +1342,7 @@
           <a:p>
             <a:fld id="{D10E5F71-CB03-4346-9BBA-E5D3823F93A7}" type="datetimeFigureOut">
               <a:rPr lang="en-US" smtClean="0"/>
-              <a:t>2016-04-13</a:t>
+              <a:t>2016-04-20</a:t>
             </a:fld>
             <a:endParaRPr lang="en-US"/>
           </a:p>
@@ -1769,7 +1769,7 @@
           <a:p>
             <a:fld id="{D10E5F71-CB03-4346-9BBA-E5D3823F93A7}" type="datetimeFigureOut">
               <a:rPr lang="en-US" smtClean="0"/>
-              <a:t>2016-04-13</a:t>
+              <a:t>2016-04-20</a:t>
             </a:fld>
             <a:endParaRPr lang="en-US"/>
           </a:p>
@@ -1887,7 +1887,7 @@
           <a:p>
             <a:fld id="{D10E5F71-CB03-4346-9BBA-E5D3823F93A7}" type="datetimeFigureOut">
               <a:rPr lang="en-US" smtClean="0"/>
-              <a:t>2016-04-13</a:t>
+              <a:t>2016-04-20</a:t>
             </a:fld>
             <a:endParaRPr lang="en-US"/>
           </a:p>
@@ -1982,7 +1982,7 @@
           <a:p>
             <a:fld id="{D10E5F71-CB03-4346-9BBA-E5D3823F93A7}" type="datetimeFigureOut">
               <a:rPr lang="en-US" smtClean="0"/>
-              <a:t>2016-04-13</a:t>
+              <a:t>2016-04-20</a:t>
             </a:fld>
             <a:endParaRPr lang="en-US"/>
           </a:p>
@@ -2259,7 +2259,7 @@
           <a:p>
             <a:fld id="{D10E5F71-CB03-4346-9BBA-E5D3823F93A7}" type="datetimeFigureOut">
               <a:rPr lang="en-US" smtClean="0"/>
-              <a:t>2016-04-13</a:t>
+              <a:t>2016-04-20</a:t>
             </a:fld>
             <a:endParaRPr lang="en-US"/>
           </a:p>
@@ -2512,7 +2512,7 @@
           <a:p>
             <a:fld id="{D10E5F71-CB03-4346-9BBA-E5D3823F93A7}" type="datetimeFigureOut">
               <a:rPr lang="en-US" smtClean="0"/>
-              <a:t>2016-04-13</a:t>
+              <a:t>2016-04-20</a:t>
             </a:fld>
             <a:endParaRPr lang="en-US"/>
           </a:p>
@@ -2725,7 +2725,7 @@
           <a:p>
             <a:fld id="{D10E5F71-CB03-4346-9BBA-E5D3823F93A7}" type="datetimeFigureOut">
               <a:rPr lang="en-US" smtClean="0"/>
-              <a:t>2016-04-13</a:t>
+              <a:t>2016-04-20</a:t>
             </a:fld>
             <a:endParaRPr lang="en-US"/>
           </a:p>
@@ -3327,27 +3327,7 @@
                 <a:latin typeface="Arial"/>
                 <a:cs typeface="Arial"/>
               </a:rPr>
-              <a:t>, </a:t>
-            </a:r>
-            <a:r>
-              <a:rPr lang="hu-HU" sz="4800" b="1" dirty="0">
-                <a:solidFill>
-                  <a:schemeClr val="bg1"/>
-                </a:solidFill>
-                <a:latin typeface="Arial"/>
-                <a:cs typeface="Arial"/>
-              </a:rPr>
-              <a:t>Jeffrey B. </a:t>
-            </a:r>
-            <a:r>
-              <a:rPr lang="hu-HU" sz="4800" b="1" dirty="0">
-                <a:solidFill>
-                  <a:schemeClr val="bg1"/>
-                </a:solidFill>
-                <a:latin typeface="Arial"/>
-                <a:cs typeface="Arial"/>
-              </a:rPr>
-              <a:t>Joy</a:t>
+              <a:t>, Jeffrey B. Joy</a:t>
             </a:r>
             <a:r>
               <a:rPr lang="en-US" sz="4800" b="1" baseline="30000" dirty="0">
@@ -3367,27 +3347,7 @@
                 <a:latin typeface="Arial"/>
                 <a:cs typeface="Arial"/>
               </a:rPr>
-              <a:t>, </a:t>
-            </a:r>
-            <a:r>
-              <a:rPr lang="hu-HU" sz="4800" b="1" dirty="0">
-                <a:solidFill>
-                  <a:schemeClr val="bg1"/>
-                </a:solidFill>
-                <a:latin typeface="Arial"/>
-                <a:cs typeface="Arial"/>
-              </a:rPr>
-              <a:t>Zabrina L. </a:t>
-            </a:r>
-            <a:r>
-              <a:rPr lang="hu-HU" sz="4800" b="1" dirty="0">
-                <a:solidFill>
-                  <a:schemeClr val="bg1"/>
-                </a:solidFill>
-                <a:latin typeface="Arial"/>
-                <a:cs typeface="Arial"/>
-              </a:rPr>
-              <a:t>Brumme</a:t>
+              <a:t>, Zabrina L. Brumme</a:t>
             </a:r>
             <a:r>
               <a:rPr lang="en-US" sz="4800" b="1" baseline="30000" dirty="0">
@@ -3407,27 +3367,7 @@
                 <a:latin typeface="Arial"/>
                 <a:cs typeface="Arial"/>
               </a:rPr>
-              <a:t>, and </a:t>
-            </a:r>
-            <a:r>
-              <a:rPr lang="hu-HU" sz="4800" b="1" dirty="0">
-                <a:solidFill>
-                  <a:schemeClr val="bg1"/>
-                </a:solidFill>
-                <a:latin typeface="Arial"/>
-                <a:cs typeface="Arial"/>
-              </a:rPr>
-              <a:t>Art F.Y. </a:t>
-            </a:r>
-            <a:r>
-              <a:rPr lang="hu-HU" sz="4800" b="1" dirty="0">
-                <a:solidFill>
-                  <a:schemeClr val="bg1"/>
-                </a:solidFill>
-                <a:latin typeface="Arial"/>
-                <a:cs typeface="Arial"/>
-              </a:rPr>
-              <a:t>Poon</a:t>
+              <a:t>, and Art F.Y. Poon</a:t>
             </a:r>
             <a:r>
               <a:rPr lang="en-US" sz="4800" b="1" baseline="30000" dirty="0">
@@ -3439,13 +3379,6 @@
               </a:rPr>
               <a:t>1,2,3</a:t>
             </a:r>
-            <a:endParaRPr lang="en-US" sz="4800" b="1" baseline="30000" dirty="0">
-              <a:solidFill>
-                <a:schemeClr val="bg1"/>
-              </a:solidFill>
-              <a:latin typeface="Arial"/>
-              <a:cs typeface="Arial"/>
-            </a:endParaRPr>
           </a:p>
         </p:txBody>
       </p:sp>
@@ -3482,13 +3415,6 @@
               </a:rPr>
               <a:t>1. Simon Fraser University, 2. BC Centre for Excellence in HIV/AIDS, 3. University of British Columbia</a:t>
             </a:r>
-            <a:endParaRPr lang="en-US" sz="3800" b="1" dirty="0">
-              <a:solidFill>
-                <a:schemeClr val="bg1"/>
-              </a:solidFill>
-              <a:latin typeface="Arial"/>
-              <a:cs typeface="Arial"/>
-            </a:endParaRPr>
           </a:p>
         </p:txBody>
       </p:sp>
@@ -3500,7 +3426,7 @@
         </p:nvGrpSpPr>
         <p:grpSpPr>
           <a:xfrm>
-            <a:off x="19427052" y="31279658"/>
+            <a:off x="19427052" y="31245792"/>
             <a:ext cx="18409383" cy="4989700"/>
             <a:chOff x="20770811" y="30428540"/>
             <a:chExt cx="17065624" cy="4989704"/>
@@ -3805,21 +3731,7 @@
                   <a:latin typeface="Arial"/>
                   <a:cs typeface="Arial"/>
                 </a:rPr>
-                <a:t>We showed that dates can be reconstructed from a phylogeny when the evolution adheres to a molecular clock. We also showed that in this case </a:t>
-              </a:r>
-              <a:r>
-                <a:rPr lang="en-US" sz="3400" dirty="0">
-                  <a:latin typeface="Arial"/>
-                  <a:cs typeface="Arial"/>
-                </a:rPr>
-                <a:t>l</a:t>
-              </a:r>
-              <a:r>
-                <a:rPr lang="en-US" sz="3400" dirty="0">
-                  <a:latin typeface="Arial"/>
-                  <a:cs typeface="Arial"/>
-                </a:rPr>
-                <a:t>atency periods can be accurately predicted.</a:t>
+                <a:t>We showed that dates can be reconstructed from a phylogeny when the evolution adheres to a molecular clock. We also showed that in this case latency periods can be accurately predicted.</a:t>
               </a:r>
             </a:p>
             <a:p>
@@ -3869,10 +3781,6 @@
                 </a:rPr>
                 <a:t>tree approach and applying the methodology to NGS data.</a:t>
               </a:r>
-              <a:endParaRPr lang="en-US" sz="3400" dirty="0">
-                <a:latin typeface="Arial"/>
-                <a:cs typeface="Arial"/>
-              </a:endParaRPr>
             </a:p>
           </p:txBody>
         </p:sp>
@@ -3915,7 +3823,7 @@
         </p:nvGrpSpPr>
         <p:grpSpPr>
           <a:xfrm>
-            <a:off x="508977" y="26751476"/>
+            <a:off x="508977" y="26683744"/>
             <a:ext cx="18444718" cy="3678901"/>
             <a:chOff x="454600" y="28534651"/>
             <a:chExt cx="17065624" cy="3678902"/>
@@ -4329,7 +4237,7 @@
         </p:nvGrpSpPr>
         <p:grpSpPr>
           <a:xfrm>
-            <a:off x="452882" y="10459214"/>
+            <a:off x="452882" y="10425348"/>
             <a:ext cx="18444718" cy="16331010"/>
             <a:chOff x="452883" y="11819110"/>
             <a:chExt cx="17065624" cy="16331014"/>
@@ -5733,28 +5641,14 @@
                       <a:latin typeface="Arial"/>
                       <a:cs typeface="Arial"/>
                     </a:rPr>
-                    <a:t>the mixed data (p=7.88×</a:t>
-                  </a:r>
-                  <a:r>
-                    <a:rPr lang="en-US" sz="3400" dirty="0">
-                      <a:latin typeface="Arial"/>
-                      <a:cs typeface="Arial"/>
-                    </a:rPr>
-                    <a:t>10</a:t>
+                    <a:t>the mixed data (p=7.88×10</a:t>
                   </a:r>
                   <a:r>
                     <a:rPr lang="en-US" sz="3400" baseline="30000" dirty="0">
                       <a:latin typeface="Arial"/>
                       <a:cs typeface="Arial"/>
                     </a:rPr>
-                    <a:t>-</a:t>
-                  </a:r>
-                  <a:r>
-                    <a:rPr lang="en-US" sz="3400" baseline="30000" dirty="0">
-                      <a:latin typeface="Arial"/>
-                      <a:cs typeface="Arial"/>
-                    </a:rPr>
-                    <a:t>7</a:t>
+                    <a:t>-7</a:t>
                   </a:r>
                   <a:r>
                     <a:rPr lang="en-US" sz="3400" dirty="0">
@@ -5763,10 +5657,6 @@
                     </a:rPr>
                     <a:t>).</a:t>
                   </a:r>
-                  <a:endParaRPr lang="en-US" sz="3400" dirty="0">
-                    <a:latin typeface="Arial"/>
-                    <a:cs typeface="Arial"/>
-                  </a:endParaRPr>
                 </a:p>
               </p:txBody>
             </p:sp>
@@ -5868,10 +5758,6 @@
                   </a:rPr>
                   <a:t>data</a:t>
                 </a:r>
-                <a:endParaRPr lang="en-US" sz="3400" b="1" dirty="0">
-                  <a:latin typeface="Arial"/>
-                  <a:cs typeface="Arial"/>
-                </a:endParaRPr>
               </a:p>
             </p:txBody>
           </p:sp>
@@ -5905,10 +5791,6 @@
                   </a:rPr>
                   <a:t>Mixed data</a:t>
                 </a:r>
-                <a:endParaRPr lang="en-US" sz="3400" b="1" dirty="0">
-                  <a:latin typeface="Arial"/>
-                  <a:cs typeface="Arial"/>
-                </a:endParaRPr>
               </a:p>
             </p:txBody>
           </p:sp>
@@ -5986,10 +5868,6 @@
                   </a:rPr>
                   <a:t>Simulated data with latency</a:t>
                 </a:r>
-                <a:endParaRPr lang="en-US" sz="3400" b="1" dirty="0">
-                  <a:latin typeface="Arial"/>
-                  <a:cs typeface="Arial"/>
-                </a:endParaRPr>
               </a:p>
             </p:txBody>
           </p:sp>
@@ -6039,7 +5917,7 @@
         </p:nvGrpSpPr>
         <p:grpSpPr>
           <a:xfrm>
-            <a:off x="407298" y="30384969"/>
+            <a:off x="407298" y="30283371"/>
             <a:ext cx="18444718" cy="5758710"/>
             <a:chOff x="454600" y="28534651"/>
             <a:chExt cx="17065624" cy="5758711"/>
@@ -6873,6 +6751,53 @@
               <a:latin typeface="Arial"/>
               <a:cs typeface="Arial"/>
             </a:endParaRPr>
+          </a:p>
+        </p:txBody>
+      </p:sp>
+      <p:sp>
+        <p:nvSpPr>
+          <p:cNvPr id="5" name="TextBox 4"/>
+          <p:cNvSpPr txBox="1"/>
+          <p:nvPr/>
+        </p:nvSpPr>
+        <p:spPr>
+          <a:xfrm>
+            <a:off x="22317148" y="36029987"/>
+            <a:ext cx="15179634" cy="861774"/>
+          </a:xfrm>
+          <a:prstGeom prst="rect">
+            <a:avLst/>
+          </a:prstGeom>
+          <a:noFill/>
+        </p:spPr>
+        <p:txBody>
+          <a:bodyPr wrap="square" rtlCol="0">
+            <a:spAutoFit/>
+          </a:bodyPr>
+          <a:lstStyle/>
+          <a:p>
+            <a:pPr algn="r"/>
+            <a:r>
+              <a:rPr lang="en-US" sz="2500" dirty="0"/>
+              <a:t>This work was supported by the Canadian Institutes of Health Research (CIHR Team Grant: HIV Cure Research </a:t>
+            </a:r>
+            <a:r>
+              <a:rPr lang="en-US" sz="2500" dirty="0" smtClean="0"/>
+              <a:t>— </a:t>
+            </a:r>
+            <a:r>
+              <a:rPr lang="en-US" sz="2500" dirty="0"/>
+              <a:t>The Canadian HIV Cure Research Enterprise; </a:t>
+            </a:r>
+            <a:r>
+              <a:rPr lang="en-US" sz="2500" dirty="0" err="1"/>
+              <a:t>CanCure</a:t>
+            </a:r>
+            <a:r>
+              <a:rPr lang="en-US" sz="2500" dirty="0"/>
+              <a:t>) and by a CIHR operating grant to Art Poon (HOP-111406).</a:t>
+            </a:r>
+            <a:endParaRPr lang="en-US" sz="2500" dirty="0"/>
           </a:p>
         </p:txBody>
       </p:sp>

--- a/posters/CAHR 2016.pptx
+++ b/posters/CAHR 2016.pptx
@@ -4,6 +4,9 @@
   <p:sldMasterIdLst>
     <p:sldMasterId id="2147483648" r:id="rId1"/>
   </p:sldMasterIdLst>
+  <p:notesMasterIdLst>
+    <p:notesMasterId r:id="rId3"/>
+  </p:notesMasterIdLst>
   <p:sldIdLst>
     <p:sldId id="256" r:id="rId2"/>
   </p:sldIdLst>
@@ -105,6 +108,440 @@
     </a:lvl9pPr>
   </p:defaultTextStyle>
 </p:presentation>
+</file>
+
+<file path=ppt/notesMasters/notesMaster1.xml><?xml version="1.0" encoding="utf-8"?>
+<p:notesMaster xmlns:a="http://schemas.openxmlformats.org/drawingml/2006/main" xmlns:r="http://schemas.openxmlformats.org/officeDocument/2006/relationships" xmlns:p="http://schemas.openxmlformats.org/presentationml/2006/main">
+  <p:cSld>
+    <p:bg>
+      <p:bgRef idx="1001">
+        <a:schemeClr val="bg1"/>
+      </p:bgRef>
+    </p:bg>
+    <p:spTree>
+      <p:nvGrpSpPr>
+        <p:cNvPr id="1" name=""/>
+        <p:cNvGrpSpPr/>
+        <p:nvPr/>
+      </p:nvGrpSpPr>
+      <p:grpSpPr>
+        <a:xfrm>
+          <a:off x="0" y="0"/>
+          <a:ext cx="0" cy="0"/>
+          <a:chOff x="0" y="0"/>
+          <a:chExt cx="0" cy="0"/>
+        </a:xfrm>
+      </p:grpSpPr>
+      <p:sp>
+        <p:nvSpPr>
+          <p:cNvPr id="2" name="Header Placeholder 1"/>
+          <p:cNvSpPr>
+            <a:spLocks noGrp="1"/>
+          </p:cNvSpPr>
+          <p:nvPr>
+            <p:ph type="hdr" sz="quarter"/>
+          </p:nvPr>
+        </p:nvSpPr>
+        <p:spPr>
+          <a:xfrm>
+            <a:off x="0" y="0"/>
+            <a:ext cx="2971800" cy="457200"/>
+          </a:xfrm>
+          <a:prstGeom prst="rect">
+            <a:avLst/>
+          </a:prstGeom>
+        </p:spPr>
+        <p:txBody>
+          <a:bodyPr vert="horz" lIns="91440" tIns="45720" rIns="91440" bIns="45720" rtlCol="0"/>
+          <a:lstStyle>
+            <a:lvl1pPr algn="l">
+              <a:defRPr sz="1200"/>
+            </a:lvl1pPr>
+          </a:lstStyle>
+          <a:p>
+            <a:endParaRPr lang="en-US"/>
+          </a:p>
+        </p:txBody>
+      </p:sp>
+      <p:sp>
+        <p:nvSpPr>
+          <p:cNvPr id="3" name="Date Placeholder 2"/>
+          <p:cNvSpPr>
+            <a:spLocks noGrp="1"/>
+          </p:cNvSpPr>
+          <p:nvPr>
+            <p:ph type="dt" idx="1"/>
+          </p:nvPr>
+        </p:nvSpPr>
+        <p:spPr>
+          <a:xfrm>
+            <a:off x="3884613" y="0"/>
+            <a:ext cx="2971800" cy="457200"/>
+          </a:xfrm>
+          <a:prstGeom prst="rect">
+            <a:avLst/>
+          </a:prstGeom>
+        </p:spPr>
+        <p:txBody>
+          <a:bodyPr vert="horz" lIns="91440" tIns="45720" rIns="91440" bIns="45720" rtlCol="0"/>
+          <a:lstStyle>
+            <a:lvl1pPr algn="r">
+              <a:defRPr sz="1200"/>
+            </a:lvl1pPr>
+          </a:lstStyle>
+          <a:p>
+            <a:fld id="{9255E038-B418-6846-8762-220F5ED64695}" type="datetimeFigureOut">
+              <a:rPr lang="en-US" smtClean="0"/>
+              <a:t>2016-04-28</a:t>
+            </a:fld>
+            <a:endParaRPr lang="en-US"/>
+          </a:p>
+        </p:txBody>
+      </p:sp>
+      <p:sp>
+        <p:nvSpPr>
+          <p:cNvPr id="4" name="Slide Image Placeholder 3"/>
+          <p:cNvSpPr>
+            <a:spLocks noGrp="1" noRot="1" noChangeAspect="1"/>
+          </p:cNvSpPr>
+          <p:nvPr>
+            <p:ph type="sldImg" idx="2"/>
+          </p:nvPr>
+        </p:nvSpPr>
+        <p:spPr>
+          <a:xfrm>
+            <a:off x="1714500" y="685800"/>
+            <a:ext cx="3429000" cy="3429000"/>
+          </a:xfrm>
+          <a:prstGeom prst="rect">
+            <a:avLst/>
+          </a:prstGeom>
+          <a:noFill/>
+          <a:ln w="12700">
+            <a:solidFill>
+              <a:prstClr val="black"/>
+            </a:solidFill>
+          </a:ln>
+        </p:spPr>
+        <p:txBody>
+          <a:bodyPr vert="horz" lIns="91440" tIns="45720" rIns="91440" bIns="45720" rtlCol="0" anchor="ctr"/>
+          <a:lstStyle/>
+          <a:p>
+            <a:endParaRPr lang="en-US"/>
+          </a:p>
+        </p:txBody>
+      </p:sp>
+      <p:sp>
+        <p:nvSpPr>
+          <p:cNvPr id="5" name="Notes Placeholder 4"/>
+          <p:cNvSpPr>
+            <a:spLocks noGrp="1"/>
+          </p:cNvSpPr>
+          <p:nvPr>
+            <p:ph type="body" sz="quarter" idx="3"/>
+          </p:nvPr>
+        </p:nvSpPr>
+        <p:spPr>
+          <a:xfrm>
+            <a:off x="685800" y="4343400"/>
+            <a:ext cx="5486400" cy="4114800"/>
+          </a:xfrm>
+          <a:prstGeom prst="rect">
+            <a:avLst/>
+          </a:prstGeom>
+        </p:spPr>
+        <p:txBody>
+          <a:bodyPr vert="horz" lIns="91440" tIns="45720" rIns="91440" bIns="45720" rtlCol="0"/>
+          <a:lstStyle/>
+          <a:p>
+            <a:pPr lvl="0"/>
+            <a:r>
+              <a:rPr lang="en-US" smtClean="0"/>
+              <a:t>Click to edit Master text styles</a:t>
+            </a:r>
+          </a:p>
+          <a:p>
+            <a:pPr lvl="1"/>
+            <a:r>
+              <a:rPr lang="en-US" smtClean="0"/>
+              <a:t>Second level</a:t>
+            </a:r>
+          </a:p>
+          <a:p>
+            <a:pPr lvl="2"/>
+            <a:r>
+              <a:rPr lang="en-US" smtClean="0"/>
+              <a:t>Third level</a:t>
+            </a:r>
+          </a:p>
+          <a:p>
+            <a:pPr lvl="3"/>
+            <a:r>
+              <a:rPr lang="en-US" smtClean="0"/>
+              <a:t>Fourth level</a:t>
+            </a:r>
+          </a:p>
+          <a:p>
+            <a:pPr lvl="4"/>
+            <a:r>
+              <a:rPr lang="en-US" smtClean="0"/>
+              <a:t>Fifth level</a:t>
+            </a:r>
+            <a:endParaRPr lang="en-US"/>
+          </a:p>
+        </p:txBody>
+      </p:sp>
+      <p:sp>
+        <p:nvSpPr>
+          <p:cNvPr id="6" name="Footer Placeholder 5"/>
+          <p:cNvSpPr>
+            <a:spLocks noGrp="1"/>
+          </p:cNvSpPr>
+          <p:nvPr>
+            <p:ph type="ftr" sz="quarter" idx="4"/>
+          </p:nvPr>
+        </p:nvSpPr>
+        <p:spPr>
+          <a:xfrm>
+            <a:off x="0" y="8685213"/>
+            <a:ext cx="2971800" cy="457200"/>
+          </a:xfrm>
+          <a:prstGeom prst="rect">
+            <a:avLst/>
+          </a:prstGeom>
+        </p:spPr>
+        <p:txBody>
+          <a:bodyPr vert="horz" lIns="91440" tIns="45720" rIns="91440" bIns="45720" rtlCol="0" anchor="b"/>
+          <a:lstStyle>
+            <a:lvl1pPr algn="l">
+              <a:defRPr sz="1200"/>
+            </a:lvl1pPr>
+          </a:lstStyle>
+          <a:p>
+            <a:endParaRPr lang="en-US"/>
+          </a:p>
+        </p:txBody>
+      </p:sp>
+      <p:sp>
+        <p:nvSpPr>
+          <p:cNvPr id="7" name="Slide Number Placeholder 6"/>
+          <p:cNvSpPr>
+            <a:spLocks noGrp="1"/>
+          </p:cNvSpPr>
+          <p:nvPr>
+            <p:ph type="sldNum" sz="quarter" idx="5"/>
+          </p:nvPr>
+        </p:nvSpPr>
+        <p:spPr>
+          <a:xfrm>
+            <a:off x="3884613" y="8685213"/>
+            <a:ext cx="2971800" cy="457200"/>
+          </a:xfrm>
+          <a:prstGeom prst="rect">
+            <a:avLst/>
+          </a:prstGeom>
+        </p:spPr>
+        <p:txBody>
+          <a:bodyPr vert="horz" lIns="91440" tIns="45720" rIns="91440" bIns="45720" rtlCol="0" anchor="b"/>
+          <a:lstStyle>
+            <a:lvl1pPr algn="r">
+              <a:defRPr sz="1200"/>
+            </a:lvl1pPr>
+          </a:lstStyle>
+          <a:p>
+            <a:fld id="{18367415-9679-7646-B990-F277AA7D67A0}" type="slidenum">
+              <a:rPr lang="en-US" smtClean="0"/>
+              <a:t>‹#›</a:t>
+            </a:fld>
+            <a:endParaRPr lang="en-US"/>
+          </a:p>
+        </p:txBody>
+      </p:sp>
+    </p:spTree>
+    <p:extLst>
+      <p:ext uri="{BB962C8B-B14F-4D97-AF65-F5344CB8AC3E}">
+        <p14:creationId xmlns:p14="http://schemas.microsoft.com/office/powerpoint/2010/main" val="2083269869"/>
+      </p:ext>
+    </p:extLst>
+  </p:cSld>
+  <p:clrMap bg1="lt1" tx1="dk1" bg2="lt2" tx2="dk2" accent1="accent1" accent2="accent2" accent3="accent3" accent4="accent4" accent5="accent5" accent6="accent6" hlink="hlink" folHlink="folHlink"/>
+  <p:notesStyle>
+    <a:lvl1pPr marL="0" algn="l" defTabSz="457200" rtl="0" eaLnBrk="1" latinLnBrk="0" hangingPunct="1">
+      <a:defRPr sz="1200" kern="1200">
+        <a:solidFill>
+          <a:schemeClr val="tx1"/>
+        </a:solidFill>
+        <a:latin typeface="+mn-lt"/>
+        <a:ea typeface="+mn-ea"/>
+        <a:cs typeface="+mn-cs"/>
+      </a:defRPr>
+    </a:lvl1pPr>
+    <a:lvl2pPr marL="457200" algn="l" defTabSz="457200" rtl="0" eaLnBrk="1" latinLnBrk="0" hangingPunct="1">
+      <a:defRPr sz="1200" kern="1200">
+        <a:solidFill>
+          <a:schemeClr val="tx1"/>
+        </a:solidFill>
+        <a:latin typeface="+mn-lt"/>
+        <a:ea typeface="+mn-ea"/>
+        <a:cs typeface="+mn-cs"/>
+      </a:defRPr>
+    </a:lvl2pPr>
+    <a:lvl3pPr marL="914400" algn="l" defTabSz="457200" rtl="0" eaLnBrk="1" latinLnBrk="0" hangingPunct="1">
+      <a:defRPr sz="1200" kern="1200">
+        <a:solidFill>
+          <a:schemeClr val="tx1"/>
+        </a:solidFill>
+        <a:latin typeface="+mn-lt"/>
+        <a:ea typeface="+mn-ea"/>
+        <a:cs typeface="+mn-cs"/>
+      </a:defRPr>
+    </a:lvl3pPr>
+    <a:lvl4pPr marL="1371600" algn="l" defTabSz="457200" rtl="0" eaLnBrk="1" latinLnBrk="0" hangingPunct="1">
+      <a:defRPr sz="1200" kern="1200">
+        <a:solidFill>
+          <a:schemeClr val="tx1"/>
+        </a:solidFill>
+        <a:latin typeface="+mn-lt"/>
+        <a:ea typeface="+mn-ea"/>
+        <a:cs typeface="+mn-cs"/>
+      </a:defRPr>
+    </a:lvl4pPr>
+    <a:lvl5pPr marL="1828800" algn="l" defTabSz="457200" rtl="0" eaLnBrk="1" latinLnBrk="0" hangingPunct="1">
+      <a:defRPr sz="1200" kern="1200">
+        <a:solidFill>
+          <a:schemeClr val="tx1"/>
+        </a:solidFill>
+        <a:latin typeface="+mn-lt"/>
+        <a:ea typeface="+mn-ea"/>
+        <a:cs typeface="+mn-cs"/>
+      </a:defRPr>
+    </a:lvl5pPr>
+    <a:lvl6pPr marL="2286000" algn="l" defTabSz="457200" rtl="0" eaLnBrk="1" latinLnBrk="0" hangingPunct="1">
+      <a:defRPr sz="1200" kern="1200">
+        <a:solidFill>
+          <a:schemeClr val="tx1"/>
+        </a:solidFill>
+        <a:latin typeface="+mn-lt"/>
+        <a:ea typeface="+mn-ea"/>
+        <a:cs typeface="+mn-cs"/>
+      </a:defRPr>
+    </a:lvl6pPr>
+    <a:lvl7pPr marL="2743200" algn="l" defTabSz="457200" rtl="0" eaLnBrk="1" latinLnBrk="0" hangingPunct="1">
+      <a:defRPr sz="1200" kern="1200">
+        <a:solidFill>
+          <a:schemeClr val="tx1"/>
+        </a:solidFill>
+        <a:latin typeface="+mn-lt"/>
+        <a:ea typeface="+mn-ea"/>
+        <a:cs typeface="+mn-cs"/>
+      </a:defRPr>
+    </a:lvl7pPr>
+    <a:lvl8pPr marL="3200400" algn="l" defTabSz="457200" rtl="0" eaLnBrk="1" latinLnBrk="0" hangingPunct="1">
+      <a:defRPr sz="1200" kern="1200">
+        <a:solidFill>
+          <a:schemeClr val="tx1"/>
+        </a:solidFill>
+        <a:latin typeface="+mn-lt"/>
+        <a:ea typeface="+mn-ea"/>
+        <a:cs typeface="+mn-cs"/>
+      </a:defRPr>
+    </a:lvl8pPr>
+    <a:lvl9pPr marL="3657600" algn="l" defTabSz="457200" rtl="0" eaLnBrk="1" latinLnBrk="0" hangingPunct="1">
+      <a:defRPr sz="1200" kern="1200">
+        <a:solidFill>
+          <a:schemeClr val="tx1"/>
+        </a:solidFill>
+        <a:latin typeface="+mn-lt"/>
+        <a:ea typeface="+mn-ea"/>
+        <a:cs typeface="+mn-cs"/>
+      </a:defRPr>
+    </a:lvl9pPr>
+  </p:notesStyle>
+</p:notesMaster>
+</file>
+
+<file path=ppt/notesSlides/notesSlide1.xml><?xml version="1.0" encoding="utf-8"?>
+<p:notes xmlns:a="http://schemas.openxmlformats.org/drawingml/2006/main" xmlns:r="http://schemas.openxmlformats.org/officeDocument/2006/relationships" xmlns:p="http://schemas.openxmlformats.org/presentationml/2006/main">
+  <p:cSld>
+    <p:spTree>
+      <p:nvGrpSpPr>
+        <p:cNvPr id="1" name=""/>
+        <p:cNvGrpSpPr/>
+        <p:nvPr/>
+      </p:nvGrpSpPr>
+      <p:grpSpPr>
+        <a:xfrm>
+          <a:off x="0" y="0"/>
+          <a:ext cx="0" cy="0"/>
+          <a:chOff x="0" y="0"/>
+          <a:chExt cx="0" cy="0"/>
+        </a:xfrm>
+      </p:grpSpPr>
+      <p:sp>
+        <p:nvSpPr>
+          <p:cNvPr id="2" name="Slide Image Placeholder 1"/>
+          <p:cNvSpPr>
+            <a:spLocks noGrp="1" noRot="1" noChangeAspect="1"/>
+          </p:cNvSpPr>
+          <p:nvPr>
+            <p:ph type="sldImg"/>
+          </p:nvPr>
+        </p:nvSpPr>
+        <p:spPr/>
+      </p:sp>
+      <p:sp>
+        <p:nvSpPr>
+          <p:cNvPr id="3" name="Notes Placeholder 2"/>
+          <p:cNvSpPr>
+            <a:spLocks noGrp="1"/>
+          </p:cNvSpPr>
+          <p:nvPr>
+            <p:ph type="body" idx="1"/>
+          </p:nvPr>
+        </p:nvSpPr>
+        <p:spPr/>
+        <p:txBody>
+          <a:bodyPr/>
+          <a:lstStyle/>
+          <a:p>
+            <a:endParaRPr lang="en-US" dirty="0"/>
+          </a:p>
+        </p:txBody>
+      </p:sp>
+      <p:sp>
+        <p:nvSpPr>
+          <p:cNvPr id="4" name="Slide Number Placeholder 3"/>
+          <p:cNvSpPr>
+            <a:spLocks noGrp="1"/>
+          </p:cNvSpPr>
+          <p:nvPr>
+            <p:ph type="sldNum" sz="quarter" idx="10"/>
+          </p:nvPr>
+        </p:nvSpPr>
+        <p:spPr/>
+        <p:txBody>
+          <a:bodyPr/>
+          <a:lstStyle/>
+          <a:p>
+            <a:fld id="{18367415-9679-7646-B990-F277AA7D67A0}" type="slidenum">
+              <a:rPr lang="en-US" smtClean="0"/>
+              <a:t>1</a:t>
+            </a:fld>
+            <a:endParaRPr lang="en-US"/>
+          </a:p>
+        </p:txBody>
+      </p:sp>
+    </p:spTree>
+    <p:extLst>
+      <p:ext uri="{BB962C8B-B14F-4D97-AF65-F5344CB8AC3E}">
+        <p14:creationId xmlns:p14="http://schemas.microsoft.com/office/powerpoint/2010/main" val="1086683882"/>
+      </p:ext>
+    </p:extLst>
+  </p:cSld>
+  <p:clrMapOvr>
+    <a:masterClrMapping/>
+  </p:clrMapOvr>
+</p:notes>
 </file>
 
 <file path=ppt/slideLayouts/slideLayout1.xml><?xml version="1.0" encoding="utf-8"?>
@@ -288,7 +725,7 @@
           <a:p>
             <a:fld id="{D10E5F71-CB03-4346-9BBA-E5D3823F93A7}" type="datetimeFigureOut">
               <a:rPr lang="en-US" smtClean="0"/>
-              <a:t>2016-04-20</a:t>
+              <a:t>2016-04-28</a:t>
             </a:fld>
             <a:endParaRPr lang="en-US"/>
           </a:p>
@@ -458,7 +895,7 @@
           <a:p>
             <a:fld id="{D10E5F71-CB03-4346-9BBA-E5D3823F93A7}" type="datetimeFigureOut">
               <a:rPr lang="en-US" smtClean="0"/>
-              <a:t>2016-04-20</a:t>
+              <a:t>2016-04-28</a:t>
             </a:fld>
             <a:endParaRPr lang="en-US"/>
           </a:p>
@@ -638,7 +1075,7 @@
           <a:p>
             <a:fld id="{D10E5F71-CB03-4346-9BBA-E5D3823F93A7}" type="datetimeFigureOut">
               <a:rPr lang="en-US" smtClean="0"/>
-              <a:t>2016-04-20</a:t>
+              <a:t>2016-04-28</a:t>
             </a:fld>
             <a:endParaRPr lang="en-US"/>
           </a:p>
@@ -808,7 +1245,7 @@
           <a:p>
             <a:fld id="{D10E5F71-CB03-4346-9BBA-E5D3823F93A7}" type="datetimeFigureOut">
               <a:rPr lang="en-US" smtClean="0"/>
-              <a:t>2016-04-20</a:t>
+              <a:t>2016-04-28</a:t>
             </a:fld>
             <a:endParaRPr lang="en-US"/>
           </a:p>
@@ -1054,7 +1491,7 @@
           <a:p>
             <a:fld id="{D10E5F71-CB03-4346-9BBA-E5D3823F93A7}" type="datetimeFigureOut">
               <a:rPr lang="en-US" smtClean="0"/>
-              <a:t>2016-04-20</a:t>
+              <a:t>2016-04-28</a:t>
             </a:fld>
             <a:endParaRPr lang="en-US"/>
           </a:p>
@@ -1342,7 +1779,7 @@
           <a:p>
             <a:fld id="{D10E5F71-CB03-4346-9BBA-E5D3823F93A7}" type="datetimeFigureOut">
               <a:rPr lang="en-US" smtClean="0"/>
-              <a:t>2016-04-20</a:t>
+              <a:t>2016-04-28</a:t>
             </a:fld>
             <a:endParaRPr lang="en-US"/>
           </a:p>
@@ -1769,7 +2206,7 @@
           <a:p>
             <a:fld id="{D10E5F71-CB03-4346-9BBA-E5D3823F93A7}" type="datetimeFigureOut">
               <a:rPr lang="en-US" smtClean="0"/>
-              <a:t>2016-04-20</a:t>
+              <a:t>2016-04-28</a:t>
             </a:fld>
             <a:endParaRPr lang="en-US"/>
           </a:p>
@@ -1887,7 +2324,7 @@
           <a:p>
             <a:fld id="{D10E5F71-CB03-4346-9BBA-E5D3823F93A7}" type="datetimeFigureOut">
               <a:rPr lang="en-US" smtClean="0"/>
-              <a:t>2016-04-20</a:t>
+              <a:t>2016-04-28</a:t>
             </a:fld>
             <a:endParaRPr lang="en-US"/>
           </a:p>
@@ -1982,7 +2419,7 @@
           <a:p>
             <a:fld id="{D10E5F71-CB03-4346-9BBA-E5D3823F93A7}" type="datetimeFigureOut">
               <a:rPr lang="en-US" smtClean="0"/>
-              <a:t>2016-04-20</a:t>
+              <a:t>2016-04-28</a:t>
             </a:fld>
             <a:endParaRPr lang="en-US"/>
           </a:p>
@@ -2259,7 +2696,7 @@
           <a:p>
             <a:fld id="{D10E5F71-CB03-4346-9BBA-E5D3823F93A7}" type="datetimeFigureOut">
               <a:rPr lang="en-US" smtClean="0"/>
-              <a:t>2016-04-20</a:t>
+              <a:t>2016-04-28</a:t>
             </a:fld>
             <a:endParaRPr lang="en-US"/>
           </a:p>
@@ -2512,7 +2949,7 @@
           <a:p>
             <a:fld id="{D10E5F71-CB03-4346-9BBA-E5D3823F93A7}" type="datetimeFigureOut">
               <a:rPr lang="en-US" smtClean="0"/>
-              <a:t>2016-04-20</a:t>
+              <a:t>2016-04-28</a:t>
             </a:fld>
             <a:endParaRPr lang="en-US"/>
           </a:p>
@@ -2725,7 +3162,7 @@
           <a:p>
             <a:fld id="{D10E5F71-CB03-4346-9BBA-E5D3823F93A7}" type="datetimeFigureOut">
               <a:rPr lang="en-US" smtClean="0"/>
-              <a:t>2016-04-20</a:t>
+              <a:t>2016-04-28</a:t>
             </a:fld>
             <a:endParaRPr lang="en-US"/>
           </a:p>
@@ -3109,7 +3546,7 @@
           <p:nvPr/>
         </p:nvPicPr>
         <p:blipFill>
-          <a:blip r:embed="rId2">
+          <a:blip r:embed="rId3">
             <a:extLst>
               <a:ext uri="{28A0092B-C50C-407E-A947-70E740481C1C}">
                 <a14:useLocalDpi xmlns:a14="http://schemas.microsoft.com/office/drawing/2010/main" val="0"/>
@@ -3139,7 +3576,7 @@
           <p:nvPr/>
         </p:nvPicPr>
         <p:blipFill>
-          <a:blip r:embed="rId3">
+          <a:blip r:embed="rId4">
             <a:extLst>
               <a:ext uri="{28A0092B-C50C-407E-A947-70E740481C1C}">
                 <a14:useLocalDpi xmlns:a14="http://schemas.microsoft.com/office/drawing/2010/main" val="0"/>
@@ -3152,7 +3589,7 @@
         </p:blipFill>
         <p:spPr>
           <a:xfrm>
-            <a:off x="26074072" y="36875034"/>
+            <a:off x="25655953" y="36891761"/>
             <a:ext cx="5565097" cy="1371602"/>
           </a:xfrm>
           <a:prstGeom prst="rect">
@@ -3169,7 +3606,7 @@
           <p:nvPr/>
         </p:nvPicPr>
         <p:blipFill>
-          <a:blip r:embed="rId4">
+          <a:blip r:embed="rId5">
             <a:extLst>
               <a:ext uri="{28A0092B-C50C-407E-A947-70E740481C1C}">
                 <a14:useLocalDpi xmlns:a14="http://schemas.microsoft.com/office/drawing/2010/main" val="0"/>
@@ -3199,7 +3636,7 @@
           <p:nvPr/>
         </p:nvPicPr>
         <p:blipFill>
-          <a:blip r:embed="rId5">
+          <a:blip r:embed="rId6">
             <a:extLst>
               <a:ext uri="{28A0092B-C50C-407E-A947-70E740481C1C}">
                 <a14:useLocalDpi xmlns:a14="http://schemas.microsoft.com/office/drawing/2010/main" val="0"/>
@@ -3212,7 +3649,7 @@
         </p:blipFill>
         <p:spPr>
           <a:xfrm>
-            <a:off x="32549076" y="36920750"/>
+            <a:off x="31414443" y="36891761"/>
             <a:ext cx="3200400" cy="1280160"/>
           </a:xfrm>
           <a:prstGeom prst="rect">
@@ -3426,10 +3863,10 @@
         </p:nvGrpSpPr>
         <p:grpSpPr>
           <a:xfrm>
-            <a:off x="19427052" y="31245792"/>
-            <a:ext cx="18409383" cy="4989700"/>
-            <a:chOff x="20770811" y="30428540"/>
-            <a:chExt cx="17065624" cy="4989704"/>
+            <a:off x="623615" y="27646903"/>
+            <a:ext cx="18467841" cy="5095890"/>
+            <a:chOff x="20726359" y="30428544"/>
+            <a:chExt cx="17291585" cy="4309354"/>
           </a:xfrm>
         </p:grpSpPr>
         <p:grpSp>
@@ -3442,10 +3879,10 @@
           </p:nvGrpSpPr>
           <p:grpSpPr bwMode="auto">
             <a:xfrm>
-              <a:off x="20770811" y="30428540"/>
-              <a:ext cx="17065624" cy="1169761"/>
-              <a:chOff x="5376" y="8832"/>
-              <a:chExt cx="4607" cy="223"/>
+              <a:off x="20726359" y="30428544"/>
+              <a:ext cx="17291585" cy="1001903"/>
+              <a:chOff x="5364" y="8832"/>
+              <a:chExt cx="4668" cy="191"/>
             </a:xfrm>
           </p:grpSpPr>
           <p:sp>
@@ -3458,8 +3895,8 @@
             </p:nvSpPr>
             <p:spPr bwMode="auto">
               <a:xfrm>
-                <a:off x="5376" y="8832"/>
-                <a:ext cx="4607" cy="216"/>
+                <a:off x="5364" y="8832"/>
+                <a:ext cx="4668" cy="186"/>
               </a:xfrm>
               <a:prstGeom prst="rect">
                 <a:avLst/>
@@ -3648,7 +4085,7 @@
             </p:nvSpPr>
             <p:spPr bwMode="auto">
               <a:xfrm>
-                <a:off x="5398" y="9055"/>
+                <a:off x="5398" y="9023"/>
                 <a:ext cx="4406" cy="0"/>
               </a:xfrm>
               <a:prstGeom prst="line">
@@ -3713,15 +4150,15 @@
           </p:nvSpPr>
           <p:spPr>
             <a:xfrm>
-              <a:off x="20770811" y="31820333"/>
-              <a:ext cx="16750763" cy="3597911"/>
+              <a:off x="20770810" y="31562578"/>
+              <a:ext cx="16954663" cy="3175320"/>
             </a:xfrm>
             <a:prstGeom prst="rect">
               <a:avLst/>
             </a:prstGeom>
           </p:spPr>
           <p:txBody>
-            <a:bodyPr wrap="square">
+            <a:bodyPr wrap="square" numCol="1" spcCol="1548000">
               <a:spAutoFit/>
             </a:bodyPr>
             <a:lstStyle/>
@@ -3731,15 +4168,38 @@
                   <a:latin typeface="Arial"/>
                   <a:cs typeface="Arial"/>
                 </a:rPr>
-                <a:t>We showed that dates can be reconstructed from a phylogeny when the evolution adheres to a molecular clock. We also showed that in this case latency periods can be accurately predicted.</a:t>
+                <a:t>We showed that dates of establishment of individual viral lineages can be reconstructed from a time-calibrated phylogeny inferred from longitudinally-sampled plasma HIV RNA sequences when within-host evolution adheres to a molecular </a:t>
+              </a:r>
+              <a:r>
+                <a:rPr lang="en-US" sz="3400" dirty="0" smtClean="0">
+                  <a:latin typeface="Arial"/>
+                  <a:cs typeface="Arial"/>
+                </a:rPr>
+                <a:t>clock.</a:t>
+              </a:r>
+              <a:r>
+                <a:rPr lang="en-US" sz="3400" dirty="0" smtClean="0">
+                  <a:latin typeface="Arial"/>
+                  <a:cs typeface="Arial"/>
+                </a:rPr>
+                <a:t> </a:t>
+              </a:r>
+              <a:r>
+                <a:rPr lang="en-US" sz="3400" dirty="0">
+                  <a:latin typeface="Arial"/>
+                  <a:cs typeface="Arial"/>
+                </a:rPr>
+                <a:t>We also showed that in this case latency periods can be accurately predicted</a:t>
+              </a:r>
+              <a:r>
+                <a:rPr lang="en-US" sz="3400" dirty="0" smtClean="0">
+                  <a:latin typeface="Arial"/>
+                  <a:cs typeface="Arial"/>
+                </a:rPr>
+                <a:t>.</a:t>
               </a:r>
             </a:p>
             <a:p>
-              <a:pPr>
-                <a:lnSpc>
-                  <a:spcPct val="70000"/>
-                </a:lnSpc>
-              </a:pPr>
               <a:endParaRPr lang="en-US" sz="3400" dirty="0">
                 <a:latin typeface="Arial"/>
                 <a:cs typeface="Arial"/>
@@ -3794,7 +4254,7 @@
           <p:nvPr/>
         </p:nvPicPr>
         <p:blipFill>
-          <a:blip r:embed="rId6">
+          <a:blip r:embed="rId7">
             <a:extLst>
               <a:ext uri="{28A0092B-C50C-407E-A947-70E740481C1C}">
                 <a14:useLocalDpi xmlns:a14="http://schemas.microsoft.com/office/drawing/2010/main" val="0"/>
@@ -3817,430 +4277,16 @@
       </p:pic>
       <p:grpSp>
         <p:nvGrpSpPr>
-          <p:cNvPr id="37" name="Group 36"/>
-          <p:cNvGrpSpPr/>
-          <p:nvPr/>
-        </p:nvGrpSpPr>
-        <p:grpSpPr>
-          <a:xfrm>
-            <a:off x="508977" y="26683744"/>
-            <a:ext cx="18444718" cy="3678901"/>
-            <a:chOff x="454600" y="28534651"/>
-            <a:chExt cx="17065624" cy="3678902"/>
-          </a:xfrm>
-        </p:grpSpPr>
-        <p:sp>
-          <p:nvSpPr>
-            <p:cNvPr id="54" name="Text Box 100"/>
-            <p:cNvSpPr txBox="1">
-              <a:spLocks noChangeArrowheads="1"/>
-            </p:cNvSpPr>
-            <p:nvPr/>
-          </p:nvSpPr>
-          <p:spPr bwMode="auto">
-            <a:xfrm>
-              <a:off x="454600" y="28534651"/>
-              <a:ext cx="17065624" cy="1134734"/>
-            </a:xfrm>
-            <a:prstGeom prst="rect">
-              <a:avLst/>
-            </a:prstGeom>
-            <a:noFill/>
-            <a:ln>
-              <a:noFill/>
-            </a:ln>
-            <a:effectLst/>
-            <a:extLst>
-              <a:ext uri="{909E8E84-426E-40dd-AFC4-6F175D3DCCD1}">
-                <a14:hiddenFill xmlns:a14="http://schemas.microsoft.com/office/drawing/2010/main">
-                  <a:solidFill>
-                    <a:schemeClr val="accent1"/>
-                  </a:solidFill>
-                </a14:hiddenFill>
-              </a:ext>
-              <a:ext uri="{91240B29-F687-4f45-9708-019B960494DF}">
-                <a14:hiddenLine xmlns:a14="http://schemas.microsoft.com/office/drawing/2010/main" w="9525">
-                  <a:solidFill>
-                    <a:schemeClr val="tx1"/>
-                  </a:solidFill>
-                  <a:miter lim="800000"/>
-                  <a:headEnd/>
-                  <a:tailEnd/>
-                </a14:hiddenLine>
-              </a:ext>
-              <a:ext uri="{AF507438-7753-43e0-B8FC-AC1667EBCBE1}">
-                <a14:hiddenEffects xmlns:a14="http://schemas.microsoft.com/office/drawing/2010/main">
-                  <a:effectLst>
-                    <a:outerShdw blurRad="63500" dist="38099" dir="2700000" algn="ctr" rotWithShape="0">
-                      <a:schemeClr val="bg2">
-                        <a:alpha val="74998"/>
-                      </a:schemeClr>
-                    </a:outerShdw>
-                  </a:effectLst>
-                </a14:hiddenEffects>
-              </a:ext>
-            </a:extLst>
-          </p:spPr>
-          <p:txBody>
-            <a:bodyPr lIns="21401" tIns="10700" rIns="21401" bIns="10700">
-              <a:spAutoFit/>
-            </a:bodyPr>
-            <a:lstStyle>
-              <a:lvl1pPr defTabSz="442913">
-                <a:defRPr sz="2400">
-                  <a:solidFill>
-                    <a:schemeClr val="tx1"/>
-                  </a:solidFill>
-                  <a:latin typeface="Arial" charset="0"/>
-                  <a:ea typeface="ＭＳ Ｐゴシック" charset="0"/>
-                  <a:cs typeface="ＭＳ Ｐゴシック" charset="0"/>
-                </a:defRPr>
-              </a:lvl1pPr>
-              <a:lvl2pPr marL="222250" defTabSz="442913">
-                <a:defRPr sz="2400">
-                  <a:solidFill>
-                    <a:schemeClr val="tx1"/>
-                  </a:solidFill>
-                  <a:latin typeface="Arial" charset="0"/>
-                  <a:ea typeface="ＭＳ Ｐゴシック" charset="0"/>
-                </a:defRPr>
-              </a:lvl2pPr>
-              <a:lvl3pPr marL="442913" defTabSz="442913">
-                <a:defRPr sz="2400">
-                  <a:solidFill>
-                    <a:schemeClr val="tx1"/>
-                  </a:solidFill>
-                  <a:latin typeface="Arial" charset="0"/>
-                  <a:ea typeface="ＭＳ Ｐゴシック" charset="0"/>
-                </a:defRPr>
-              </a:lvl3pPr>
-              <a:lvl4pPr marL="663575" defTabSz="442913">
-                <a:defRPr sz="2400">
-                  <a:solidFill>
-                    <a:schemeClr val="tx1"/>
-                  </a:solidFill>
-                  <a:latin typeface="Arial" charset="0"/>
-                  <a:ea typeface="ＭＳ Ｐゴシック" charset="0"/>
-                </a:defRPr>
-              </a:lvl4pPr>
-              <a:lvl5pPr marL="884238" defTabSz="442913">
-                <a:defRPr sz="2400">
-                  <a:solidFill>
-                    <a:schemeClr val="tx1"/>
-                  </a:solidFill>
-                  <a:latin typeface="Arial" charset="0"/>
-                  <a:ea typeface="ＭＳ Ｐゴシック" charset="0"/>
-                </a:defRPr>
-              </a:lvl5pPr>
-              <a:lvl6pPr marL="1341438" defTabSz="442913" eaLnBrk="0" fontAlgn="base" hangingPunct="0">
-                <a:spcBef>
-                  <a:spcPct val="0"/>
-                </a:spcBef>
-                <a:spcAft>
-                  <a:spcPct val="0"/>
-                </a:spcAft>
-                <a:defRPr sz="2400">
-                  <a:solidFill>
-                    <a:schemeClr val="tx1"/>
-                  </a:solidFill>
-                  <a:latin typeface="Arial" charset="0"/>
-                  <a:ea typeface="ＭＳ Ｐゴシック" charset="0"/>
-                </a:defRPr>
-              </a:lvl6pPr>
-              <a:lvl7pPr marL="1798638" defTabSz="442913" eaLnBrk="0" fontAlgn="base" hangingPunct="0">
-                <a:spcBef>
-                  <a:spcPct val="0"/>
-                </a:spcBef>
-                <a:spcAft>
-                  <a:spcPct val="0"/>
-                </a:spcAft>
-                <a:defRPr sz="2400">
-                  <a:solidFill>
-                    <a:schemeClr val="tx1"/>
-                  </a:solidFill>
-                  <a:latin typeface="Arial" charset="0"/>
-                  <a:ea typeface="ＭＳ Ｐゴシック" charset="0"/>
-                </a:defRPr>
-              </a:lvl7pPr>
-              <a:lvl8pPr marL="2255838" defTabSz="442913" eaLnBrk="0" fontAlgn="base" hangingPunct="0">
-                <a:spcBef>
-                  <a:spcPct val="0"/>
-                </a:spcBef>
-                <a:spcAft>
-                  <a:spcPct val="0"/>
-                </a:spcAft>
-                <a:defRPr sz="2400">
-                  <a:solidFill>
-                    <a:schemeClr val="tx1"/>
-                  </a:solidFill>
-                  <a:latin typeface="Arial" charset="0"/>
-                  <a:ea typeface="ＭＳ Ｐゴシック" charset="0"/>
-                </a:defRPr>
-              </a:lvl8pPr>
-              <a:lvl9pPr marL="2713038" defTabSz="442913" eaLnBrk="0" fontAlgn="base" hangingPunct="0">
-                <a:spcBef>
-                  <a:spcPct val="0"/>
-                </a:spcBef>
-                <a:spcAft>
-                  <a:spcPct val="0"/>
-                </a:spcAft>
-                <a:defRPr sz="2400">
-                  <a:solidFill>
-                    <a:schemeClr val="tx1"/>
-                  </a:solidFill>
-                  <a:latin typeface="Arial" charset="0"/>
-                  <a:ea typeface="ＭＳ Ｐゴシック" charset="0"/>
-                </a:defRPr>
-              </a:lvl9pPr>
-            </a:lstStyle>
-            <a:p>
-              <a:pPr>
-                <a:lnSpc>
-                  <a:spcPct val="120000"/>
-                </a:lnSpc>
-              </a:pPr>
-              <a:r>
-                <a:rPr lang="en-US" sz="6200" b="1" dirty="0">
-                  <a:solidFill>
-                    <a:srgbClr val="000000"/>
-                  </a:solidFill>
-                  <a:cs typeface="Times" charset="0"/>
-                </a:rPr>
-                <a:t>Results</a:t>
-              </a:r>
-              <a:endParaRPr lang="en-US" sz="6200" dirty="0">
-                <a:solidFill>
-                  <a:srgbClr val="000000"/>
-                </a:solidFill>
-                <a:latin typeface="Times New Roman" charset="0"/>
-                <a:ea typeface="SimSun" charset="0"/>
-                <a:cs typeface="SimSun" charset="0"/>
-              </a:endParaRPr>
-            </a:p>
-          </p:txBody>
-        </p:sp>
-        <p:sp>
-          <p:nvSpPr>
-            <p:cNvPr id="55" name="Line 101"/>
-            <p:cNvSpPr>
-              <a:spLocks noChangeShapeType="1"/>
-            </p:cNvSpPr>
-            <p:nvPr/>
-          </p:nvSpPr>
-          <p:spPr bwMode="auto">
-            <a:xfrm>
-              <a:off x="600400" y="29704412"/>
-              <a:ext cx="16321064" cy="0"/>
-            </a:xfrm>
-            <a:prstGeom prst="line">
-              <a:avLst/>
-            </a:prstGeom>
-            <a:noFill/>
-            <a:ln w="9525">
-              <a:solidFill>
-                <a:schemeClr val="bg2"/>
-              </a:solidFill>
-              <a:round/>
-              <a:headEnd/>
-              <a:tailEnd/>
-            </a:ln>
-            <a:effectLst/>
-            <a:extLst>
-              <a:ext uri="{909E8E84-426E-40dd-AFC4-6F175D3DCCD1}">
-                <a14:hiddenFill xmlns:a14="http://schemas.microsoft.com/office/drawing/2010/main">
-                  <a:noFill/>
-                </a14:hiddenFill>
-              </a:ext>
-              <a:ext uri="{AF507438-7753-43e0-B8FC-AC1667EBCBE1}">
-                <a14:hiddenEffects xmlns:a14="http://schemas.microsoft.com/office/drawing/2010/main">
-                  <a:effectLst>
-                    <a:outerShdw blurRad="63500" dist="38099" dir="2700000" algn="ctr" rotWithShape="0">
-                      <a:schemeClr val="bg2">
-                        <a:alpha val="74998"/>
-                      </a:schemeClr>
-                    </a:outerShdw>
-                  </a:effectLst>
-                </a14:hiddenEffects>
-              </a:ext>
-            </a:extLst>
-          </p:spPr>
-          <p:txBody>
-            <a:bodyPr lIns="21401" tIns="10700" rIns="21401" bIns="10700">
-              <a:spAutoFit/>
-            </a:bodyPr>
-            <a:lstStyle/>
-            <a:p>
-              <a:endParaRPr lang="en-US" dirty="0">
-                <a:ln>
-                  <a:solidFill>
-                    <a:schemeClr val="bg1">
-                      <a:lumMod val="75000"/>
-                    </a:schemeClr>
-                  </a:solidFill>
-                </a:ln>
-                <a:solidFill>
-                  <a:srgbClr val="000000"/>
-                </a:solidFill>
-              </a:endParaRPr>
-            </a:p>
-          </p:txBody>
-        </p:sp>
-        <p:sp>
-          <p:nvSpPr>
-            <p:cNvPr id="64" name="Rectangle 63"/>
-            <p:cNvSpPr/>
-            <p:nvPr/>
-          </p:nvSpPr>
-          <p:spPr>
-            <a:xfrm>
-              <a:off x="534379" y="30028338"/>
-              <a:ext cx="16750763" cy="2185215"/>
-            </a:xfrm>
-            <a:prstGeom prst="rect">
-              <a:avLst/>
-            </a:prstGeom>
-          </p:spPr>
-          <p:txBody>
-            <a:bodyPr wrap="square">
-              <a:spAutoFit/>
-            </a:bodyPr>
-            <a:lstStyle/>
-            <a:p>
-              <a:r>
-                <a:rPr lang="en-US" sz="3400" dirty="0">
-                  <a:latin typeface="Arial"/>
-                  <a:cs typeface="Arial"/>
-                </a:rPr>
-                <a:t>Simulated data </a:t>
-              </a:r>
-              <a:r>
-                <a:rPr lang="en-US" sz="3400" dirty="0" smtClean="0">
-                  <a:latin typeface="Arial"/>
-                  <a:cs typeface="Arial"/>
-                </a:rPr>
-                <a:t>— </a:t>
-              </a:r>
-              <a:r>
-                <a:rPr lang="en-US" sz="3400" dirty="0">
-                  <a:latin typeface="Arial"/>
-                  <a:cs typeface="Arial"/>
-                </a:rPr>
-                <a:t>In order to verify our methodology, we first applied our pipeline to simulated </a:t>
-              </a:r>
-              <a:r>
-                <a:rPr lang="en-US" sz="3400" dirty="0" smtClean="0">
-                  <a:latin typeface="Arial"/>
-                  <a:cs typeface="Arial"/>
-                </a:rPr>
-                <a:t>data with and without latency. The </a:t>
-              </a:r>
-              <a:r>
-                <a:rPr lang="en-US" sz="3400" dirty="0">
-                  <a:latin typeface="Arial"/>
-                  <a:cs typeface="Arial"/>
-                </a:rPr>
-                <a:t>binomial test performed well on the simulated data.  </a:t>
-              </a:r>
-              <a:r>
-                <a:rPr lang="en-US" sz="3400" dirty="0" smtClean="0">
-                  <a:latin typeface="Arial"/>
-                  <a:cs typeface="Arial"/>
-                </a:rPr>
-                <a:t>This </a:t>
-              </a:r>
-              <a:r>
-                <a:rPr lang="en-US" sz="3400" dirty="0">
-                  <a:latin typeface="Arial"/>
-                  <a:cs typeface="Arial"/>
-                </a:rPr>
-                <a:t>test correctly predicted that there was </a:t>
-              </a:r>
-              <a:r>
-                <a:rPr lang="en-US" sz="3400" dirty="0" smtClean="0">
-                  <a:latin typeface="Arial"/>
-                  <a:cs typeface="Arial"/>
-                </a:rPr>
-                <a:t>insignificant </a:t>
-              </a:r>
-              <a:r>
-                <a:rPr lang="en-US" sz="3400" dirty="0">
-                  <a:latin typeface="Arial"/>
-                  <a:cs typeface="Arial"/>
-                </a:rPr>
-                <a:t>latency in </a:t>
-              </a:r>
-              <a:r>
-                <a:rPr lang="en-US" sz="3400" dirty="0" smtClean="0">
-                  <a:latin typeface="Arial"/>
-                  <a:cs typeface="Arial"/>
-                </a:rPr>
-                <a:t>the </a:t>
-              </a:r>
-              <a:r>
-                <a:rPr lang="en-US" sz="3400" dirty="0">
-                  <a:latin typeface="Arial"/>
-                  <a:cs typeface="Arial"/>
-                </a:rPr>
-                <a:t>data without latency (p=0.477) and that there </a:t>
-              </a:r>
-              <a:r>
-                <a:rPr lang="en-US" sz="3400" dirty="0" smtClean="0">
-                  <a:latin typeface="Arial"/>
-                  <a:cs typeface="Arial"/>
-                </a:rPr>
-                <a:t>was significant </a:t>
-              </a:r>
-              <a:r>
-                <a:rPr lang="en-US" sz="3400" dirty="0">
-                  <a:latin typeface="Arial"/>
-                  <a:cs typeface="Arial"/>
-                </a:rPr>
-                <a:t>latency in </a:t>
-              </a:r>
-              <a:r>
-                <a:rPr lang="en-US" sz="3400" dirty="0" smtClean="0">
-                  <a:latin typeface="Arial"/>
-                  <a:cs typeface="Arial"/>
-                </a:rPr>
-                <a:t>the </a:t>
-              </a:r>
-              <a:r>
-                <a:rPr lang="en-US" sz="3400" dirty="0">
-                  <a:latin typeface="Arial"/>
-                  <a:cs typeface="Arial"/>
-                </a:rPr>
-                <a:t>data with latency (p &lt; 2.2×10</a:t>
-              </a:r>
-              <a:r>
-                <a:rPr lang="en-US" sz="3400" baseline="30000" dirty="0">
-                  <a:latin typeface="Arial"/>
-                  <a:cs typeface="Arial"/>
-                </a:rPr>
-                <a:t>-15</a:t>
-              </a:r>
-              <a:r>
-                <a:rPr lang="en-US" sz="3400" dirty="0">
-                  <a:latin typeface="Arial"/>
-                  <a:cs typeface="Arial"/>
-                </a:rPr>
-                <a:t>).</a:t>
-              </a:r>
-            </a:p>
-          </p:txBody>
-        </p:sp>
-      </p:grpSp>
-      <p:grpSp>
-        <p:nvGrpSpPr>
           <p:cNvPr id="28" name="Group 27"/>
           <p:cNvGrpSpPr/>
           <p:nvPr/>
         </p:nvGrpSpPr>
         <p:grpSpPr>
           <a:xfrm>
-            <a:off x="452882" y="10425348"/>
-            <a:ext cx="18444718" cy="16331010"/>
+            <a:off x="452882" y="11339748"/>
+            <a:ext cx="18444718" cy="16508810"/>
             <a:chOff x="452883" y="11819110"/>
-            <a:chExt cx="17065624" cy="16331014"/>
+            <a:chExt cx="17065624" cy="16508814"/>
           </a:xfrm>
         </p:grpSpPr>
         <p:grpSp>
@@ -4252,9 +4298,9 @@
           <p:grpSpPr>
             <a:xfrm>
               <a:off x="452883" y="11819110"/>
-              <a:ext cx="17065624" cy="14836629"/>
+              <a:ext cx="17065624" cy="15141429"/>
               <a:chOff x="452883" y="11819110"/>
-              <a:chExt cx="17065624" cy="14836629"/>
+              <a:chExt cx="17065624" cy="15141429"/>
             </a:xfrm>
           </p:grpSpPr>
           <p:grpSp>
@@ -4266,9 +4312,9 @@
             <p:grpSpPr>
               <a:xfrm>
                 <a:off x="452883" y="11819110"/>
-                <a:ext cx="17065624" cy="7358124"/>
+                <a:ext cx="17065624" cy="8038311"/>
                 <a:chOff x="22704925" y="17953213"/>
-                <a:chExt cx="17065624" cy="7358124"/>
+                <a:chExt cx="17065624" cy="8038311"/>
               </a:xfrm>
             </p:grpSpPr>
             <p:grpSp>
@@ -4553,7 +4599,7 @@
               <p:spPr>
                 <a:xfrm>
                   <a:off x="22759680" y="19254294"/>
-                  <a:ext cx="16750763" cy="6057043"/>
+                  <a:ext cx="16750763" cy="6737230"/>
                 </a:xfrm>
                 <a:prstGeom prst="rect">
                   <a:avLst/>
@@ -4566,7 +4612,43 @@
                 <a:lstStyle/>
                 <a:p>
                   <a:r>
+                    <a:rPr lang="en-US" sz="3400" dirty="0" smtClean="0">
+                      <a:latin typeface="Arial"/>
+                      <a:cs typeface="Arial"/>
+                    </a:rPr>
+                    <a:t>To </a:t>
+                  </a:r>
+                  <a:r>
                     <a:rPr lang="en-US" sz="3400" dirty="0">
+                      <a:latin typeface="Arial"/>
+                      <a:cs typeface="Arial"/>
+                    </a:rPr>
+                    <a:t>validate our method, we simulated 1500 phylogenies using </a:t>
+                  </a:r>
+                  <a:r>
+                    <a:rPr lang="en-US" sz="3400" dirty="0" err="1">
+                      <a:latin typeface="Arial"/>
+                      <a:cs typeface="Arial"/>
+                    </a:rPr>
+                    <a:t>TreeSim</a:t>
+                  </a:r>
+                  <a:r>
+                    <a:rPr lang="en-US" sz="3400" dirty="0">
+                      <a:latin typeface="Arial"/>
+                      <a:cs typeface="Arial"/>
+                    </a:rPr>
+                    <a:t> 2.2 [6] and manually added latent lineages by shortening tip genetic distance. HIV sequences were generated from these phylogenies using INDELIBLE 1.03 [7].</a:t>
+                  </a:r>
+                </a:p>
+                <a:p>
+                  <a:endParaRPr lang="en-US" sz="3400" dirty="0" smtClean="0">
+                    <a:latin typeface="Arial"/>
+                    <a:cs typeface="Arial"/>
+                  </a:endParaRPr>
+                </a:p>
+                <a:p>
+                  <a:r>
+                    <a:rPr lang="en-US" sz="3400" dirty="0" smtClean="0">
                       <a:latin typeface="Arial"/>
                       <a:cs typeface="Arial"/>
                     </a:rPr>
@@ -4584,14 +4666,56 @@
                       <a:latin typeface="Arial"/>
                       <a:cs typeface="Arial"/>
                     </a:rPr>
-                    <a:t>HIV-1 RNA and DNA sequences from the Los Alamos National </a:t>
+                    <a:t>HIV-1 RNA and </a:t>
                   </a:r>
                   <a:r>
                     <a:rPr lang="en-US" sz="3400" dirty="0" smtClean="0">
                       <a:latin typeface="Arial"/>
                       <a:cs typeface="Arial"/>
                     </a:rPr>
-                    <a:t>Laboratory. </a:t>
+                    <a:t>DNA </a:t>
+                  </a:r>
+                  <a:r>
+                    <a:rPr lang="en-US" sz="3400" i="1" dirty="0" err="1" smtClean="0">
+                      <a:latin typeface="Arial"/>
+                      <a:cs typeface="Arial"/>
+                    </a:rPr>
+                    <a:t>env</a:t>
+                  </a:r>
+                  <a:r>
+                    <a:rPr lang="en-US" sz="3400" dirty="0" smtClean="0">
+                      <a:latin typeface="Arial"/>
+                      <a:cs typeface="Arial"/>
+                    </a:rPr>
+                    <a:t> </a:t>
+                  </a:r>
+                  <a:r>
+                    <a:rPr lang="en-US" sz="3400" dirty="0">
+                      <a:latin typeface="Arial"/>
+                      <a:cs typeface="Arial"/>
+                    </a:rPr>
+                    <a:t>sequences </a:t>
+                  </a:r>
+                  <a:r>
+                    <a:rPr lang="en-US" sz="3400" dirty="0" smtClean="0">
+                      <a:latin typeface="Arial"/>
+                      <a:cs typeface="Arial"/>
+                    </a:rPr>
+                    <a:t>from 29 individuals from the </a:t>
+                  </a:r>
+                  <a:r>
+                    <a:rPr lang="en-US" sz="3400" dirty="0">
+                      <a:latin typeface="Arial"/>
+                      <a:cs typeface="Arial"/>
+                    </a:rPr>
+                    <a:t>Los Alamos National </a:t>
+                  </a:r>
+                  <a:r>
+                    <a:rPr lang="en-US" sz="3400" dirty="0" smtClean="0">
+                      <a:latin typeface="Arial"/>
+                      <a:cs typeface="Arial"/>
+                    </a:rPr>
+                    <a:t>Laboratory with a median of 6 time points per individual. </a:t>
                   </a:r>
                   <a:r>
                     <a:rPr lang="en-US" sz="3400" dirty="0">
@@ -4641,65 +4765,6 @@
                       <a:cs typeface="Arial"/>
                     </a:rPr>
                     <a:t> 1.17.1 [5].</a:t>
-                  </a:r>
-                  <a:endParaRPr lang="en-US" sz="3400" dirty="0">
-                    <a:latin typeface="Arial"/>
-                    <a:cs typeface="Arial"/>
-                  </a:endParaRPr>
-                </a:p>
-                <a:p>
-                  <a:pPr>
-                    <a:lnSpc>
-                      <a:spcPct val="70000"/>
-                    </a:lnSpc>
-                  </a:pPr>
-                  <a:endParaRPr lang="en-US" sz="3400" dirty="0">
-                    <a:latin typeface="Arial"/>
-                    <a:cs typeface="Arial"/>
-                  </a:endParaRPr>
-                </a:p>
-                <a:p>
-                  <a:r>
-                    <a:rPr lang="en-US" sz="3400" dirty="0" smtClean="0">
-                      <a:latin typeface="Arial"/>
-                      <a:cs typeface="Arial"/>
-                    </a:rPr>
-                    <a:t>To validate our method, we </a:t>
-                  </a:r>
-                  <a:r>
-                    <a:rPr lang="en-US" sz="3400" dirty="0">
-                      <a:latin typeface="Arial"/>
-                      <a:cs typeface="Arial"/>
-                    </a:rPr>
-                    <a:t>simulated 1500 phylogenies using </a:t>
-                  </a:r>
-                  <a:r>
-                    <a:rPr lang="en-US" sz="3400" dirty="0" err="1" smtClean="0">
-                      <a:latin typeface="Arial"/>
-                      <a:cs typeface="Arial"/>
-                    </a:rPr>
-                    <a:t>TreeSim</a:t>
-                  </a:r>
-                  <a:r>
-                    <a:rPr lang="en-US" sz="3400" dirty="0" smtClean="0">
-                      <a:latin typeface="Arial"/>
-                      <a:cs typeface="Arial"/>
-                    </a:rPr>
-                    <a:t> 2.2 [6] </a:t>
-                  </a:r>
-                  <a:r>
-                    <a:rPr lang="en-US" sz="3400" dirty="0">
-                      <a:latin typeface="Arial"/>
-                      <a:cs typeface="Arial"/>
-                    </a:rPr>
-                    <a:t>and manually added latent lineages by shortening tip genetic distance. HIV sequences were generated from these phylogenies using INDELIBLE </a:t>
-                  </a:r>
-                  <a:r>
-                    <a:rPr lang="en-US" sz="3400" dirty="0" smtClean="0">
-                      <a:latin typeface="Arial"/>
-                      <a:cs typeface="Arial"/>
-                    </a:rPr>
-                    <a:t>1.03 [7].</a:t>
                   </a:r>
                   <a:endParaRPr lang="en-US" sz="3400" dirty="0">
                     <a:latin typeface="Arial"/>
@@ -4840,7 +4905,7 @@
               <p:nvPr/>
             </p:nvPicPr>
             <p:blipFill>
-              <a:blip r:embed="rId7">
+              <a:blip r:embed="rId8">
                 <a:extLst>
                   <a:ext uri="{28A0092B-C50C-407E-A947-70E740481C1C}">
                     <a14:useLocalDpi xmlns:a14="http://schemas.microsoft.com/office/drawing/2010/main" val="0"/>
@@ -4853,7 +4918,7 @@
             </p:blipFill>
             <p:spPr>
               <a:xfrm>
-                <a:off x="661128" y="19304232"/>
+                <a:off x="661128" y="19609032"/>
                 <a:ext cx="8286566" cy="7351507"/>
               </a:xfrm>
               <a:prstGeom prst="rect">
@@ -4870,8 +4935,8 @@
           </p:nvSpPr>
           <p:spPr>
             <a:xfrm>
-              <a:off x="654777" y="26488131"/>
-              <a:ext cx="16200663" cy="1661993"/>
+              <a:off x="654777" y="26665931"/>
+              <a:ext cx="16754082" cy="1661993"/>
             </a:xfrm>
             <a:prstGeom prst="rect">
               <a:avLst/>
@@ -4921,10 +4986,10 @@
         </p:nvGrpSpPr>
         <p:grpSpPr>
           <a:xfrm>
-            <a:off x="452882" y="4531067"/>
-            <a:ext cx="18444718" cy="5990265"/>
+            <a:off x="452882" y="4531060"/>
+            <a:ext cx="18444718" cy="7159816"/>
             <a:chOff x="1373545" y="29411179"/>
-            <a:chExt cx="17065624" cy="5990267"/>
+            <a:chExt cx="17065624" cy="7159820"/>
           </a:xfrm>
         </p:grpSpPr>
         <p:grpSp>
@@ -5208,8 +5273,8 @@
           </p:nvSpPr>
           <p:spPr>
             <a:xfrm>
-              <a:off x="1429640" y="30757097"/>
-              <a:ext cx="16830537" cy="4644349"/>
+              <a:off x="1429640" y="30757096"/>
+              <a:ext cx="16830537" cy="5813903"/>
             </a:xfrm>
             <a:prstGeom prst="rect">
               <a:avLst/>
@@ -5226,42 +5291,14 @@
                   <a:latin typeface="Arial"/>
                   <a:cs typeface="Arial"/>
                 </a:rPr>
-                <a:t>A major obstacle to cure of HIV is the presence of latently infected cellular </a:t>
+                <a:t>A major obstacle to cure of HIV is the presence of latently infected cellular reservoirs that can persist for years</a:t>
               </a:r>
               <a:r>
                 <a:rPr lang="en-US" sz="3400" dirty="0" smtClean="0">
                   <a:latin typeface="Arial"/>
                   <a:cs typeface="Arial"/>
                 </a:rPr>
-                <a:t>reservoirs. </a:t>
-              </a:r>
-              <a:r>
-                <a:rPr lang="en-US" sz="3400" dirty="0">
-                  <a:latin typeface="Arial"/>
-                  <a:cs typeface="Arial"/>
-                </a:rPr>
-                <a:t>These reservoirs can remain inactive and </a:t>
-              </a:r>
-              <a:r>
-                <a:rPr lang="en-US" sz="3400" dirty="0" smtClean="0">
-                  <a:latin typeface="Arial"/>
-                  <a:cs typeface="Arial"/>
-                </a:rPr>
-                <a:t>persist for </a:t>
-              </a:r>
-              <a:r>
-                <a:rPr lang="en-US" sz="3400" dirty="0">
-                  <a:latin typeface="Arial"/>
-                  <a:cs typeface="Arial"/>
-                </a:rPr>
-                <a:t>several </a:t>
-              </a:r>
-              <a:r>
-                <a:rPr lang="en-US" sz="3400" dirty="0" smtClean="0">
-                  <a:latin typeface="Arial"/>
-                  <a:cs typeface="Arial"/>
-                </a:rPr>
-                <a:t>years. </a:t>
+                <a:t>. </a:t>
               </a:r>
               <a:r>
                 <a:rPr lang="en-US" sz="3400" dirty="0">
@@ -5323,1240 +5360,76 @@
             </a:p>
             <a:p>
               <a:r>
+                <a:rPr lang="en-US" sz="3400" dirty="0" smtClean="0">
+                  <a:latin typeface="Arial"/>
+                  <a:cs typeface="Arial"/>
+                </a:rPr>
+                <a:t>Due </a:t>
+              </a:r>
+              <a:r>
                 <a:rPr lang="en-US" sz="3400" dirty="0">
                   <a:latin typeface="Arial"/>
                   <a:cs typeface="Arial"/>
                 </a:rPr>
-                <a:t>Due to HIV’s high mutation rate and short generation </a:t>
+                <a:t>to HIV’s high mutation rate and short generation time [3], we can reconstruct a time-calibrated phylogenetic tree from viral sequences sampled </a:t>
               </a:r>
               <a:r>
                 <a:rPr lang="en-US" sz="3400" dirty="0" smtClean="0">
                   <a:latin typeface="Arial"/>
                   <a:cs typeface="Arial"/>
                 </a:rPr>
-                <a:t>time [3], </a:t>
+                <a:t>longitudinally </a:t>
               </a:r>
               <a:r>
                 <a:rPr lang="en-US" sz="3400" dirty="0">
                   <a:latin typeface="Arial"/>
                   <a:cs typeface="Arial"/>
                 </a:rPr>
-                <a:t>we can reconstruct a phylogenetic tree that represents the </a:t>
+                <a:t>from within a given host. </a:t>
               </a:r>
               <a:r>
                 <a:rPr lang="en-US" sz="3400" dirty="0" smtClean="0">
                   <a:latin typeface="Arial"/>
                   <a:cs typeface="Arial"/>
                 </a:rPr>
-                <a:t>ancestral relationships of the </a:t>
+                <a:t>This phylogeny represents the ancestral relationships between these HIV sequences in that host, and thus can be used to calculate a host-specific rate of HIV evolution. </a:t>
+              </a:r>
+              <a:r>
+                <a:rPr lang="en-US" sz="3400" dirty="0" smtClean="0">
+                  <a:latin typeface="Arial"/>
+                  <a:cs typeface="Arial"/>
+                </a:rPr>
+                <a:t>A</a:t>
               </a:r>
               <a:r>
                 <a:rPr lang="en-US" sz="3400" dirty="0">
                   <a:latin typeface="Arial"/>
                   <a:cs typeface="Arial"/>
                 </a:rPr>
-                <a:t>sampled </a:t>
+                <a:t>s mutation accumulation in latent reservoirs is effectively zero, we can use the host-specific molecular clock to infer the age of a given viral reservoir (</a:t>
               </a:r>
               <a:r>
                 <a:rPr lang="en-US" sz="3400" dirty="0" smtClean="0">
                   <a:latin typeface="Arial"/>
                   <a:cs typeface="Arial"/>
                 </a:rPr>
-                <a:t>viruses. The mutation evolution in latent reservoirs is negligible compared to non-latent virus. In this study, we use this (fact) to predict the dates when the HIV lineages became latent.</a:t>
+                <a:t>i.e. </a:t>
               </a:r>
-            </a:p>
-          </p:txBody>
-        </p:sp>
-      </p:grpSp>
-      <p:grpSp>
-        <p:nvGrpSpPr>
-          <p:cNvPr id="4" name="Group 3"/>
-          <p:cNvGrpSpPr/>
-          <p:nvPr/>
-        </p:nvGrpSpPr>
-        <p:grpSpPr>
-          <a:xfrm>
-            <a:off x="19354801" y="4555359"/>
-            <a:ext cx="18301899" cy="26766502"/>
-            <a:chOff x="19354801" y="4555359"/>
-            <a:chExt cx="18301899" cy="26766502"/>
-          </a:xfrm>
-        </p:grpSpPr>
-        <p:grpSp>
-          <p:nvGrpSpPr>
-            <p:cNvPr id="40" name="Group 39"/>
-            <p:cNvGrpSpPr/>
-            <p:nvPr/>
-          </p:nvGrpSpPr>
-          <p:grpSpPr>
-            <a:xfrm>
-              <a:off x="19354801" y="4555359"/>
-              <a:ext cx="18301899" cy="25141555"/>
-              <a:chOff x="20770811" y="5128228"/>
-              <a:chExt cx="16965987" cy="25141557"/>
-            </a:xfrm>
-          </p:grpSpPr>
-          <p:grpSp>
-            <p:nvGrpSpPr>
-              <p:cNvPr id="38" name="Group 37"/>
-              <p:cNvGrpSpPr/>
-              <p:nvPr/>
-            </p:nvGrpSpPr>
-            <p:grpSpPr>
-              <a:xfrm>
-                <a:off x="20770811" y="5547070"/>
-                <a:ext cx="16965987" cy="24722715"/>
-                <a:chOff x="20770811" y="4327870"/>
-                <a:chExt cx="16965987" cy="24722715"/>
-              </a:xfrm>
-            </p:grpSpPr>
-            <p:pic>
-              <p:nvPicPr>
-                <p:cNvPr id="24" name="Picture 23"/>
-                <p:cNvPicPr>
-                  <a:picLocks noChangeAspect="1"/>
-                </p:cNvPicPr>
-                <p:nvPr/>
-              </p:nvPicPr>
-              <p:blipFill>
-                <a:blip r:embed="rId8">
-                  <a:extLst>
-                    <a:ext uri="{28A0092B-C50C-407E-A947-70E740481C1C}">
-                      <a14:useLocalDpi xmlns:a14="http://schemas.microsoft.com/office/drawing/2010/main" val="0"/>
-                    </a:ext>
-                  </a:extLst>
-                </a:blip>
-                <a:stretch>
-                  <a:fillRect/>
-                </a:stretch>
-              </p:blipFill>
-              <p:spPr>
-                <a:xfrm>
-                  <a:off x="22099865" y="4327870"/>
-                  <a:ext cx="7091599" cy="7534824"/>
-                </a:xfrm>
-                <a:prstGeom prst="rect">
-                  <a:avLst/>
-                </a:prstGeom>
-              </p:spPr>
-            </p:pic>
-            <p:pic>
-              <p:nvPicPr>
-                <p:cNvPr id="47" name="Picture 46"/>
-                <p:cNvPicPr>
-                  <a:picLocks noChangeAspect="1"/>
-                </p:cNvPicPr>
-                <p:nvPr/>
-              </p:nvPicPr>
-              <p:blipFill>
-                <a:blip r:embed="rId9">
-                  <a:extLst>
-                    <a:ext uri="{28A0092B-C50C-407E-A947-70E740481C1C}">
-                      <a14:useLocalDpi xmlns:a14="http://schemas.microsoft.com/office/drawing/2010/main" val="0"/>
-                    </a:ext>
-                  </a:extLst>
-                </a:blip>
-                <a:stretch>
-                  <a:fillRect/>
-                </a:stretch>
-              </p:blipFill>
-              <p:spPr>
-                <a:xfrm>
-                  <a:off x="29454910" y="15150513"/>
-                  <a:ext cx="6573960" cy="7534824"/>
-                </a:xfrm>
-                <a:prstGeom prst="rect">
-                  <a:avLst/>
-                </a:prstGeom>
-              </p:spPr>
-            </p:pic>
-            <p:pic>
-              <p:nvPicPr>
-                <p:cNvPr id="29" name="Picture 28"/>
-                <p:cNvPicPr>
-                  <a:picLocks noChangeAspect="1"/>
-                </p:cNvPicPr>
-                <p:nvPr/>
-              </p:nvPicPr>
-              <p:blipFill>
-                <a:blip r:embed="rId10">
-                  <a:extLst>
-                    <a:ext uri="{28A0092B-C50C-407E-A947-70E740481C1C}">
-                      <a14:useLocalDpi xmlns:a14="http://schemas.microsoft.com/office/drawing/2010/main" val="0"/>
-                    </a:ext>
-                  </a:extLst>
-                </a:blip>
-                <a:stretch>
-                  <a:fillRect/>
-                </a:stretch>
-              </p:blipFill>
-              <p:spPr>
-                <a:xfrm>
-                  <a:off x="22099865" y="15150513"/>
-                  <a:ext cx="7091599" cy="7534824"/>
-                </a:xfrm>
-                <a:prstGeom prst="rect">
-                  <a:avLst/>
-                </a:prstGeom>
-              </p:spPr>
-            </p:pic>
-            <p:pic>
-              <p:nvPicPr>
-                <p:cNvPr id="30" name="Picture 29"/>
-                <p:cNvPicPr>
-                  <a:picLocks noChangeAspect="1"/>
-                </p:cNvPicPr>
-                <p:nvPr/>
-              </p:nvPicPr>
-              <p:blipFill>
-                <a:blip r:embed="rId11">
-                  <a:extLst>
-                    <a:ext uri="{28A0092B-C50C-407E-A947-70E740481C1C}">
-                      <a14:useLocalDpi xmlns:a14="http://schemas.microsoft.com/office/drawing/2010/main" val="0"/>
-                    </a:ext>
-                  </a:extLst>
-                </a:blip>
-                <a:stretch>
-                  <a:fillRect/>
-                </a:stretch>
-              </p:blipFill>
-              <p:spPr>
-                <a:xfrm>
-                  <a:off x="29196091" y="4453758"/>
-                  <a:ext cx="7091598" cy="7534823"/>
-                </a:xfrm>
-                <a:prstGeom prst="rect">
-                  <a:avLst/>
-                </a:prstGeom>
-              </p:spPr>
-            </p:pic>
-            <p:sp>
-              <p:nvSpPr>
-                <p:cNvPr id="32" name="TextBox 31"/>
-                <p:cNvSpPr txBox="1"/>
-                <p:nvPr/>
-              </p:nvSpPr>
-              <p:spPr>
-                <a:xfrm>
-                  <a:off x="20770811" y="11947869"/>
-                  <a:ext cx="16965987" cy="2708434"/>
-                </a:xfrm>
-                <a:prstGeom prst="rect">
-                  <a:avLst/>
-                </a:prstGeom>
-                <a:noFill/>
-              </p:spPr>
-              <p:txBody>
-                <a:bodyPr wrap="square" rtlCol="0">
-                  <a:spAutoFit/>
-                </a:bodyPr>
-                <a:lstStyle/>
-                <a:p>
-                  <a:r>
-                    <a:rPr lang="en-US" sz="3400" dirty="0">
-                      <a:latin typeface="Arial"/>
-                      <a:cs typeface="Arial"/>
-                    </a:rPr>
-                    <a:t>Real data </a:t>
-                  </a:r>
-                  <a:r>
-                    <a:rPr lang="en-US" sz="3400" dirty="0" smtClean="0">
-                      <a:latin typeface="Arial"/>
-                      <a:cs typeface="Arial"/>
-                    </a:rPr>
-                    <a:t>— </a:t>
-                  </a:r>
-                  <a:r>
-                    <a:rPr lang="en-US" sz="3400" dirty="0">
-                      <a:latin typeface="Arial"/>
-                      <a:cs typeface="Arial"/>
-                    </a:rPr>
-                    <a:t>As a final verification we took real RNA sequences, censored 50% of the </a:t>
-                  </a:r>
-                  <a:r>
-                    <a:rPr lang="en-US" sz="3400" dirty="0" smtClean="0">
-                      <a:latin typeface="Arial"/>
-                      <a:cs typeface="Arial"/>
-                    </a:rPr>
-                    <a:t>dates (simulating non-latent DNA) </a:t>
-                  </a:r>
-                  <a:r>
-                    <a:rPr lang="en-US" sz="3400" dirty="0">
-                      <a:latin typeface="Arial"/>
-                      <a:cs typeface="Arial"/>
-                    </a:rPr>
-                    <a:t>and attempted to reconstruct the </a:t>
-                  </a:r>
-                  <a:r>
-                    <a:rPr lang="en-US" sz="3400" dirty="0" smtClean="0">
-                      <a:latin typeface="Arial"/>
-                      <a:cs typeface="Arial"/>
-                    </a:rPr>
-                    <a:t>dates. Finally</a:t>
-                  </a:r>
-                  <a:r>
-                    <a:rPr lang="en-US" sz="3400" dirty="0">
-                      <a:latin typeface="Arial"/>
-                      <a:cs typeface="Arial"/>
-                    </a:rPr>
-                    <a:t>, we applied our methodology </a:t>
-                  </a:r>
-                  <a:r>
-                    <a:rPr lang="en-US" sz="3400" dirty="0" smtClean="0">
-                      <a:latin typeface="Arial"/>
-                      <a:cs typeface="Arial"/>
-                    </a:rPr>
-                    <a:t>to a mixed data set </a:t>
-                  </a:r>
-                  <a:r>
-                    <a:rPr lang="en-US" sz="3400" dirty="0">
-                      <a:latin typeface="Arial"/>
-                      <a:cs typeface="Arial"/>
-                    </a:rPr>
-                    <a:t>with RNA and DNA </a:t>
-                  </a:r>
-                  <a:r>
-                    <a:rPr lang="en-US" sz="3400" dirty="0" smtClean="0">
-                      <a:latin typeface="Arial"/>
-                      <a:cs typeface="Arial"/>
-                    </a:rPr>
-                    <a:t>sequences. The </a:t>
-                  </a:r>
-                  <a:r>
-                    <a:rPr lang="en-US" sz="3400" dirty="0">
-                      <a:latin typeface="Arial"/>
-                      <a:cs typeface="Arial"/>
-                    </a:rPr>
-                    <a:t>binomial test predicted that there </a:t>
-                  </a:r>
-                  <a:r>
-                    <a:rPr lang="en-US" sz="3400" dirty="0" smtClean="0">
-                      <a:latin typeface="Arial"/>
-                      <a:cs typeface="Arial"/>
-                    </a:rPr>
-                    <a:t>was insignificant latency in the RNA sequences (p=) and significant latency in </a:t>
-                  </a:r>
-                  <a:r>
-                    <a:rPr lang="en-US" sz="3400" dirty="0">
-                      <a:latin typeface="Arial"/>
-                      <a:cs typeface="Arial"/>
-                    </a:rPr>
-                    <a:t>the mixed data (p=7.88×10</a:t>
-                  </a:r>
-                  <a:r>
-                    <a:rPr lang="en-US" sz="3400" baseline="30000" dirty="0">
-                      <a:latin typeface="Arial"/>
-                      <a:cs typeface="Arial"/>
-                    </a:rPr>
-                    <a:t>-7</a:t>
-                  </a:r>
-                  <a:r>
-                    <a:rPr lang="en-US" sz="3400" dirty="0">
-                      <a:latin typeface="Arial"/>
-                      <a:cs typeface="Arial"/>
-                    </a:rPr>
-                    <a:t>).</a:t>
-                  </a:r>
-                </a:p>
-              </p:txBody>
-            </p:sp>
-            <p:pic>
-              <p:nvPicPr>
-                <p:cNvPr id="34" name="Picture 33"/>
-                <p:cNvPicPr>
-                  <a:picLocks noChangeAspect="1"/>
-                </p:cNvPicPr>
-                <p:nvPr/>
-              </p:nvPicPr>
-              <p:blipFill>
-                <a:blip r:embed="rId12">
-                  <a:extLst>
-                    <a:ext uri="{28A0092B-C50C-407E-A947-70E740481C1C}">
-                      <a14:useLocalDpi xmlns:a14="http://schemas.microsoft.com/office/drawing/2010/main" val="0"/>
-                    </a:ext>
-                  </a:extLst>
-                </a:blip>
-                <a:stretch>
-                  <a:fillRect/>
-                </a:stretch>
-              </p:blipFill>
-              <p:spPr>
-                <a:xfrm>
-                  <a:off x="22707099" y="21972767"/>
-                  <a:ext cx="6175232" cy="7077817"/>
-                </a:xfrm>
-                <a:prstGeom prst="rect">
-                  <a:avLst/>
-                </a:prstGeom>
-              </p:spPr>
-            </p:pic>
-            <p:pic>
-              <p:nvPicPr>
-                <p:cNvPr id="35" name="Picture 34"/>
-                <p:cNvPicPr>
-                  <a:picLocks noChangeAspect="1"/>
-                </p:cNvPicPr>
-                <p:nvPr/>
-              </p:nvPicPr>
-              <p:blipFill>
-                <a:blip r:embed="rId13">
-                  <a:extLst>
-                    <a:ext uri="{28A0092B-C50C-407E-A947-70E740481C1C}">
-                      <a14:useLocalDpi xmlns:a14="http://schemas.microsoft.com/office/drawing/2010/main" val="0"/>
-                    </a:ext>
-                  </a:extLst>
-                </a:blip>
-                <a:stretch>
-                  <a:fillRect/>
-                </a:stretch>
-              </p:blipFill>
-              <p:spPr>
-                <a:xfrm>
-                  <a:off x="29434585" y="21972767"/>
-                  <a:ext cx="6175232" cy="7077818"/>
-                </a:xfrm>
-                <a:prstGeom prst="rect">
-                  <a:avLst/>
-                </a:prstGeom>
-              </p:spPr>
-            </p:pic>
-          </p:grpSp>
-          <p:sp>
-            <p:nvSpPr>
-              <p:cNvPr id="39" name="TextBox 38"/>
-              <p:cNvSpPr txBox="1"/>
-              <p:nvPr/>
-            </p:nvSpPr>
-            <p:spPr>
-              <a:xfrm>
-                <a:off x="25189910" y="15995748"/>
-                <a:ext cx="1975242" cy="615553"/>
-              </a:xfrm>
-              <a:prstGeom prst="rect">
-                <a:avLst/>
-              </a:prstGeom>
-              <a:noFill/>
-            </p:spPr>
-            <p:txBody>
-              <a:bodyPr wrap="none" rtlCol="0">
-                <a:spAutoFit/>
-              </a:bodyPr>
-              <a:lstStyle/>
-              <a:p>
-                <a:pPr algn="ctr"/>
-                <a:r>
-                  <a:rPr lang="en-US" sz="3400" b="1" dirty="0" smtClean="0">
-                    <a:latin typeface="Arial"/>
-                    <a:cs typeface="Arial"/>
-                  </a:rPr>
-                  <a:t>RNA </a:t>
-                </a:r>
-                <a:r>
-                  <a:rPr lang="en-US" sz="3400" b="1" dirty="0">
-                    <a:latin typeface="Arial"/>
-                    <a:cs typeface="Arial"/>
-                  </a:rPr>
-                  <a:t>data</a:t>
-                </a:r>
-              </a:p>
-            </p:txBody>
-          </p:sp>
-          <p:sp>
-            <p:nvSpPr>
-              <p:cNvPr id="70" name="TextBox 69"/>
-              <p:cNvSpPr txBox="1"/>
-              <p:nvPr/>
-            </p:nvSpPr>
-            <p:spPr>
-              <a:xfrm>
-                <a:off x="31808907" y="16040761"/>
-                <a:ext cx="2437987" cy="615553"/>
-              </a:xfrm>
-              <a:prstGeom prst="rect">
-                <a:avLst/>
-              </a:prstGeom>
-              <a:noFill/>
-            </p:spPr>
-            <p:txBody>
-              <a:bodyPr wrap="none" rtlCol="0">
-                <a:spAutoFit/>
-              </a:bodyPr>
-              <a:lstStyle/>
-              <a:p>
-                <a:pPr algn="ctr"/>
-                <a:r>
-                  <a:rPr lang="en-US" sz="3400" b="1" dirty="0">
-                    <a:latin typeface="Arial"/>
-                    <a:cs typeface="Arial"/>
-                  </a:rPr>
-                  <a:t>Mixed data</a:t>
-                </a:r>
-              </a:p>
-            </p:txBody>
-          </p:sp>
-          <p:sp>
-            <p:nvSpPr>
-              <p:cNvPr id="71" name="TextBox 70"/>
-              <p:cNvSpPr txBox="1"/>
-              <p:nvPr/>
-            </p:nvSpPr>
-            <p:spPr>
-              <a:xfrm>
-                <a:off x="22819385" y="5128228"/>
-                <a:ext cx="6127054" cy="615553"/>
-              </a:xfrm>
-              <a:prstGeom prst="rect">
-                <a:avLst/>
-              </a:prstGeom>
-              <a:noFill/>
-            </p:spPr>
-            <p:txBody>
-              <a:bodyPr wrap="none" rtlCol="0">
-                <a:spAutoFit/>
-              </a:bodyPr>
-              <a:lstStyle/>
-              <a:p>
-                <a:pPr algn="ctr"/>
-                <a:r>
-                  <a:rPr lang="en-US" sz="3400" b="1" dirty="0">
-                    <a:latin typeface="Arial"/>
-                    <a:cs typeface="Arial"/>
-                  </a:rPr>
-                  <a:t>Simulated </a:t>
-                </a:r>
-                <a:r>
-                  <a:rPr lang="en-US" sz="3400" b="1" dirty="0" smtClean="0">
-                    <a:latin typeface="Arial"/>
-                    <a:cs typeface="Arial"/>
-                  </a:rPr>
-                  <a:t>data without latency</a:t>
-                </a:r>
-                <a:endParaRPr lang="en-US" sz="3400" b="1" dirty="0">
+              <a:r>
+                <a:rPr lang="en-US" sz="3400" dirty="0">
                   <a:latin typeface="Arial"/>
                   <a:cs typeface="Arial"/>
-                </a:endParaRPr>
-              </a:p>
-            </p:txBody>
-          </p:sp>
-          <p:sp>
-            <p:nvSpPr>
-              <p:cNvPr id="72" name="TextBox 71"/>
-              <p:cNvSpPr txBox="1"/>
-              <p:nvPr/>
-            </p:nvSpPr>
-            <p:spPr>
-              <a:xfrm>
-                <a:off x="29762811" y="5154738"/>
-                <a:ext cx="5929828" cy="615553"/>
-              </a:xfrm>
-              <a:prstGeom prst="rect">
-                <a:avLst/>
-              </a:prstGeom>
-              <a:noFill/>
-            </p:spPr>
-            <p:txBody>
-              <a:bodyPr wrap="none" rtlCol="0">
-                <a:spAutoFit/>
-              </a:bodyPr>
-              <a:lstStyle/>
-              <a:p>
-                <a:pPr algn="ctr"/>
-                <a:r>
-                  <a:rPr lang="en-US" sz="3400" b="1" dirty="0">
-                    <a:latin typeface="Arial"/>
-                    <a:cs typeface="Arial"/>
-                  </a:rPr>
-                  <a:t>Simulated data with latency</a:t>
-                </a:r>
-              </a:p>
-            </p:txBody>
-          </p:sp>
-        </p:grpSp>
-        <p:sp>
-          <p:nvSpPr>
-            <p:cNvPr id="2" name="TextBox 1"/>
-            <p:cNvSpPr txBox="1"/>
-            <p:nvPr/>
-          </p:nvSpPr>
-          <p:spPr>
-            <a:xfrm>
-              <a:off x="19452452" y="29659868"/>
-              <a:ext cx="18069730" cy="1661993"/>
-            </a:xfrm>
-            <a:prstGeom prst="rect">
-              <a:avLst/>
-            </a:prstGeom>
-            <a:noFill/>
-          </p:spPr>
-          <p:txBody>
-            <a:bodyPr wrap="square" rtlCol="0">
-              <a:spAutoFit/>
-            </a:bodyPr>
-            <a:lstStyle/>
-            <a:p>
+                </a:rPr>
+                <a:t>the date that it became latent) from it's viral </a:t>
+              </a:r>
               <a:r>
                 <a:rPr lang="en-US" sz="3400" dirty="0" smtClean="0">
                   <a:latin typeface="Arial"/>
                   <a:cs typeface="Arial"/>
                 </a:rPr>
-                <a:t>We compared the normalized difference of the censored dates / predicted dates in our real data and simulated data. We found that the normalized difference fit reasonably well, but there was more dispersion in the real data. This is shown in the figures above.</a:t>
+                <a:t>sequence.</a:t>
               </a:r>
-              <a:endParaRPr lang="en-US" sz="3400" dirty="0">
-                <a:latin typeface="Arial"/>
-                <a:cs typeface="Arial"/>
-              </a:endParaRPr>
-            </a:p>
-          </p:txBody>
-        </p:sp>
-      </p:grpSp>
-      <p:grpSp>
-        <p:nvGrpSpPr>
-          <p:cNvPr id="48" name="Group 47"/>
-          <p:cNvGrpSpPr/>
-          <p:nvPr/>
-        </p:nvGrpSpPr>
-        <p:grpSpPr>
-          <a:xfrm>
-            <a:off x="407298" y="30283371"/>
-            <a:ext cx="18444718" cy="5758710"/>
-            <a:chOff x="454600" y="28534651"/>
-            <a:chExt cx="17065624" cy="5758711"/>
-          </a:xfrm>
-        </p:grpSpPr>
-        <p:sp>
-          <p:nvSpPr>
-            <p:cNvPr id="49" name="Text Box 100"/>
-            <p:cNvSpPr txBox="1">
-              <a:spLocks noChangeArrowheads="1"/>
-            </p:cNvSpPr>
-            <p:nvPr/>
-          </p:nvSpPr>
-          <p:spPr bwMode="auto">
-            <a:xfrm>
-              <a:off x="454600" y="28534651"/>
-              <a:ext cx="17065624" cy="1134734"/>
-            </a:xfrm>
-            <a:prstGeom prst="rect">
-              <a:avLst/>
-            </a:prstGeom>
-            <a:noFill/>
-            <a:ln>
-              <a:noFill/>
-            </a:ln>
-            <a:effectLst/>
-            <a:extLst>
-              <a:ext uri="{909E8E84-426E-40dd-AFC4-6F175D3DCCD1}">
-                <a14:hiddenFill xmlns:a14="http://schemas.microsoft.com/office/drawing/2010/main">
-                  <a:solidFill>
-                    <a:schemeClr val="accent1"/>
-                  </a:solidFill>
-                </a14:hiddenFill>
-              </a:ext>
-              <a:ext uri="{91240B29-F687-4f45-9708-019B960494DF}">
-                <a14:hiddenLine xmlns:a14="http://schemas.microsoft.com/office/drawing/2010/main" w="9525">
-                  <a:solidFill>
-                    <a:schemeClr val="tx1"/>
-                  </a:solidFill>
-                  <a:miter lim="800000"/>
-                  <a:headEnd/>
-                  <a:tailEnd/>
-                </a14:hiddenLine>
-              </a:ext>
-              <a:ext uri="{AF507438-7753-43e0-B8FC-AC1667EBCBE1}">
-                <a14:hiddenEffects xmlns:a14="http://schemas.microsoft.com/office/drawing/2010/main">
-                  <a:effectLst>
-                    <a:outerShdw blurRad="63500" dist="38099" dir="2700000" algn="ctr" rotWithShape="0">
-                      <a:schemeClr val="bg2">
-                        <a:alpha val="74998"/>
-                      </a:schemeClr>
-                    </a:outerShdw>
-                  </a:effectLst>
-                </a14:hiddenEffects>
-              </a:ext>
-            </a:extLst>
-          </p:spPr>
-          <p:txBody>
-            <a:bodyPr lIns="21401" tIns="10700" rIns="21401" bIns="10700">
-              <a:spAutoFit/>
-            </a:bodyPr>
-            <a:lstStyle>
-              <a:lvl1pPr defTabSz="442913">
-                <a:defRPr sz="2400">
-                  <a:solidFill>
-                    <a:schemeClr val="tx1"/>
-                  </a:solidFill>
-                  <a:latin typeface="Arial" charset="0"/>
-                  <a:ea typeface="ＭＳ Ｐゴシック" charset="0"/>
-                  <a:cs typeface="ＭＳ Ｐゴシック" charset="0"/>
-                </a:defRPr>
-              </a:lvl1pPr>
-              <a:lvl2pPr marL="222250" defTabSz="442913">
-                <a:defRPr sz="2400">
-                  <a:solidFill>
-                    <a:schemeClr val="tx1"/>
-                  </a:solidFill>
-                  <a:latin typeface="Arial" charset="0"/>
-                  <a:ea typeface="ＭＳ Ｐゴシック" charset="0"/>
-                </a:defRPr>
-              </a:lvl2pPr>
-              <a:lvl3pPr marL="442913" defTabSz="442913">
-                <a:defRPr sz="2400">
-                  <a:solidFill>
-                    <a:schemeClr val="tx1"/>
-                  </a:solidFill>
-                  <a:latin typeface="Arial" charset="0"/>
-                  <a:ea typeface="ＭＳ Ｐゴシック" charset="0"/>
-                </a:defRPr>
-              </a:lvl3pPr>
-              <a:lvl4pPr marL="663575" defTabSz="442913">
-                <a:defRPr sz="2400">
-                  <a:solidFill>
-                    <a:schemeClr val="tx1"/>
-                  </a:solidFill>
-                  <a:latin typeface="Arial" charset="0"/>
-                  <a:ea typeface="ＭＳ Ｐゴシック" charset="0"/>
-                </a:defRPr>
-              </a:lvl4pPr>
-              <a:lvl5pPr marL="884238" defTabSz="442913">
-                <a:defRPr sz="2400">
-                  <a:solidFill>
-                    <a:schemeClr val="tx1"/>
-                  </a:solidFill>
-                  <a:latin typeface="Arial" charset="0"/>
-                  <a:ea typeface="ＭＳ Ｐゴシック" charset="0"/>
-                </a:defRPr>
-              </a:lvl5pPr>
-              <a:lvl6pPr marL="1341438" defTabSz="442913" eaLnBrk="0" fontAlgn="base" hangingPunct="0">
-                <a:spcBef>
-                  <a:spcPct val="0"/>
-                </a:spcBef>
-                <a:spcAft>
-                  <a:spcPct val="0"/>
-                </a:spcAft>
-                <a:defRPr sz="2400">
-                  <a:solidFill>
-                    <a:schemeClr val="tx1"/>
-                  </a:solidFill>
-                  <a:latin typeface="Arial" charset="0"/>
-                  <a:ea typeface="ＭＳ Ｐゴシック" charset="0"/>
-                </a:defRPr>
-              </a:lvl6pPr>
-              <a:lvl7pPr marL="1798638" defTabSz="442913" eaLnBrk="0" fontAlgn="base" hangingPunct="0">
-                <a:spcBef>
-                  <a:spcPct val="0"/>
-                </a:spcBef>
-                <a:spcAft>
-                  <a:spcPct val="0"/>
-                </a:spcAft>
-                <a:defRPr sz="2400">
-                  <a:solidFill>
-                    <a:schemeClr val="tx1"/>
-                  </a:solidFill>
-                  <a:latin typeface="Arial" charset="0"/>
-                  <a:ea typeface="ＭＳ Ｐゴシック" charset="0"/>
-                </a:defRPr>
-              </a:lvl7pPr>
-              <a:lvl8pPr marL="2255838" defTabSz="442913" eaLnBrk="0" fontAlgn="base" hangingPunct="0">
-                <a:spcBef>
-                  <a:spcPct val="0"/>
-                </a:spcBef>
-                <a:spcAft>
-                  <a:spcPct val="0"/>
-                </a:spcAft>
-                <a:defRPr sz="2400">
-                  <a:solidFill>
-                    <a:schemeClr val="tx1"/>
-                  </a:solidFill>
-                  <a:latin typeface="Arial" charset="0"/>
-                  <a:ea typeface="ＭＳ Ｐゴシック" charset="0"/>
-                </a:defRPr>
-              </a:lvl8pPr>
-              <a:lvl9pPr marL="2713038" defTabSz="442913" eaLnBrk="0" fontAlgn="base" hangingPunct="0">
-                <a:spcBef>
-                  <a:spcPct val="0"/>
-                </a:spcBef>
-                <a:spcAft>
-                  <a:spcPct val="0"/>
-                </a:spcAft>
-                <a:defRPr sz="2400">
-                  <a:solidFill>
-                    <a:schemeClr val="tx1"/>
-                  </a:solidFill>
-                  <a:latin typeface="Arial" charset="0"/>
-                  <a:ea typeface="ＭＳ Ｐゴシック" charset="0"/>
-                </a:defRPr>
-              </a:lvl9pPr>
-            </a:lstStyle>
-            <a:p>
-              <a:pPr>
-                <a:lnSpc>
-                  <a:spcPct val="120000"/>
-                </a:lnSpc>
-              </a:pPr>
-              <a:r>
-                <a:rPr lang="en-US" sz="6200" b="1" dirty="0" smtClean="0">
-                  <a:solidFill>
-                    <a:srgbClr val="000000"/>
-                  </a:solidFill>
-                  <a:latin typeface="Arial"/>
-                  <a:ea typeface="SimSun" charset="0"/>
-                  <a:cs typeface="Arial"/>
-                </a:rPr>
-                <a:t>References</a:t>
-              </a:r>
-              <a:endParaRPr lang="en-US" sz="6200" b="1" dirty="0">
-                <a:solidFill>
-                  <a:srgbClr val="000000"/>
-                </a:solidFill>
-                <a:latin typeface="Arial"/>
-                <a:ea typeface="SimSun" charset="0"/>
-                <a:cs typeface="Arial"/>
-              </a:endParaRPr>
-            </a:p>
-          </p:txBody>
-        </p:sp>
-        <p:sp>
-          <p:nvSpPr>
-            <p:cNvPr id="51" name="Line 101"/>
-            <p:cNvSpPr>
-              <a:spLocks noChangeShapeType="1"/>
-            </p:cNvSpPr>
-            <p:nvPr/>
-          </p:nvSpPr>
-          <p:spPr bwMode="auto">
-            <a:xfrm>
-              <a:off x="600400" y="29704412"/>
-              <a:ext cx="16321064" cy="0"/>
-            </a:xfrm>
-            <a:prstGeom prst="line">
-              <a:avLst/>
-            </a:prstGeom>
-            <a:noFill/>
-            <a:ln w="9525">
-              <a:solidFill>
-                <a:schemeClr val="bg2"/>
-              </a:solidFill>
-              <a:round/>
-              <a:headEnd/>
-              <a:tailEnd/>
-            </a:ln>
-            <a:effectLst/>
-            <a:extLst>
-              <a:ext uri="{909E8E84-426E-40dd-AFC4-6F175D3DCCD1}">
-                <a14:hiddenFill xmlns:a14="http://schemas.microsoft.com/office/drawing/2010/main">
-                  <a:noFill/>
-                </a14:hiddenFill>
-              </a:ext>
-              <a:ext uri="{AF507438-7753-43e0-B8FC-AC1667EBCBE1}">
-                <a14:hiddenEffects xmlns:a14="http://schemas.microsoft.com/office/drawing/2010/main">
-                  <a:effectLst>
-                    <a:outerShdw blurRad="63500" dist="38099" dir="2700000" algn="ctr" rotWithShape="0">
-                      <a:schemeClr val="bg2">
-                        <a:alpha val="74998"/>
-                      </a:schemeClr>
-                    </a:outerShdw>
-                  </a:effectLst>
-                </a14:hiddenEffects>
-              </a:ext>
-            </a:extLst>
-          </p:spPr>
-          <p:txBody>
-            <a:bodyPr lIns="21401" tIns="10700" rIns="21401" bIns="10700">
-              <a:spAutoFit/>
-            </a:bodyPr>
-            <a:lstStyle/>
-            <a:p>
-              <a:endParaRPr lang="en-US" dirty="0">
-                <a:ln>
-                  <a:solidFill>
-                    <a:schemeClr val="bg1">
-                      <a:lumMod val="75000"/>
-                    </a:schemeClr>
-                  </a:solidFill>
-                </a:ln>
-                <a:solidFill>
-                  <a:srgbClr val="000000"/>
-                </a:solidFill>
-              </a:endParaRPr>
-            </a:p>
-          </p:txBody>
-        </p:sp>
-        <p:sp>
-          <p:nvSpPr>
-            <p:cNvPr id="52" name="Rectangle 51"/>
-            <p:cNvSpPr/>
-            <p:nvPr/>
-          </p:nvSpPr>
-          <p:spPr>
-            <a:xfrm>
-              <a:off x="534379" y="30046044"/>
-              <a:ext cx="16750763" cy="4247318"/>
-            </a:xfrm>
-            <a:prstGeom prst="rect">
-              <a:avLst/>
-            </a:prstGeom>
-          </p:spPr>
-          <p:txBody>
-            <a:bodyPr wrap="square" numCol="1">
-              <a:spAutoFit/>
-            </a:bodyPr>
-            <a:lstStyle/>
-            <a:p>
-              <a:pPr indent="-457200">
-                <a:tabLst>
-                  <a:tab pos="711200" algn="l"/>
-                </a:tabLst>
-              </a:pPr>
-              <a:r>
-                <a:rPr lang="en-US" sz="3000" dirty="0" smtClean="0">
-                  <a:latin typeface="Arial"/>
-                  <a:cs typeface="Arial"/>
-                </a:rPr>
-                <a:t>[1] B. </a:t>
-              </a:r>
-              <a:r>
-                <a:rPr lang="en-US" sz="3000" dirty="0" err="1" smtClean="0">
-                  <a:latin typeface="Arial"/>
-                  <a:cs typeface="Arial"/>
-                </a:rPr>
-                <a:t>Joos</a:t>
-              </a:r>
-              <a:r>
-                <a:rPr lang="en-US" sz="3000" dirty="0" smtClean="0">
-                  <a:latin typeface="Arial"/>
-                  <a:cs typeface="Arial"/>
-                </a:rPr>
-                <a:t>, M. Fischer, </a:t>
-              </a:r>
-              <a:r>
-                <a:rPr lang="en-US" sz="3000" i="1" dirty="0" smtClean="0">
-                  <a:latin typeface="Arial"/>
-                  <a:cs typeface="Arial"/>
-                </a:rPr>
-                <a:t>et al.</a:t>
-              </a:r>
-              <a:r>
-                <a:rPr lang="en-US" sz="3000" dirty="0" smtClean="0">
-                  <a:latin typeface="Arial"/>
-                  <a:cs typeface="Arial"/>
-                </a:rPr>
-                <a:t> </a:t>
-              </a:r>
-              <a:r>
-                <a:rPr lang="en-US" sz="3000" i="1" dirty="0" smtClean="0">
-                  <a:latin typeface="Arial"/>
-                  <a:cs typeface="Arial"/>
-                </a:rPr>
-                <a:t>Proc. of the Nat. Acad. of Sci.</a:t>
-              </a:r>
-              <a:r>
-                <a:rPr lang="en-US" sz="3000" dirty="0" smtClean="0">
-                  <a:latin typeface="Arial"/>
-                  <a:cs typeface="Arial"/>
-                </a:rPr>
-                <a:t>, 105(43):16725–16730, 2008.</a:t>
-              </a:r>
-            </a:p>
-            <a:p>
-              <a:pPr indent="-2293200"/>
-              <a:r>
-                <a:rPr lang="en-US" sz="3000" dirty="0" smtClean="0">
-                  <a:latin typeface="Arial"/>
-                  <a:cs typeface="Arial"/>
-                </a:rPr>
-                <a:t>[2] S. </a:t>
-              </a:r>
-              <a:r>
-                <a:rPr lang="en-US" sz="3000" dirty="0" err="1" smtClean="0">
-                  <a:latin typeface="Arial"/>
-                  <a:cs typeface="Arial"/>
-                </a:rPr>
-                <a:t>Alizon</a:t>
-              </a:r>
-              <a:r>
-                <a:rPr lang="en-US" sz="3000" dirty="0" smtClean="0">
-                  <a:latin typeface="Arial"/>
-                  <a:cs typeface="Arial"/>
-                </a:rPr>
-                <a:t> and C. Fraser. </a:t>
-              </a:r>
-              <a:r>
-                <a:rPr lang="en-US" sz="3000" i="1" dirty="0" err="1" smtClean="0">
-                  <a:latin typeface="Arial"/>
-                  <a:cs typeface="Arial"/>
-                </a:rPr>
-                <a:t>Retrovirology</a:t>
-              </a:r>
-              <a:r>
-                <a:rPr lang="en-US" sz="3000" dirty="0" smtClean="0">
-                  <a:latin typeface="Arial"/>
-                  <a:cs typeface="Arial"/>
-                </a:rPr>
-                <a:t>, 10(49), 2013.</a:t>
-              </a:r>
-            </a:p>
-            <a:p>
-              <a:pPr indent="-457200"/>
-              <a:r>
-                <a:rPr lang="en-US" sz="3000" dirty="0" smtClean="0">
-                  <a:latin typeface="Arial"/>
-                  <a:cs typeface="Arial"/>
-                </a:rPr>
-                <a:t>[3] A. </a:t>
-              </a:r>
-              <a:r>
-                <a:rPr lang="en-US" sz="3000" dirty="0" err="1" smtClean="0">
-                  <a:latin typeface="Arial"/>
-                  <a:cs typeface="Arial"/>
-                </a:rPr>
-                <a:t>Rambaut</a:t>
-              </a:r>
-              <a:r>
-                <a:rPr lang="en-US" sz="3000" dirty="0" smtClean="0">
-                  <a:latin typeface="Arial"/>
-                  <a:cs typeface="Arial"/>
-                </a:rPr>
-                <a:t>, D. Posada, </a:t>
-              </a:r>
-              <a:r>
-                <a:rPr lang="en-US" sz="3000" i="1" dirty="0" smtClean="0">
-                  <a:latin typeface="Arial"/>
-                  <a:cs typeface="Arial"/>
-                </a:rPr>
-                <a:t>et al.</a:t>
-              </a:r>
-              <a:r>
-                <a:rPr lang="en-US" sz="3000" dirty="0" smtClean="0">
-                  <a:latin typeface="Arial"/>
-                  <a:cs typeface="Arial"/>
-                </a:rPr>
-                <a:t> </a:t>
-              </a:r>
-              <a:r>
-                <a:rPr lang="en-US" sz="3000" i="1" dirty="0" smtClean="0">
-                  <a:latin typeface="Arial"/>
-                  <a:cs typeface="Arial"/>
-                </a:rPr>
-                <a:t>Nature Reviews Genetics</a:t>
-              </a:r>
-              <a:r>
-                <a:rPr lang="en-US" sz="3000" dirty="0" smtClean="0">
-                  <a:latin typeface="Arial"/>
-                  <a:cs typeface="Arial"/>
-                </a:rPr>
-                <a:t>, 5(1):52–61, 2004.</a:t>
-              </a:r>
-            </a:p>
-            <a:p>
-              <a:pPr indent="-457200"/>
-              <a:r>
-                <a:rPr lang="en-US" sz="3000" dirty="0" smtClean="0">
-                  <a:latin typeface="Arial"/>
-                  <a:cs typeface="Arial"/>
-                </a:rPr>
-                <a:t>[4] R. C. Edgar. </a:t>
-              </a:r>
-              <a:r>
-                <a:rPr lang="en-US" sz="3000" i="1" dirty="0" smtClean="0">
-                  <a:latin typeface="Arial"/>
-                  <a:cs typeface="Arial"/>
-                </a:rPr>
-                <a:t>Nucleic Acids Research</a:t>
-              </a:r>
-              <a:r>
-                <a:rPr lang="en-US" sz="3000" dirty="0" smtClean="0">
-                  <a:latin typeface="Arial"/>
-                  <a:cs typeface="Arial"/>
-                </a:rPr>
-                <a:t>, 32(5):1792–1797, 2004.</a:t>
-              </a:r>
-            </a:p>
-            <a:p>
-              <a:r>
-                <a:rPr lang="en-US" sz="3000" dirty="0" smtClean="0">
-                  <a:latin typeface="Arial"/>
-                  <a:cs typeface="Arial"/>
-                </a:rPr>
-                <a:t>[5] A. Larsson. </a:t>
-              </a:r>
-              <a:r>
-                <a:rPr lang="en-US" sz="3000" i="1" dirty="0" smtClean="0">
-                  <a:latin typeface="Arial"/>
-                  <a:cs typeface="Arial"/>
-                </a:rPr>
-                <a:t>Bioinformatics</a:t>
-              </a:r>
-              <a:r>
-                <a:rPr lang="en-US" sz="3000" dirty="0" smtClean="0">
-                  <a:latin typeface="Arial"/>
-                  <a:cs typeface="Arial"/>
-                </a:rPr>
-                <a:t>, 30(22):3276–3278, 2014.</a:t>
-              </a:r>
-            </a:p>
-            <a:p>
-              <a:pPr indent="-457200"/>
-              <a:r>
-                <a:rPr lang="en-US" sz="3000" dirty="0" smtClean="0">
-                  <a:latin typeface="Arial"/>
-                  <a:cs typeface="Arial"/>
-                </a:rPr>
-                <a:t>[6] T </a:t>
-              </a:r>
-              <a:r>
-                <a:rPr lang="en-US" sz="3000" dirty="0" err="1" smtClean="0">
-                  <a:latin typeface="Arial"/>
-                  <a:cs typeface="Arial"/>
-                </a:rPr>
-                <a:t>Stadler</a:t>
-              </a:r>
-              <a:r>
-                <a:rPr lang="en-US" sz="3000" dirty="0">
-                  <a:latin typeface="Arial"/>
-                  <a:cs typeface="Arial"/>
-                </a:rPr>
-                <a:t>.</a:t>
-              </a:r>
-              <a:r>
-                <a:rPr lang="en-US" sz="3000" dirty="0" smtClean="0">
-                  <a:latin typeface="Arial"/>
-                  <a:cs typeface="Arial"/>
-                </a:rPr>
-                <a:t> </a:t>
-              </a:r>
-              <a:r>
-                <a:rPr lang="en-US" sz="3000" dirty="0" err="1" smtClean="0">
-                  <a:latin typeface="Arial"/>
-                  <a:cs typeface="Arial"/>
-                </a:rPr>
-                <a:t>TreeSim</a:t>
-              </a:r>
-              <a:r>
-                <a:rPr lang="en-US" sz="3000" dirty="0" smtClean="0">
-                  <a:latin typeface="Arial"/>
-                  <a:cs typeface="Arial"/>
-                </a:rPr>
-                <a:t>: Simulating phylogenetic trees, R package version 2.2, 2015.</a:t>
-              </a:r>
-            </a:p>
-            <a:p>
-              <a:pPr indent="-457200"/>
-              <a:r>
-                <a:rPr lang="en-US" sz="3000" dirty="0" smtClean="0">
-                  <a:latin typeface="Arial"/>
-                  <a:cs typeface="Arial"/>
-                </a:rPr>
-                <a:t>[7] W. Fletcher and Z. Yang. </a:t>
-              </a:r>
-              <a:r>
-                <a:rPr lang="en-US" sz="3000" i="1" dirty="0" smtClean="0">
-                  <a:latin typeface="Arial"/>
-                  <a:cs typeface="Arial"/>
-                </a:rPr>
-                <a:t>Molecular Biology Evolution</a:t>
-              </a:r>
-              <a:r>
-                <a:rPr lang="en-US" sz="3000" dirty="0" smtClean="0">
-                  <a:latin typeface="Arial"/>
-                  <a:cs typeface="Arial"/>
-                </a:rPr>
-                <a:t>, 26(8)1879–1888, 2009.</a:t>
-              </a:r>
-              <a:endParaRPr lang="en-US" sz="3000" i="1" dirty="0" smtClean="0">
-                <a:latin typeface="Arial"/>
-                <a:cs typeface="Arial"/>
-              </a:endParaRPr>
-            </a:p>
-            <a:p>
-              <a:pPr indent="-457200"/>
-              <a:r>
-                <a:rPr lang="en-US" sz="3000" dirty="0" smtClean="0">
-                  <a:latin typeface="Arial"/>
-                  <a:cs typeface="Arial"/>
-                </a:rPr>
-                <a:t>[8] A. </a:t>
-              </a:r>
-              <a:r>
-                <a:rPr lang="en-US" sz="3000" dirty="0" err="1" smtClean="0">
-                  <a:latin typeface="Arial"/>
-                  <a:cs typeface="Arial"/>
-                </a:rPr>
-                <a:t>Stamatakis</a:t>
-              </a:r>
-              <a:r>
-                <a:rPr lang="en-US" sz="3000" dirty="0" smtClean="0">
-                  <a:latin typeface="Arial"/>
-                  <a:cs typeface="Arial"/>
-                </a:rPr>
-                <a:t>. </a:t>
-              </a:r>
-              <a:r>
-                <a:rPr lang="en-US" sz="3000" i="1" dirty="0" smtClean="0">
-                  <a:latin typeface="Arial"/>
-                  <a:cs typeface="Arial"/>
-                </a:rPr>
-                <a:t>Bioinformatics</a:t>
-              </a:r>
-              <a:r>
-                <a:rPr lang="en-US" sz="3000" dirty="0" smtClean="0">
-                  <a:latin typeface="Arial"/>
-                  <a:cs typeface="Arial"/>
-                </a:rPr>
-                <a:t>, 30(9):1312–1313, 2014.</a:t>
-              </a:r>
-            </a:p>
-            <a:p>
-              <a:pPr indent="-457200"/>
-              <a:r>
-                <a:rPr lang="en-US" sz="3000" dirty="0" smtClean="0">
-                  <a:latin typeface="Arial"/>
-                  <a:cs typeface="Arial"/>
-                </a:rPr>
-                <a:t>[9] B. </a:t>
-              </a:r>
-              <a:r>
-                <a:rPr lang="en-US" sz="3000" dirty="0" err="1" smtClean="0">
-                  <a:latin typeface="Arial"/>
-                  <a:cs typeface="Arial"/>
-                </a:rPr>
-                <a:t>Korber</a:t>
-              </a:r>
-              <a:r>
-                <a:rPr lang="en-US" sz="3000" dirty="0" smtClean="0">
-                  <a:latin typeface="Arial"/>
-                  <a:cs typeface="Arial"/>
-                </a:rPr>
-                <a:t>, M. Muldoon, </a:t>
-              </a:r>
-              <a:r>
-                <a:rPr lang="en-US" sz="3000" i="1" dirty="0" smtClean="0">
-                  <a:latin typeface="Arial"/>
-                  <a:cs typeface="Arial"/>
-                </a:rPr>
-                <a:t>et al.</a:t>
-              </a:r>
-              <a:r>
-                <a:rPr lang="en-US" sz="3000" dirty="0" smtClean="0">
-                  <a:latin typeface="Arial"/>
-                  <a:cs typeface="Arial"/>
-                </a:rPr>
-                <a:t> </a:t>
-              </a:r>
-              <a:r>
-                <a:rPr lang="en-US" sz="3000" i="1" dirty="0" smtClean="0">
-                  <a:latin typeface="Arial"/>
-                  <a:cs typeface="Arial"/>
-                </a:rPr>
-                <a:t>Science</a:t>
-              </a:r>
-              <a:r>
-                <a:rPr lang="en-US" sz="3000" dirty="0" smtClean="0">
-                  <a:latin typeface="Arial"/>
-                  <a:cs typeface="Arial"/>
-                </a:rPr>
-                <a:t>, 288(5472):1789–1796, 2000.</a:t>
-              </a:r>
-              <a:endParaRPr lang="en-US" sz="3000" dirty="0">
+              <a:endParaRPr lang="en-US" sz="3400" dirty="0" smtClean="0">
                 <a:latin typeface="Arial"/>
                 <a:cs typeface="Arial"/>
               </a:endParaRPr>
@@ -6572,7 +5445,7 @@
         </p:nvSpPr>
         <p:spPr>
           <a:xfrm>
-            <a:off x="9694299" y="18158702"/>
+            <a:off x="9694299" y="19301702"/>
             <a:ext cx="8922880" cy="6494085"/>
           </a:xfrm>
           <a:prstGeom prst="rect">
@@ -6587,11 +5460,32 @@
           <a:lstStyle/>
           <a:p>
             <a:r>
+              <a:rPr lang="en-US" sz="3200" b="1" dirty="0" smtClean="0">
+                <a:latin typeface="Arial"/>
+                <a:cs typeface="Arial"/>
+              </a:rPr>
+              <a:t>Figure 1: </a:t>
+            </a:r>
+            <a:r>
+              <a:rPr lang="en-US" sz="3200" b="1" dirty="0" smtClean="0">
+                <a:latin typeface="Arial"/>
+                <a:cs typeface="Arial"/>
+              </a:rPr>
+              <a:t>Reconstructing the time that a lineage became </a:t>
+            </a:r>
+            <a:r>
+              <a:rPr lang="en-US" sz="3200" b="1" dirty="0" smtClean="0">
+                <a:latin typeface="Arial"/>
+                <a:cs typeface="Arial"/>
+              </a:rPr>
+              <a:t>latent. </a:t>
+            </a:r>
+            <a:r>
               <a:rPr lang="en-US" sz="3200" dirty="0" smtClean="0">
                 <a:latin typeface="Arial"/>
                 <a:cs typeface="Arial"/>
               </a:rPr>
-              <a:t>Figure: Reconstructing the time that a lineage became latent. The </a:t>
+              <a:t>The </a:t>
             </a:r>
             <a:r>
               <a:rPr lang="en-US" sz="3200" dirty="0">
@@ -6703,21 +5597,21 @@
                 <a:latin typeface="Arial"/>
                 <a:cs typeface="Arial"/>
               </a:rPr>
-              <a:t>. Since, while latent, this lineage underwent </a:t>
-            </a:r>
-            <a:r>
-              <a:rPr lang="en-US" sz="3200" dirty="0">
-                <a:latin typeface="Arial"/>
-                <a:cs typeface="Arial"/>
-              </a:rPr>
-              <a:t>negligible molecular </a:t>
+              <a:t>. Since, while latent, this lineage </a:t>
             </a:r>
             <a:r>
               <a:rPr lang="en-US" sz="3200" dirty="0" smtClean="0">
                 <a:latin typeface="Arial"/>
                 <a:cs typeface="Arial"/>
               </a:rPr>
-              <a:t>evolution, the </a:t>
+              <a:t>underwent negligible molecular evolution, </a:t>
+            </a:r>
+            <a:r>
+              <a:rPr lang="en-US" sz="3200" dirty="0" smtClean="0">
+                <a:latin typeface="Arial"/>
+                <a:cs typeface="Arial"/>
+              </a:rPr>
+              <a:t>the </a:t>
             </a:r>
             <a:r>
               <a:rPr lang="en-US" sz="3200" dirty="0">
@@ -6731,14 +5625,21 @@
                 <a:latin typeface="Arial"/>
                 <a:cs typeface="Arial"/>
               </a:rPr>
-              <a:t>sequence (thick </a:t>
+              <a:t>sequence </a:t>
+            </a:r>
+            <a:r>
+              <a:rPr lang="en-US" sz="3200" dirty="0" smtClean="0">
+                <a:latin typeface="Arial"/>
+                <a:cs typeface="Arial"/>
+              </a:rPr>
+              <a:t>(red </a:t>
             </a:r>
             <a:r>
               <a:rPr lang="en-US" sz="3200" dirty="0">
                 <a:latin typeface="Arial"/>
                 <a:cs typeface="Arial"/>
               </a:rPr>
-              <a:t>red dashed </a:t>
+              <a:t>dashed </a:t>
             </a:r>
             <a:r>
               <a:rPr lang="en-US" sz="3200" dirty="0" smtClean="0">
@@ -6797,10 +5698,1964 @@
               <a:rPr lang="en-US" sz="2500" dirty="0"/>
               <a:t>) and by a CIHR operating grant to Art Poon (HOP-111406).</a:t>
             </a:r>
-            <a:endParaRPr lang="en-US" sz="2500" dirty="0"/>
           </a:p>
         </p:txBody>
       </p:sp>
+      <p:pic>
+        <p:nvPicPr>
+          <p:cNvPr id="56" name="Picture 55"/>
+          <p:cNvPicPr>
+            <a:picLocks noChangeAspect="1"/>
+          </p:cNvPicPr>
+          <p:nvPr/>
+        </p:nvPicPr>
+        <p:blipFill>
+          <a:blip r:embed="rId9">
+            <a:extLst>
+              <a:ext uri="{28A0092B-C50C-407E-A947-70E740481C1C}">
+                <a14:useLocalDpi xmlns:a14="http://schemas.microsoft.com/office/drawing/2010/main" val="0"/>
+              </a:ext>
+            </a:extLst>
+          </a:blip>
+          <a:stretch>
+            <a:fillRect/>
+          </a:stretch>
+        </p:blipFill>
+        <p:spPr>
+          <a:xfrm>
+            <a:off x="34747202" y="36920749"/>
+            <a:ext cx="1738581" cy="871999"/>
+          </a:xfrm>
+          <a:prstGeom prst="rect">
+            <a:avLst/>
+          </a:prstGeom>
+        </p:spPr>
+      </p:pic>
+      <p:pic>
+        <p:nvPicPr>
+          <p:cNvPr id="11" name="Picture 10"/>
+          <p:cNvPicPr>
+            <a:picLocks noChangeAspect="1"/>
+          </p:cNvPicPr>
+          <p:nvPr/>
+        </p:nvPicPr>
+        <p:blipFill>
+          <a:blip r:embed="rId10"/>
+          <a:stretch>
+            <a:fillRect/>
+          </a:stretch>
+        </p:blipFill>
+        <p:spPr>
+          <a:xfrm>
+            <a:off x="19494501" y="36875034"/>
+            <a:ext cx="2217016" cy="1371122"/>
+          </a:xfrm>
+          <a:prstGeom prst="rect">
+            <a:avLst/>
+          </a:prstGeom>
+        </p:spPr>
+      </p:pic>
+      <p:pic>
+        <p:nvPicPr>
+          <p:cNvPr id="16" name="Picture 15"/>
+          <p:cNvPicPr>
+            <a:picLocks noChangeAspect="1"/>
+          </p:cNvPicPr>
+          <p:nvPr/>
+        </p:nvPicPr>
+        <p:blipFill>
+          <a:blip r:embed="rId11"/>
+          <a:stretch>
+            <a:fillRect/>
+          </a:stretch>
+        </p:blipFill>
+        <p:spPr>
+          <a:xfrm>
+            <a:off x="21869481" y="36875034"/>
+            <a:ext cx="3380282" cy="1247893"/>
+          </a:xfrm>
+          <a:prstGeom prst="rect">
+            <a:avLst/>
+          </a:prstGeom>
+        </p:spPr>
+      </p:pic>
+      <p:grpSp>
+        <p:nvGrpSpPr>
+          <p:cNvPr id="19" name="Group 18"/>
+          <p:cNvGrpSpPr/>
+          <p:nvPr/>
+        </p:nvGrpSpPr>
+        <p:grpSpPr>
+          <a:xfrm>
+            <a:off x="654776" y="32591861"/>
+            <a:ext cx="36497596" cy="4189051"/>
+            <a:chOff x="654776" y="32591861"/>
+            <a:chExt cx="36497596" cy="4189051"/>
+          </a:xfrm>
+        </p:grpSpPr>
+        <p:grpSp>
+          <p:nvGrpSpPr>
+            <p:cNvPr id="48" name="Group 47"/>
+            <p:cNvGrpSpPr/>
+            <p:nvPr/>
+          </p:nvGrpSpPr>
+          <p:grpSpPr>
+            <a:xfrm>
+              <a:off x="654776" y="32591861"/>
+              <a:ext cx="36061166" cy="4189051"/>
+              <a:chOff x="454600" y="28534650"/>
+              <a:chExt cx="33399348" cy="4189051"/>
+            </a:xfrm>
+          </p:grpSpPr>
+          <p:sp>
+            <p:nvSpPr>
+              <p:cNvPr id="49" name="Text Box 100"/>
+              <p:cNvSpPr txBox="1">
+                <a:spLocks noChangeArrowheads="1"/>
+              </p:cNvSpPr>
+              <p:nvPr/>
+            </p:nvSpPr>
+            <p:spPr bwMode="auto">
+              <a:xfrm>
+                <a:off x="454600" y="28534650"/>
+                <a:ext cx="17065624" cy="1134734"/>
+              </a:xfrm>
+              <a:prstGeom prst="rect">
+                <a:avLst/>
+              </a:prstGeom>
+              <a:noFill/>
+              <a:ln>
+                <a:noFill/>
+              </a:ln>
+              <a:effectLst/>
+              <a:extLst>
+                <a:ext uri="{909E8E84-426E-40dd-AFC4-6F175D3DCCD1}">
+                  <a14:hiddenFill xmlns:a14="http://schemas.microsoft.com/office/drawing/2010/main">
+                    <a:solidFill>
+                      <a:schemeClr val="accent1"/>
+                    </a:solidFill>
+                  </a14:hiddenFill>
+                </a:ext>
+                <a:ext uri="{91240B29-F687-4f45-9708-019B960494DF}">
+                  <a14:hiddenLine xmlns:a14="http://schemas.microsoft.com/office/drawing/2010/main" w="9525">
+                    <a:solidFill>
+                      <a:schemeClr val="tx1"/>
+                    </a:solidFill>
+                    <a:miter lim="800000"/>
+                    <a:headEnd/>
+                    <a:tailEnd/>
+                  </a14:hiddenLine>
+                </a:ext>
+                <a:ext uri="{AF507438-7753-43e0-B8FC-AC1667EBCBE1}">
+                  <a14:hiddenEffects xmlns:a14="http://schemas.microsoft.com/office/drawing/2010/main">
+                    <a:effectLst>
+                      <a:outerShdw blurRad="63500" dist="38099" dir="2700000" algn="ctr" rotWithShape="0">
+                        <a:schemeClr val="bg2">
+                          <a:alpha val="74998"/>
+                        </a:schemeClr>
+                      </a:outerShdw>
+                    </a:effectLst>
+                  </a14:hiddenEffects>
+                </a:ext>
+              </a:extLst>
+            </p:spPr>
+            <p:txBody>
+              <a:bodyPr lIns="21401" tIns="10700" rIns="21401" bIns="10700">
+                <a:spAutoFit/>
+              </a:bodyPr>
+              <a:lstStyle>
+                <a:lvl1pPr defTabSz="442913">
+                  <a:defRPr sz="2400">
+                    <a:solidFill>
+                      <a:schemeClr val="tx1"/>
+                    </a:solidFill>
+                    <a:latin typeface="Arial" charset="0"/>
+                    <a:ea typeface="ＭＳ Ｐゴシック" charset="0"/>
+                    <a:cs typeface="ＭＳ Ｐゴシック" charset="0"/>
+                  </a:defRPr>
+                </a:lvl1pPr>
+                <a:lvl2pPr marL="222250" defTabSz="442913">
+                  <a:defRPr sz="2400">
+                    <a:solidFill>
+                      <a:schemeClr val="tx1"/>
+                    </a:solidFill>
+                    <a:latin typeface="Arial" charset="0"/>
+                    <a:ea typeface="ＭＳ Ｐゴシック" charset="0"/>
+                  </a:defRPr>
+                </a:lvl2pPr>
+                <a:lvl3pPr marL="442913" defTabSz="442913">
+                  <a:defRPr sz="2400">
+                    <a:solidFill>
+                      <a:schemeClr val="tx1"/>
+                    </a:solidFill>
+                    <a:latin typeface="Arial" charset="0"/>
+                    <a:ea typeface="ＭＳ Ｐゴシック" charset="0"/>
+                  </a:defRPr>
+                </a:lvl3pPr>
+                <a:lvl4pPr marL="663575" defTabSz="442913">
+                  <a:defRPr sz="2400">
+                    <a:solidFill>
+                      <a:schemeClr val="tx1"/>
+                    </a:solidFill>
+                    <a:latin typeface="Arial" charset="0"/>
+                    <a:ea typeface="ＭＳ Ｐゴシック" charset="0"/>
+                  </a:defRPr>
+                </a:lvl4pPr>
+                <a:lvl5pPr marL="884238" defTabSz="442913">
+                  <a:defRPr sz="2400">
+                    <a:solidFill>
+                      <a:schemeClr val="tx1"/>
+                    </a:solidFill>
+                    <a:latin typeface="Arial" charset="0"/>
+                    <a:ea typeface="ＭＳ Ｐゴシック" charset="0"/>
+                  </a:defRPr>
+                </a:lvl5pPr>
+                <a:lvl6pPr marL="1341438" defTabSz="442913" eaLnBrk="0" fontAlgn="base" hangingPunct="0">
+                  <a:spcBef>
+                    <a:spcPct val="0"/>
+                  </a:spcBef>
+                  <a:spcAft>
+                    <a:spcPct val="0"/>
+                  </a:spcAft>
+                  <a:defRPr sz="2400">
+                    <a:solidFill>
+                      <a:schemeClr val="tx1"/>
+                    </a:solidFill>
+                    <a:latin typeface="Arial" charset="0"/>
+                    <a:ea typeface="ＭＳ Ｐゴシック" charset="0"/>
+                  </a:defRPr>
+                </a:lvl6pPr>
+                <a:lvl7pPr marL="1798638" defTabSz="442913" eaLnBrk="0" fontAlgn="base" hangingPunct="0">
+                  <a:spcBef>
+                    <a:spcPct val="0"/>
+                  </a:spcBef>
+                  <a:spcAft>
+                    <a:spcPct val="0"/>
+                  </a:spcAft>
+                  <a:defRPr sz="2400">
+                    <a:solidFill>
+                      <a:schemeClr val="tx1"/>
+                    </a:solidFill>
+                    <a:latin typeface="Arial" charset="0"/>
+                    <a:ea typeface="ＭＳ Ｐゴシック" charset="0"/>
+                  </a:defRPr>
+                </a:lvl7pPr>
+                <a:lvl8pPr marL="2255838" defTabSz="442913" eaLnBrk="0" fontAlgn="base" hangingPunct="0">
+                  <a:spcBef>
+                    <a:spcPct val="0"/>
+                  </a:spcBef>
+                  <a:spcAft>
+                    <a:spcPct val="0"/>
+                  </a:spcAft>
+                  <a:defRPr sz="2400">
+                    <a:solidFill>
+                      <a:schemeClr val="tx1"/>
+                    </a:solidFill>
+                    <a:latin typeface="Arial" charset="0"/>
+                    <a:ea typeface="ＭＳ Ｐゴシック" charset="0"/>
+                  </a:defRPr>
+                </a:lvl8pPr>
+                <a:lvl9pPr marL="2713038" defTabSz="442913" eaLnBrk="0" fontAlgn="base" hangingPunct="0">
+                  <a:spcBef>
+                    <a:spcPct val="0"/>
+                  </a:spcBef>
+                  <a:spcAft>
+                    <a:spcPct val="0"/>
+                  </a:spcAft>
+                  <a:defRPr sz="2400">
+                    <a:solidFill>
+                      <a:schemeClr val="tx1"/>
+                    </a:solidFill>
+                    <a:latin typeface="Arial" charset="0"/>
+                    <a:ea typeface="ＭＳ Ｐゴシック" charset="0"/>
+                  </a:defRPr>
+                </a:lvl9pPr>
+              </a:lstStyle>
+              <a:p>
+                <a:pPr>
+                  <a:lnSpc>
+                    <a:spcPct val="120000"/>
+                  </a:lnSpc>
+                </a:pPr>
+                <a:r>
+                  <a:rPr lang="en-US" sz="6200" b="1" dirty="0" smtClean="0">
+                    <a:solidFill>
+                      <a:srgbClr val="000000"/>
+                    </a:solidFill>
+                    <a:latin typeface="Arial"/>
+                    <a:ea typeface="SimSun" charset="0"/>
+                    <a:cs typeface="Arial"/>
+                  </a:rPr>
+                  <a:t>References</a:t>
+                </a:r>
+                <a:endParaRPr lang="en-US" sz="6200" b="1" dirty="0">
+                  <a:solidFill>
+                    <a:srgbClr val="000000"/>
+                  </a:solidFill>
+                  <a:latin typeface="Arial"/>
+                  <a:ea typeface="SimSun" charset="0"/>
+                  <a:cs typeface="Arial"/>
+                </a:endParaRPr>
+              </a:p>
+            </p:txBody>
+          </p:sp>
+          <p:sp>
+            <p:nvSpPr>
+              <p:cNvPr id="51" name="Line 101"/>
+              <p:cNvSpPr>
+                <a:spLocks noChangeShapeType="1"/>
+              </p:cNvSpPr>
+              <p:nvPr/>
+            </p:nvSpPr>
+            <p:spPr bwMode="auto">
+              <a:xfrm flipV="1">
+                <a:off x="600400" y="29669384"/>
+                <a:ext cx="33253548" cy="35029"/>
+              </a:xfrm>
+              <a:prstGeom prst="line">
+                <a:avLst/>
+              </a:prstGeom>
+              <a:noFill/>
+              <a:ln w="9525">
+                <a:solidFill>
+                  <a:schemeClr val="bg2"/>
+                </a:solidFill>
+                <a:round/>
+                <a:headEnd/>
+                <a:tailEnd/>
+              </a:ln>
+              <a:effectLst/>
+              <a:extLst>
+                <a:ext uri="{909E8E84-426E-40dd-AFC4-6F175D3DCCD1}">
+                  <a14:hiddenFill xmlns:a14="http://schemas.microsoft.com/office/drawing/2010/main">
+                    <a:noFill/>
+                  </a14:hiddenFill>
+                </a:ext>
+                <a:ext uri="{AF507438-7753-43e0-B8FC-AC1667EBCBE1}">
+                  <a14:hiddenEffects xmlns:a14="http://schemas.microsoft.com/office/drawing/2010/main">
+                    <a:effectLst>
+                      <a:outerShdw blurRad="63500" dist="38099" dir="2700000" algn="ctr" rotWithShape="0">
+                        <a:schemeClr val="bg2">
+                          <a:alpha val="74998"/>
+                        </a:schemeClr>
+                      </a:outerShdw>
+                    </a:effectLst>
+                  </a14:hiddenEffects>
+                </a:ext>
+              </a:extLst>
+            </p:spPr>
+            <p:txBody>
+              <a:bodyPr wrap="square" lIns="21401" tIns="10700" rIns="21401" bIns="10700">
+                <a:spAutoFit/>
+              </a:bodyPr>
+              <a:lstStyle/>
+              <a:p>
+                <a:endParaRPr lang="en-US" dirty="0">
+                  <a:ln>
+                    <a:solidFill>
+                      <a:schemeClr val="bg1">
+                        <a:lumMod val="75000"/>
+                      </a:schemeClr>
+                    </a:solidFill>
+                  </a:ln>
+                  <a:solidFill>
+                    <a:srgbClr val="000000"/>
+                  </a:solidFill>
+                </a:endParaRPr>
+              </a:p>
+            </p:txBody>
+          </p:sp>
+          <p:sp>
+            <p:nvSpPr>
+              <p:cNvPr id="52" name="Rectangle 51"/>
+              <p:cNvSpPr/>
+              <p:nvPr/>
+            </p:nvSpPr>
+            <p:spPr>
+              <a:xfrm>
+                <a:off x="534379" y="30046045"/>
+                <a:ext cx="16706708" cy="2677656"/>
+              </a:xfrm>
+              <a:prstGeom prst="rect">
+                <a:avLst/>
+              </a:prstGeom>
+            </p:spPr>
+            <p:txBody>
+              <a:bodyPr wrap="square" numCol="2">
+                <a:spAutoFit/>
+              </a:bodyPr>
+              <a:lstStyle/>
+              <a:p>
+                <a:pPr indent="-457200">
+                  <a:tabLst>
+                    <a:tab pos="711200" algn="l"/>
+                  </a:tabLst>
+                </a:pPr>
+                <a:r>
+                  <a:rPr lang="en-US" sz="2800" dirty="0" smtClean="0">
+                    <a:latin typeface="Arial"/>
+                    <a:cs typeface="Arial"/>
+                  </a:rPr>
+                  <a:t>[1] B. </a:t>
+                </a:r>
+                <a:r>
+                  <a:rPr lang="en-US" sz="2800" dirty="0" err="1" smtClean="0">
+                    <a:latin typeface="Arial"/>
+                    <a:cs typeface="Arial"/>
+                  </a:rPr>
+                  <a:t>Joos</a:t>
+                </a:r>
+                <a:r>
+                  <a:rPr lang="en-US" sz="2800" dirty="0" smtClean="0">
+                    <a:latin typeface="Arial"/>
+                    <a:cs typeface="Arial"/>
+                  </a:rPr>
+                  <a:t>, M. Fischer, </a:t>
+                </a:r>
+                <a:r>
+                  <a:rPr lang="en-US" sz="2800" i="1" dirty="0" smtClean="0">
+                    <a:latin typeface="Arial"/>
+                    <a:cs typeface="Arial"/>
+                  </a:rPr>
+                  <a:t>et al.</a:t>
+                </a:r>
+                <a:r>
+                  <a:rPr lang="en-US" sz="2800" dirty="0" smtClean="0">
+                    <a:latin typeface="Arial"/>
+                    <a:cs typeface="Arial"/>
+                  </a:rPr>
+                  <a:t> </a:t>
+                </a:r>
+                <a:r>
+                  <a:rPr lang="en-US" sz="2800" i="1" dirty="0" smtClean="0">
+                    <a:latin typeface="Arial"/>
+                    <a:cs typeface="Arial"/>
+                  </a:rPr>
+                  <a:t>Proc. of the Nat. Acad. of Sci.</a:t>
+                </a:r>
+                <a:r>
+                  <a:rPr lang="en-US" sz="2800" dirty="0" smtClean="0">
+                    <a:latin typeface="Arial"/>
+                    <a:cs typeface="Arial"/>
+                  </a:rPr>
+                  <a:t>, 105(43):16725–16730, 2008.</a:t>
+                </a:r>
+              </a:p>
+              <a:p>
+                <a:pPr indent="-2293200"/>
+                <a:r>
+                  <a:rPr lang="en-US" sz="2800" dirty="0" smtClean="0">
+                    <a:latin typeface="Arial"/>
+                    <a:cs typeface="Arial"/>
+                  </a:rPr>
+                  <a:t>[2] S. </a:t>
+                </a:r>
+                <a:r>
+                  <a:rPr lang="en-US" sz="2800" dirty="0" err="1" smtClean="0">
+                    <a:latin typeface="Arial"/>
+                    <a:cs typeface="Arial"/>
+                  </a:rPr>
+                  <a:t>Alizon</a:t>
+                </a:r>
+                <a:r>
+                  <a:rPr lang="en-US" sz="2800" dirty="0" smtClean="0">
+                    <a:latin typeface="Arial"/>
+                    <a:cs typeface="Arial"/>
+                  </a:rPr>
+                  <a:t> and C. Fraser. </a:t>
+                </a:r>
+                <a:r>
+                  <a:rPr lang="en-US" sz="2800" i="1" dirty="0" err="1" smtClean="0">
+                    <a:latin typeface="Arial"/>
+                    <a:cs typeface="Arial"/>
+                  </a:rPr>
+                  <a:t>Retrovirology</a:t>
+                </a:r>
+                <a:r>
+                  <a:rPr lang="en-US" sz="2800" dirty="0" smtClean="0">
+                    <a:latin typeface="Arial"/>
+                    <a:cs typeface="Arial"/>
+                  </a:rPr>
+                  <a:t>, 10(49), 2013.</a:t>
+                </a:r>
+              </a:p>
+              <a:p>
+                <a:pPr indent="-457200"/>
+                <a:r>
+                  <a:rPr lang="en-US" sz="2800" dirty="0" smtClean="0">
+                    <a:latin typeface="Arial"/>
+                    <a:cs typeface="Arial"/>
+                  </a:rPr>
+                  <a:t>[3] A. </a:t>
+                </a:r>
+                <a:r>
+                  <a:rPr lang="en-US" sz="2800" dirty="0" err="1" smtClean="0">
+                    <a:latin typeface="Arial"/>
+                    <a:cs typeface="Arial"/>
+                  </a:rPr>
+                  <a:t>Rambaut</a:t>
+                </a:r>
+                <a:r>
+                  <a:rPr lang="en-US" sz="2800" dirty="0" smtClean="0">
+                    <a:latin typeface="Arial"/>
+                    <a:cs typeface="Arial"/>
+                  </a:rPr>
+                  <a:t>, D. Posada, </a:t>
+                </a:r>
+                <a:r>
+                  <a:rPr lang="en-US" sz="2800" i="1" dirty="0" smtClean="0">
+                    <a:latin typeface="Arial"/>
+                    <a:cs typeface="Arial"/>
+                  </a:rPr>
+                  <a:t>et al.</a:t>
+                </a:r>
+                <a:r>
+                  <a:rPr lang="en-US" sz="2800" dirty="0" smtClean="0">
+                    <a:latin typeface="Arial"/>
+                    <a:cs typeface="Arial"/>
+                  </a:rPr>
+                  <a:t> </a:t>
+                </a:r>
+                <a:r>
+                  <a:rPr lang="en-US" sz="2800" i="1" dirty="0" smtClean="0">
+                    <a:latin typeface="Arial"/>
+                    <a:cs typeface="Arial"/>
+                  </a:rPr>
+                  <a:t>Nature Reviews Genetics</a:t>
+                </a:r>
+                <a:r>
+                  <a:rPr lang="en-US" sz="2800" dirty="0" smtClean="0">
+                    <a:latin typeface="Arial"/>
+                    <a:cs typeface="Arial"/>
+                  </a:rPr>
+                  <a:t>, 5(1):52–61, 2004.</a:t>
+                </a:r>
+              </a:p>
+              <a:p>
+                <a:pPr indent="-457200"/>
+                <a:endParaRPr lang="en-US" sz="2800" dirty="0" smtClean="0">
+                  <a:latin typeface="Arial"/>
+                  <a:cs typeface="Arial"/>
+                </a:endParaRPr>
+              </a:p>
+              <a:p>
+                <a:pPr indent="-457200"/>
+                <a:r>
+                  <a:rPr lang="en-US" sz="2800" dirty="0" smtClean="0">
+                    <a:latin typeface="Arial"/>
+                    <a:cs typeface="Arial"/>
+                  </a:rPr>
+                  <a:t>[4] R. C. Edgar. </a:t>
+                </a:r>
+                <a:r>
+                  <a:rPr lang="en-US" sz="2800" i="1" dirty="0" smtClean="0">
+                    <a:latin typeface="Arial"/>
+                    <a:cs typeface="Arial"/>
+                  </a:rPr>
+                  <a:t>Nucleic Acids Research</a:t>
+                </a:r>
+                <a:r>
+                  <a:rPr lang="en-US" sz="2800" dirty="0" smtClean="0">
+                    <a:latin typeface="Arial"/>
+                    <a:cs typeface="Arial"/>
+                  </a:rPr>
+                  <a:t>, 32(5):1792–1797, 2004.</a:t>
+                </a:r>
+              </a:p>
+              <a:p>
+                <a:r>
+                  <a:rPr lang="en-US" sz="2800" dirty="0" smtClean="0">
+                    <a:latin typeface="Arial"/>
+                    <a:cs typeface="Arial"/>
+                  </a:rPr>
+                  <a:t>[5] A. Larsson. </a:t>
+                </a:r>
+                <a:r>
+                  <a:rPr lang="en-US" sz="2800" i="1" dirty="0" smtClean="0">
+                    <a:latin typeface="Arial"/>
+                    <a:cs typeface="Arial"/>
+                  </a:rPr>
+                  <a:t>Bioinformatics</a:t>
+                </a:r>
+                <a:r>
+                  <a:rPr lang="en-US" sz="2800" dirty="0" smtClean="0">
+                    <a:latin typeface="Arial"/>
+                    <a:cs typeface="Arial"/>
+                  </a:rPr>
+                  <a:t>, 30(22):3276–3278, 2014.</a:t>
+                </a:r>
+              </a:p>
+              <a:p>
+                <a:pPr indent="-457200"/>
+                <a:endParaRPr lang="en-US" sz="2800" dirty="0" smtClean="0">
+                  <a:latin typeface="Arial"/>
+                  <a:cs typeface="Arial"/>
+                </a:endParaRPr>
+              </a:p>
+              <a:p>
+                <a:pPr indent="-457200"/>
+                <a:endParaRPr lang="en-US" sz="2800" dirty="0">
+                  <a:latin typeface="Arial"/>
+                  <a:cs typeface="Arial"/>
+                </a:endParaRPr>
+              </a:p>
+            </p:txBody>
+          </p:sp>
+        </p:grpSp>
+        <p:sp>
+          <p:nvSpPr>
+            <p:cNvPr id="18" name="TextBox 17"/>
+            <p:cNvSpPr txBox="1"/>
+            <p:nvPr/>
+          </p:nvSpPr>
+          <p:spPr>
+            <a:xfrm>
+              <a:off x="19512383" y="34103256"/>
+              <a:ext cx="17639989" cy="1815882"/>
+            </a:xfrm>
+            <a:prstGeom prst="rect">
+              <a:avLst/>
+            </a:prstGeom>
+            <a:noFill/>
+          </p:spPr>
+          <p:txBody>
+            <a:bodyPr wrap="square" numCol="2" rtlCol="0">
+              <a:spAutoFit/>
+            </a:bodyPr>
+            <a:lstStyle/>
+            <a:p>
+              <a:pPr indent="-457200"/>
+              <a:r>
+                <a:rPr lang="en-US" sz="2800" dirty="0">
+                  <a:latin typeface="Arial"/>
+                  <a:cs typeface="Arial"/>
+                </a:rPr>
+                <a:t>6] T </a:t>
+              </a:r>
+              <a:r>
+                <a:rPr lang="en-US" sz="2800" dirty="0" err="1">
+                  <a:latin typeface="Arial"/>
+                  <a:cs typeface="Arial"/>
+                </a:rPr>
+                <a:t>Stadler</a:t>
+              </a:r>
+              <a:r>
+                <a:rPr lang="en-US" sz="2800" dirty="0">
+                  <a:latin typeface="Arial"/>
+                  <a:cs typeface="Arial"/>
+                </a:rPr>
+                <a:t>. </a:t>
+              </a:r>
+              <a:r>
+                <a:rPr lang="en-US" sz="2800" dirty="0" err="1">
+                  <a:latin typeface="Arial"/>
+                  <a:cs typeface="Arial"/>
+                </a:rPr>
+                <a:t>TreeSim</a:t>
+              </a:r>
+              <a:r>
+                <a:rPr lang="en-US" sz="2800" dirty="0">
+                  <a:latin typeface="Arial"/>
+                  <a:cs typeface="Arial"/>
+                </a:rPr>
+                <a:t>: Simulating phylogenetic trees, R package version 2.2, 2015.</a:t>
+              </a:r>
+            </a:p>
+            <a:p>
+              <a:pPr indent="-457200"/>
+              <a:r>
+                <a:rPr lang="en-US" sz="2800" dirty="0">
+                  <a:latin typeface="Arial"/>
+                  <a:cs typeface="Arial"/>
+                </a:rPr>
+                <a:t>[7] W. Fletcher and Z. Yang. </a:t>
+              </a:r>
+              <a:r>
+                <a:rPr lang="en-US" sz="2800" i="1" dirty="0">
+                  <a:latin typeface="Arial"/>
+                  <a:cs typeface="Arial"/>
+                </a:rPr>
+                <a:t>Molecular Biology Evolution</a:t>
+              </a:r>
+              <a:r>
+                <a:rPr lang="en-US" sz="2800" dirty="0">
+                  <a:latin typeface="Arial"/>
+                  <a:cs typeface="Arial"/>
+                </a:rPr>
+                <a:t>, 26(8)1879–1888, 2009.</a:t>
+              </a:r>
+              <a:endParaRPr lang="en-US" sz="2800" i="1" dirty="0">
+                <a:latin typeface="Arial"/>
+                <a:cs typeface="Arial"/>
+              </a:endParaRPr>
+            </a:p>
+            <a:p>
+              <a:pPr indent="-457200"/>
+              <a:r>
+                <a:rPr lang="en-US" sz="2800" dirty="0">
+                  <a:latin typeface="Arial"/>
+                  <a:cs typeface="Arial"/>
+                </a:rPr>
+                <a:t>[8] A. </a:t>
+              </a:r>
+              <a:r>
+                <a:rPr lang="en-US" sz="2800" dirty="0" err="1">
+                  <a:latin typeface="Arial"/>
+                  <a:cs typeface="Arial"/>
+                </a:rPr>
+                <a:t>Stamatakis</a:t>
+              </a:r>
+              <a:r>
+                <a:rPr lang="en-US" sz="2800" dirty="0">
+                  <a:latin typeface="Arial"/>
+                  <a:cs typeface="Arial"/>
+                </a:rPr>
+                <a:t>. </a:t>
+              </a:r>
+              <a:r>
+                <a:rPr lang="en-US" sz="2800" i="1" dirty="0">
+                  <a:latin typeface="Arial"/>
+                  <a:cs typeface="Arial"/>
+                </a:rPr>
+                <a:t>Bioinformatics</a:t>
+              </a:r>
+              <a:r>
+                <a:rPr lang="en-US" sz="2800" dirty="0">
+                  <a:latin typeface="Arial"/>
+                  <a:cs typeface="Arial"/>
+                </a:rPr>
+                <a:t>, 30(9):1312–1313, 2014.</a:t>
+              </a:r>
+            </a:p>
+            <a:p>
+              <a:pPr indent="-457200"/>
+              <a:r>
+                <a:rPr lang="en-US" sz="2800" dirty="0">
+                  <a:latin typeface="Arial"/>
+                  <a:cs typeface="Arial"/>
+                </a:rPr>
+                <a:t>[9] B. </a:t>
+              </a:r>
+              <a:r>
+                <a:rPr lang="en-US" sz="2800" dirty="0" err="1">
+                  <a:latin typeface="Arial"/>
+                  <a:cs typeface="Arial"/>
+                </a:rPr>
+                <a:t>Korber</a:t>
+              </a:r>
+              <a:r>
+                <a:rPr lang="en-US" sz="2800" dirty="0">
+                  <a:latin typeface="Arial"/>
+                  <a:cs typeface="Arial"/>
+                </a:rPr>
+                <a:t>, M. Muldoon, </a:t>
+              </a:r>
+              <a:r>
+                <a:rPr lang="en-US" sz="2800" i="1" dirty="0">
+                  <a:latin typeface="Arial"/>
+                  <a:cs typeface="Arial"/>
+                </a:rPr>
+                <a:t>et al.</a:t>
+              </a:r>
+              <a:r>
+                <a:rPr lang="en-US" sz="2800" dirty="0">
+                  <a:latin typeface="Arial"/>
+                  <a:cs typeface="Arial"/>
+                </a:rPr>
+                <a:t> </a:t>
+              </a:r>
+              <a:r>
+                <a:rPr lang="en-US" sz="2800" i="1" dirty="0">
+                  <a:latin typeface="Arial"/>
+                  <a:cs typeface="Arial"/>
+                </a:rPr>
+                <a:t>Science</a:t>
+              </a:r>
+              <a:r>
+                <a:rPr lang="en-US" sz="2800" dirty="0">
+                  <a:latin typeface="Arial"/>
+                  <a:cs typeface="Arial"/>
+                </a:rPr>
+                <a:t>, 288(5472):1789–1796, 2000</a:t>
+              </a:r>
+              <a:r>
+                <a:rPr lang="en-US" sz="2800" dirty="0" smtClean="0">
+                  <a:latin typeface="Arial"/>
+                  <a:cs typeface="Arial"/>
+                </a:rPr>
+                <a:t>.</a:t>
+              </a:r>
+              <a:endParaRPr lang="en-US" sz="2800" dirty="0">
+                <a:latin typeface="Arial"/>
+                <a:cs typeface="Arial"/>
+              </a:endParaRPr>
+            </a:p>
+          </p:txBody>
+        </p:sp>
+      </p:grpSp>
+      <p:grpSp>
+        <p:nvGrpSpPr>
+          <p:cNvPr id="78" name="Group 77"/>
+          <p:cNvGrpSpPr/>
+          <p:nvPr/>
+        </p:nvGrpSpPr>
+        <p:grpSpPr>
+          <a:xfrm>
+            <a:off x="19354801" y="4557096"/>
+            <a:ext cx="18444718" cy="29038276"/>
+            <a:chOff x="19354801" y="4557096"/>
+            <a:chExt cx="18444718" cy="29038276"/>
+          </a:xfrm>
+        </p:grpSpPr>
+        <p:sp>
+          <p:nvSpPr>
+            <p:cNvPr id="68" name="TextBox 67"/>
+            <p:cNvSpPr txBox="1"/>
+            <p:nvPr/>
+          </p:nvSpPr>
+          <p:spPr>
+            <a:xfrm>
+              <a:off x="20487753" y="26784999"/>
+              <a:ext cx="7717377" cy="584776"/>
+            </a:xfrm>
+            <a:prstGeom prst="rect">
+              <a:avLst/>
+            </a:prstGeom>
+            <a:noFill/>
+          </p:spPr>
+          <p:txBody>
+            <a:bodyPr wrap="none" rtlCol="0">
+              <a:spAutoFit/>
+            </a:bodyPr>
+            <a:lstStyle/>
+            <a:p>
+              <a:pPr algn="ctr"/>
+              <a:r>
+                <a:rPr lang="en-US" sz="3200" b="1" dirty="0" smtClean="0">
+                  <a:latin typeface="Arial"/>
+                  <a:cs typeface="Arial"/>
+                </a:rPr>
+                <a:t>Figure 4a: RNA data difference </a:t>
+              </a:r>
+              <a:r>
+                <a:rPr lang="en-US" sz="3200" b="1" dirty="0">
+                  <a:latin typeface="Arial"/>
+                  <a:cs typeface="Arial"/>
+                </a:rPr>
+                <a:t>d</a:t>
+              </a:r>
+              <a:r>
+                <a:rPr lang="en-US" sz="3200" b="1" dirty="0" smtClean="0">
+                  <a:latin typeface="Arial"/>
+                  <a:cs typeface="Arial"/>
+                </a:rPr>
+                <a:t>ensity</a:t>
+              </a:r>
+              <a:endParaRPr lang="en-US" sz="3200" b="1" dirty="0">
+                <a:latin typeface="Arial"/>
+                <a:cs typeface="Arial"/>
+              </a:endParaRPr>
+            </a:p>
+          </p:txBody>
+        </p:sp>
+        <p:sp>
+          <p:nvSpPr>
+            <p:cNvPr id="73" name="TextBox 72"/>
+            <p:cNvSpPr txBox="1"/>
+            <p:nvPr/>
+          </p:nvSpPr>
+          <p:spPr>
+            <a:xfrm>
+              <a:off x="28693752" y="26784999"/>
+              <a:ext cx="8279630" cy="584776"/>
+            </a:xfrm>
+            <a:prstGeom prst="rect">
+              <a:avLst/>
+            </a:prstGeom>
+            <a:noFill/>
+          </p:spPr>
+          <p:txBody>
+            <a:bodyPr wrap="none" rtlCol="0">
+              <a:spAutoFit/>
+            </a:bodyPr>
+            <a:lstStyle/>
+            <a:p>
+              <a:pPr algn="ctr"/>
+              <a:r>
+                <a:rPr lang="en-US" sz="3200" b="1" dirty="0" smtClean="0">
+                  <a:latin typeface="Arial"/>
+                  <a:cs typeface="Arial"/>
+                </a:rPr>
+                <a:t>Figure 4b: </a:t>
+              </a:r>
+              <a:r>
+                <a:rPr lang="en-US" sz="3200" b="1" dirty="0" err="1" smtClean="0">
+                  <a:latin typeface="Arial"/>
+                  <a:cs typeface="Arial"/>
+                </a:rPr>
+                <a:t>Mixedd</a:t>
+              </a:r>
+              <a:r>
+                <a:rPr lang="en-US" sz="3200" b="1" dirty="0" smtClean="0">
+                  <a:latin typeface="Arial"/>
+                  <a:cs typeface="Arial"/>
+                </a:rPr>
+                <a:t> data difference density</a:t>
+              </a:r>
+              <a:endParaRPr lang="en-US" sz="3200" b="1" dirty="0">
+                <a:latin typeface="Arial"/>
+                <a:cs typeface="Arial"/>
+              </a:endParaRPr>
+            </a:p>
+          </p:txBody>
+        </p:sp>
+        <p:grpSp>
+          <p:nvGrpSpPr>
+            <p:cNvPr id="76" name="Group 75"/>
+            <p:cNvGrpSpPr/>
+            <p:nvPr/>
+          </p:nvGrpSpPr>
+          <p:grpSpPr>
+            <a:xfrm>
+              <a:off x="19354801" y="4557096"/>
+              <a:ext cx="18444718" cy="29038276"/>
+              <a:chOff x="19354801" y="4595580"/>
+              <a:chExt cx="18444718" cy="29038276"/>
+            </a:xfrm>
+          </p:grpSpPr>
+          <p:grpSp>
+            <p:nvGrpSpPr>
+              <p:cNvPr id="37" name="Group 36"/>
+              <p:cNvGrpSpPr/>
+              <p:nvPr/>
+            </p:nvGrpSpPr>
+            <p:grpSpPr>
+              <a:xfrm>
+                <a:off x="19354801" y="4595580"/>
+                <a:ext cx="18444718" cy="3678901"/>
+                <a:chOff x="454600" y="28534651"/>
+                <a:chExt cx="17065624" cy="3678902"/>
+              </a:xfrm>
+            </p:grpSpPr>
+            <p:sp>
+              <p:nvSpPr>
+                <p:cNvPr id="54" name="Text Box 100"/>
+                <p:cNvSpPr txBox="1">
+                  <a:spLocks noChangeArrowheads="1"/>
+                </p:cNvSpPr>
+                <p:nvPr/>
+              </p:nvSpPr>
+              <p:spPr bwMode="auto">
+                <a:xfrm>
+                  <a:off x="454600" y="28534651"/>
+                  <a:ext cx="17065624" cy="1134734"/>
+                </a:xfrm>
+                <a:prstGeom prst="rect">
+                  <a:avLst/>
+                </a:prstGeom>
+                <a:noFill/>
+                <a:ln>
+                  <a:noFill/>
+                </a:ln>
+                <a:effectLst/>
+                <a:extLst>
+                  <a:ext uri="{909E8E84-426E-40dd-AFC4-6F175D3DCCD1}">
+                    <a14:hiddenFill xmlns:a14="http://schemas.microsoft.com/office/drawing/2010/main">
+                      <a:solidFill>
+                        <a:schemeClr val="accent1"/>
+                      </a:solidFill>
+                    </a14:hiddenFill>
+                  </a:ext>
+                  <a:ext uri="{91240B29-F687-4f45-9708-019B960494DF}">
+                    <a14:hiddenLine xmlns:a14="http://schemas.microsoft.com/office/drawing/2010/main" w="9525">
+                      <a:solidFill>
+                        <a:schemeClr val="tx1"/>
+                      </a:solidFill>
+                      <a:miter lim="800000"/>
+                      <a:headEnd/>
+                      <a:tailEnd/>
+                    </a14:hiddenLine>
+                  </a:ext>
+                  <a:ext uri="{AF507438-7753-43e0-B8FC-AC1667EBCBE1}">
+                    <a14:hiddenEffects xmlns:a14="http://schemas.microsoft.com/office/drawing/2010/main">
+                      <a:effectLst>
+                        <a:outerShdw blurRad="63500" dist="38099" dir="2700000" algn="ctr" rotWithShape="0">
+                          <a:schemeClr val="bg2">
+                            <a:alpha val="74998"/>
+                          </a:schemeClr>
+                        </a:outerShdw>
+                      </a:effectLst>
+                    </a14:hiddenEffects>
+                  </a:ext>
+                </a:extLst>
+              </p:spPr>
+              <p:txBody>
+                <a:bodyPr lIns="21401" tIns="10700" rIns="21401" bIns="10700">
+                  <a:spAutoFit/>
+                </a:bodyPr>
+                <a:lstStyle>
+                  <a:lvl1pPr defTabSz="442913">
+                    <a:defRPr sz="2400">
+                      <a:solidFill>
+                        <a:schemeClr val="tx1"/>
+                      </a:solidFill>
+                      <a:latin typeface="Arial" charset="0"/>
+                      <a:ea typeface="ＭＳ Ｐゴシック" charset="0"/>
+                      <a:cs typeface="ＭＳ Ｐゴシック" charset="0"/>
+                    </a:defRPr>
+                  </a:lvl1pPr>
+                  <a:lvl2pPr marL="222250" defTabSz="442913">
+                    <a:defRPr sz="2400">
+                      <a:solidFill>
+                        <a:schemeClr val="tx1"/>
+                      </a:solidFill>
+                      <a:latin typeface="Arial" charset="0"/>
+                      <a:ea typeface="ＭＳ Ｐゴシック" charset="0"/>
+                    </a:defRPr>
+                  </a:lvl2pPr>
+                  <a:lvl3pPr marL="442913" defTabSz="442913">
+                    <a:defRPr sz="2400">
+                      <a:solidFill>
+                        <a:schemeClr val="tx1"/>
+                      </a:solidFill>
+                      <a:latin typeface="Arial" charset="0"/>
+                      <a:ea typeface="ＭＳ Ｐゴシック" charset="0"/>
+                    </a:defRPr>
+                  </a:lvl3pPr>
+                  <a:lvl4pPr marL="663575" defTabSz="442913">
+                    <a:defRPr sz="2400">
+                      <a:solidFill>
+                        <a:schemeClr val="tx1"/>
+                      </a:solidFill>
+                      <a:latin typeface="Arial" charset="0"/>
+                      <a:ea typeface="ＭＳ Ｐゴシック" charset="0"/>
+                    </a:defRPr>
+                  </a:lvl4pPr>
+                  <a:lvl5pPr marL="884238" defTabSz="442913">
+                    <a:defRPr sz="2400">
+                      <a:solidFill>
+                        <a:schemeClr val="tx1"/>
+                      </a:solidFill>
+                      <a:latin typeface="Arial" charset="0"/>
+                      <a:ea typeface="ＭＳ Ｐゴシック" charset="0"/>
+                    </a:defRPr>
+                  </a:lvl5pPr>
+                  <a:lvl6pPr marL="1341438" defTabSz="442913" eaLnBrk="0" fontAlgn="base" hangingPunct="0">
+                    <a:spcBef>
+                      <a:spcPct val="0"/>
+                    </a:spcBef>
+                    <a:spcAft>
+                      <a:spcPct val="0"/>
+                    </a:spcAft>
+                    <a:defRPr sz="2400">
+                      <a:solidFill>
+                        <a:schemeClr val="tx1"/>
+                      </a:solidFill>
+                      <a:latin typeface="Arial" charset="0"/>
+                      <a:ea typeface="ＭＳ Ｐゴシック" charset="0"/>
+                    </a:defRPr>
+                  </a:lvl6pPr>
+                  <a:lvl7pPr marL="1798638" defTabSz="442913" eaLnBrk="0" fontAlgn="base" hangingPunct="0">
+                    <a:spcBef>
+                      <a:spcPct val="0"/>
+                    </a:spcBef>
+                    <a:spcAft>
+                      <a:spcPct val="0"/>
+                    </a:spcAft>
+                    <a:defRPr sz="2400">
+                      <a:solidFill>
+                        <a:schemeClr val="tx1"/>
+                      </a:solidFill>
+                      <a:latin typeface="Arial" charset="0"/>
+                      <a:ea typeface="ＭＳ Ｐゴシック" charset="0"/>
+                    </a:defRPr>
+                  </a:lvl7pPr>
+                  <a:lvl8pPr marL="2255838" defTabSz="442913" eaLnBrk="0" fontAlgn="base" hangingPunct="0">
+                    <a:spcBef>
+                      <a:spcPct val="0"/>
+                    </a:spcBef>
+                    <a:spcAft>
+                      <a:spcPct val="0"/>
+                    </a:spcAft>
+                    <a:defRPr sz="2400">
+                      <a:solidFill>
+                        <a:schemeClr val="tx1"/>
+                      </a:solidFill>
+                      <a:latin typeface="Arial" charset="0"/>
+                      <a:ea typeface="ＭＳ Ｐゴシック" charset="0"/>
+                    </a:defRPr>
+                  </a:lvl8pPr>
+                  <a:lvl9pPr marL="2713038" defTabSz="442913" eaLnBrk="0" fontAlgn="base" hangingPunct="0">
+                    <a:spcBef>
+                      <a:spcPct val="0"/>
+                    </a:spcBef>
+                    <a:spcAft>
+                      <a:spcPct val="0"/>
+                    </a:spcAft>
+                    <a:defRPr sz="2400">
+                      <a:solidFill>
+                        <a:schemeClr val="tx1"/>
+                      </a:solidFill>
+                      <a:latin typeface="Arial" charset="0"/>
+                      <a:ea typeface="ＭＳ Ｐゴシック" charset="0"/>
+                    </a:defRPr>
+                  </a:lvl9pPr>
+                </a:lstStyle>
+                <a:p>
+                  <a:pPr>
+                    <a:lnSpc>
+                      <a:spcPct val="120000"/>
+                    </a:lnSpc>
+                  </a:pPr>
+                  <a:r>
+                    <a:rPr lang="en-US" sz="6200" b="1" dirty="0">
+                      <a:solidFill>
+                        <a:srgbClr val="000000"/>
+                      </a:solidFill>
+                      <a:cs typeface="Times" charset="0"/>
+                    </a:rPr>
+                    <a:t>Results</a:t>
+                  </a:r>
+                  <a:endParaRPr lang="en-US" sz="6200" dirty="0">
+                    <a:solidFill>
+                      <a:srgbClr val="000000"/>
+                    </a:solidFill>
+                    <a:latin typeface="Times New Roman" charset="0"/>
+                    <a:ea typeface="SimSun" charset="0"/>
+                    <a:cs typeface="SimSun" charset="0"/>
+                  </a:endParaRPr>
+                </a:p>
+              </p:txBody>
+            </p:sp>
+            <p:sp>
+              <p:nvSpPr>
+                <p:cNvPr id="55" name="Line 101"/>
+                <p:cNvSpPr>
+                  <a:spLocks noChangeShapeType="1"/>
+                </p:cNvSpPr>
+                <p:nvPr/>
+              </p:nvSpPr>
+              <p:spPr bwMode="auto">
+                <a:xfrm>
+                  <a:off x="600400" y="29704412"/>
+                  <a:ext cx="16321064" cy="0"/>
+                </a:xfrm>
+                <a:prstGeom prst="line">
+                  <a:avLst/>
+                </a:prstGeom>
+                <a:noFill/>
+                <a:ln w="9525">
+                  <a:solidFill>
+                    <a:schemeClr val="bg2"/>
+                  </a:solidFill>
+                  <a:round/>
+                  <a:headEnd/>
+                  <a:tailEnd/>
+                </a:ln>
+                <a:effectLst/>
+                <a:extLst>
+                  <a:ext uri="{909E8E84-426E-40dd-AFC4-6F175D3DCCD1}">
+                    <a14:hiddenFill xmlns:a14="http://schemas.microsoft.com/office/drawing/2010/main">
+                      <a:noFill/>
+                    </a14:hiddenFill>
+                  </a:ext>
+                  <a:ext uri="{AF507438-7753-43e0-B8FC-AC1667EBCBE1}">
+                    <a14:hiddenEffects xmlns:a14="http://schemas.microsoft.com/office/drawing/2010/main">
+                      <a:effectLst>
+                        <a:outerShdw blurRad="63500" dist="38099" dir="2700000" algn="ctr" rotWithShape="0">
+                          <a:schemeClr val="bg2">
+                            <a:alpha val="74998"/>
+                          </a:schemeClr>
+                        </a:outerShdw>
+                      </a:effectLst>
+                    </a14:hiddenEffects>
+                  </a:ext>
+                </a:extLst>
+              </p:spPr>
+              <p:txBody>
+                <a:bodyPr lIns="21401" tIns="10700" rIns="21401" bIns="10700">
+                  <a:spAutoFit/>
+                </a:bodyPr>
+                <a:lstStyle/>
+                <a:p>
+                  <a:endParaRPr lang="en-US" dirty="0">
+                    <a:ln>
+                      <a:solidFill>
+                        <a:schemeClr val="bg1">
+                          <a:lumMod val="75000"/>
+                        </a:schemeClr>
+                      </a:solidFill>
+                    </a:ln>
+                    <a:solidFill>
+                      <a:srgbClr val="000000"/>
+                    </a:solidFill>
+                  </a:endParaRPr>
+                </a:p>
+              </p:txBody>
+            </p:sp>
+            <p:sp>
+              <p:nvSpPr>
+                <p:cNvPr id="64" name="Rectangle 63"/>
+                <p:cNvSpPr/>
+                <p:nvPr/>
+              </p:nvSpPr>
+              <p:spPr>
+                <a:xfrm>
+                  <a:off x="534379" y="30028338"/>
+                  <a:ext cx="16750763" cy="2185215"/>
+                </a:xfrm>
+                <a:prstGeom prst="rect">
+                  <a:avLst/>
+                </a:prstGeom>
+              </p:spPr>
+              <p:txBody>
+                <a:bodyPr wrap="square">
+                  <a:spAutoFit/>
+                </a:bodyPr>
+                <a:lstStyle/>
+                <a:p>
+                  <a:r>
+                    <a:rPr lang="en-US" sz="3400" dirty="0">
+                      <a:latin typeface="Arial"/>
+                      <a:cs typeface="Arial"/>
+                    </a:rPr>
+                    <a:t>Simulated data </a:t>
+                  </a:r>
+                  <a:r>
+                    <a:rPr lang="en-US" sz="3400" dirty="0" smtClean="0">
+                      <a:latin typeface="Arial"/>
+                      <a:cs typeface="Arial"/>
+                    </a:rPr>
+                    <a:t>— </a:t>
+                  </a:r>
+                  <a:r>
+                    <a:rPr lang="en-US" sz="3400" dirty="0">
+                      <a:latin typeface="Arial"/>
+                      <a:cs typeface="Arial"/>
+                    </a:rPr>
+                    <a:t>In order to verify our methodology, we first applied our pipeline to simulated </a:t>
+                  </a:r>
+                  <a:r>
+                    <a:rPr lang="en-US" sz="3400" dirty="0" smtClean="0">
+                      <a:latin typeface="Arial"/>
+                      <a:cs typeface="Arial"/>
+                    </a:rPr>
+                    <a:t>data with and without latency. The </a:t>
+                  </a:r>
+                  <a:r>
+                    <a:rPr lang="en-US" sz="3400" dirty="0">
+                      <a:latin typeface="Arial"/>
+                      <a:cs typeface="Arial"/>
+                    </a:rPr>
+                    <a:t>binomial test performed well on the simulated data.  </a:t>
+                  </a:r>
+                  <a:r>
+                    <a:rPr lang="en-US" sz="3400" dirty="0" smtClean="0">
+                      <a:latin typeface="Arial"/>
+                      <a:cs typeface="Arial"/>
+                    </a:rPr>
+                    <a:t>This </a:t>
+                  </a:r>
+                  <a:r>
+                    <a:rPr lang="en-US" sz="3400" dirty="0">
+                      <a:latin typeface="Arial"/>
+                      <a:cs typeface="Arial"/>
+                    </a:rPr>
+                    <a:t>test correctly predicted that there was </a:t>
+                  </a:r>
+                  <a:r>
+                    <a:rPr lang="en-US" sz="3400" dirty="0" smtClean="0">
+                      <a:latin typeface="Arial"/>
+                      <a:cs typeface="Arial"/>
+                    </a:rPr>
+                    <a:t>insignificant </a:t>
+                  </a:r>
+                  <a:r>
+                    <a:rPr lang="en-US" sz="3400" dirty="0">
+                      <a:latin typeface="Arial"/>
+                      <a:cs typeface="Arial"/>
+                    </a:rPr>
+                    <a:t>latency in </a:t>
+                  </a:r>
+                  <a:r>
+                    <a:rPr lang="en-US" sz="3400" dirty="0" smtClean="0">
+                      <a:latin typeface="Arial"/>
+                      <a:cs typeface="Arial"/>
+                    </a:rPr>
+                    <a:t>the </a:t>
+                  </a:r>
+                  <a:r>
+                    <a:rPr lang="en-US" sz="3400" dirty="0">
+                      <a:latin typeface="Arial"/>
+                      <a:cs typeface="Arial"/>
+                    </a:rPr>
+                    <a:t>data without latency (p=</a:t>
+                  </a:r>
+                  <a:r>
+                    <a:rPr lang="en-US" sz="3400" dirty="0" smtClean="0">
+                      <a:latin typeface="Arial"/>
+                      <a:cs typeface="Arial"/>
+                    </a:rPr>
+                    <a:t>0.48) </a:t>
+                  </a:r>
+                  <a:r>
+                    <a:rPr lang="en-US" sz="3400" dirty="0">
+                      <a:latin typeface="Arial"/>
+                      <a:cs typeface="Arial"/>
+                    </a:rPr>
+                    <a:t>and that there </a:t>
+                  </a:r>
+                  <a:r>
+                    <a:rPr lang="en-US" sz="3400" dirty="0" smtClean="0">
+                      <a:latin typeface="Arial"/>
+                      <a:cs typeface="Arial"/>
+                    </a:rPr>
+                    <a:t>was significant </a:t>
+                  </a:r>
+                  <a:r>
+                    <a:rPr lang="en-US" sz="3400" dirty="0">
+                      <a:latin typeface="Arial"/>
+                      <a:cs typeface="Arial"/>
+                    </a:rPr>
+                    <a:t>latency in </a:t>
+                  </a:r>
+                  <a:r>
+                    <a:rPr lang="en-US" sz="3400" dirty="0" smtClean="0">
+                      <a:latin typeface="Arial"/>
+                      <a:cs typeface="Arial"/>
+                    </a:rPr>
+                    <a:t>the </a:t>
+                  </a:r>
+                  <a:r>
+                    <a:rPr lang="en-US" sz="3400" dirty="0">
+                      <a:latin typeface="Arial"/>
+                      <a:cs typeface="Arial"/>
+                    </a:rPr>
+                    <a:t>data with latency (p &lt; 2.2×10</a:t>
+                  </a:r>
+                  <a:r>
+                    <a:rPr lang="en-US" sz="3400" baseline="30000" dirty="0">
+                      <a:latin typeface="Arial"/>
+                      <a:cs typeface="Arial"/>
+                    </a:rPr>
+                    <a:t>-15</a:t>
+                  </a:r>
+                  <a:r>
+                    <a:rPr lang="en-US" sz="3400" dirty="0">
+                      <a:latin typeface="Arial"/>
+                      <a:cs typeface="Arial"/>
+                    </a:rPr>
+                    <a:t>).</a:t>
+                  </a:r>
+                </a:p>
+              </p:txBody>
+            </p:sp>
+          </p:grpSp>
+          <p:grpSp>
+            <p:nvGrpSpPr>
+              <p:cNvPr id="4" name="Group 3"/>
+              <p:cNvGrpSpPr/>
+              <p:nvPr/>
+            </p:nvGrpSpPr>
+            <p:grpSpPr>
+              <a:xfrm>
+                <a:off x="19354801" y="8342498"/>
+                <a:ext cx="18301899" cy="18323317"/>
+                <a:chOff x="19354801" y="5548498"/>
+                <a:chExt cx="18301899" cy="18323317"/>
+              </a:xfrm>
+            </p:grpSpPr>
+            <p:grpSp>
+              <p:nvGrpSpPr>
+                <p:cNvPr id="40" name="Group 39"/>
+                <p:cNvGrpSpPr/>
+                <p:nvPr/>
+              </p:nvGrpSpPr>
+              <p:grpSpPr>
+                <a:xfrm>
+                  <a:off x="19354801" y="5548498"/>
+                  <a:ext cx="18301899" cy="10332367"/>
+                  <a:chOff x="20770811" y="6121367"/>
+                  <a:chExt cx="16965987" cy="10332368"/>
+                </a:xfrm>
+              </p:grpSpPr>
+              <p:sp>
+                <p:nvSpPr>
+                  <p:cNvPr id="32" name="TextBox 31"/>
+                  <p:cNvSpPr txBox="1"/>
+                  <p:nvPr/>
+                </p:nvSpPr>
+                <p:spPr>
+                  <a:xfrm>
+                    <a:off x="20770811" y="13020059"/>
+                    <a:ext cx="16965987" cy="2708434"/>
+                  </a:xfrm>
+                  <a:prstGeom prst="rect">
+                    <a:avLst/>
+                  </a:prstGeom>
+                  <a:noFill/>
+                </p:spPr>
+                <p:txBody>
+                  <a:bodyPr wrap="square" rtlCol="0">
+                    <a:spAutoFit/>
+                  </a:bodyPr>
+                  <a:lstStyle/>
+                  <a:p>
+                    <a:r>
+                      <a:rPr lang="en-US" sz="3400" dirty="0">
+                        <a:latin typeface="Arial"/>
+                        <a:cs typeface="Arial"/>
+                      </a:rPr>
+                      <a:t>Real data </a:t>
+                    </a:r>
+                    <a:r>
+                      <a:rPr lang="en-US" sz="3400" dirty="0" smtClean="0">
+                        <a:latin typeface="Arial"/>
+                        <a:cs typeface="Arial"/>
+                      </a:rPr>
+                      <a:t>— </a:t>
+                    </a:r>
+                    <a:r>
+                      <a:rPr lang="en-US" sz="3400" dirty="0">
+                        <a:latin typeface="Arial"/>
+                        <a:cs typeface="Arial"/>
+                      </a:rPr>
+                      <a:t>As a final verification we took real RNA sequences, censored 50% of the </a:t>
+                    </a:r>
+                    <a:r>
+                      <a:rPr lang="en-US" sz="3400" dirty="0" smtClean="0">
+                        <a:latin typeface="Arial"/>
+                        <a:cs typeface="Arial"/>
+                      </a:rPr>
+                      <a:t>dates (simulating non-latent DNA) </a:t>
+                    </a:r>
+                    <a:r>
+                      <a:rPr lang="en-US" sz="3400" dirty="0">
+                        <a:latin typeface="Arial"/>
+                        <a:cs typeface="Arial"/>
+                      </a:rPr>
+                      <a:t>and attempted to reconstruct the </a:t>
+                    </a:r>
+                    <a:r>
+                      <a:rPr lang="en-US" sz="3400" dirty="0" smtClean="0">
+                        <a:latin typeface="Arial"/>
+                        <a:cs typeface="Arial"/>
+                      </a:rPr>
+                      <a:t>dates. Finally</a:t>
+                    </a:r>
+                    <a:r>
+                      <a:rPr lang="en-US" sz="3400" dirty="0">
+                        <a:latin typeface="Arial"/>
+                        <a:cs typeface="Arial"/>
+                      </a:rPr>
+                      <a:t>, we applied our methodology </a:t>
+                    </a:r>
+                    <a:r>
+                      <a:rPr lang="en-US" sz="3400" dirty="0" smtClean="0">
+                        <a:latin typeface="Arial"/>
+                        <a:cs typeface="Arial"/>
+                      </a:rPr>
+                      <a:t>to a mixed data set </a:t>
+                    </a:r>
+                    <a:r>
+                      <a:rPr lang="en-US" sz="3400" dirty="0">
+                        <a:latin typeface="Arial"/>
+                        <a:cs typeface="Arial"/>
+                      </a:rPr>
+                      <a:t>with RNA and DNA </a:t>
+                    </a:r>
+                    <a:r>
+                      <a:rPr lang="en-US" sz="3400" dirty="0" smtClean="0">
+                        <a:latin typeface="Arial"/>
+                        <a:cs typeface="Arial"/>
+                      </a:rPr>
+                      <a:t>sequences. </a:t>
+                    </a:r>
+                    <a:r>
+                      <a:rPr lang="en-US" sz="3400" dirty="0" smtClean="0">
+                        <a:latin typeface="Arial"/>
+                        <a:cs typeface="Arial"/>
+                      </a:rPr>
+                      <a:t>As expected, the </a:t>
+                    </a:r>
+                    <a:r>
+                      <a:rPr lang="en-US" sz="3400" dirty="0">
+                        <a:latin typeface="Arial"/>
+                        <a:cs typeface="Arial"/>
+                      </a:rPr>
+                      <a:t>binomial test predicted that there </a:t>
+                    </a:r>
+                    <a:r>
+                      <a:rPr lang="en-US" sz="3400" dirty="0" smtClean="0">
+                        <a:latin typeface="Arial"/>
+                        <a:cs typeface="Arial"/>
+                      </a:rPr>
+                      <a:t>was insignificant latency in the RNA sequences (p</a:t>
+                    </a:r>
+                    <a:r>
+                      <a:rPr lang="en-US" sz="3400" dirty="0" smtClean="0">
+                        <a:latin typeface="Arial"/>
+                        <a:cs typeface="Arial"/>
+                      </a:rPr>
+                      <a:t>=0.91) </a:t>
+                    </a:r>
+                    <a:r>
+                      <a:rPr lang="en-US" sz="3400" dirty="0" smtClean="0">
+                        <a:latin typeface="Arial"/>
+                        <a:cs typeface="Arial"/>
+                      </a:rPr>
+                      <a:t>and significant latency in </a:t>
+                    </a:r>
+                    <a:r>
+                      <a:rPr lang="en-US" sz="3400" dirty="0">
+                        <a:latin typeface="Arial"/>
+                        <a:cs typeface="Arial"/>
+                      </a:rPr>
+                      <a:t>the mixed data (p=</a:t>
+                    </a:r>
+                    <a:r>
+                      <a:rPr lang="en-US" sz="3400" dirty="0" smtClean="0">
+                        <a:latin typeface="Arial"/>
+                        <a:cs typeface="Arial"/>
+                      </a:rPr>
+                      <a:t>7.9×</a:t>
+                    </a:r>
+                    <a:r>
+                      <a:rPr lang="en-US" sz="3400" dirty="0">
+                        <a:latin typeface="Arial"/>
+                        <a:cs typeface="Arial"/>
+                      </a:rPr>
+                      <a:t>10</a:t>
+                    </a:r>
+                    <a:r>
+                      <a:rPr lang="en-US" sz="3400" baseline="30000" dirty="0">
+                        <a:latin typeface="Arial"/>
+                        <a:cs typeface="Arial"/>
+                      </a:rPr>
+                      <a:t>-7</a:t>
+                    </a:r>
+                    <a:r>
+                      <a:rPr lang="en-US" sz="3400" dirty="0">
+                        <a:latin typeface="Arial"/>
+                        <a:cs typeface="Arial"/>
+                      </a:rPr>
+                      <a:t>).</a:t>
+                    </a:r>
+                  </a:p>
+                </p:txBody>
+              </p:sp>
+              <p:sp>
+                <p:nvSpPr>
+                  <p:cNvPr id="39" name="TextBox 38"/>
+                  <p:cNvSpPr txBox="1"/>
+                  <p:nvPr/>
+                </p:nvSpPr>
+                <p:spPr>
+                  <a:xfrm>
+                    <a:off x="23199074" y="15838182"/>
+                    <a:ext cx="4701985" cy="584776"/>
+                  </a:xfrm>
+                  <a:prstGeom prst="rect">
+                    <a:avLst/>
+                  </a:prstGeom>
+                  <a:noFill/>
+                </p:spPr>
+                <p:txBody>
+                  <a:bodyPr wrap="none" rtlCol="0">
+                    <a:spAutoFit/>
+                  </a:bodyPr>
+                  <a:lstStyle/>
+                  <a:p>
+                    <a:pPr algn="ctr"/>
+                    <a:r>
+                      <a:rPr lang="en-US" sz="3200" b="1" dirty="0" smtClean="0">
+                        <a:latin typeface="Arial"/>
+                        <a:cs typeface="Arial"/>
+                      </a:rPr>
+                      <a:t>Figure 3a: Real RNA </a:t>
+                    </a:r>
+                    <a:r>
+                      <a:rPr lang="en-US" sz="3200" b="1" dirty="0">
+                        <a:latin typeface="Arial"/>
+                        <a:cs typeface="Arial"/>
+                      </a:rPr>
+                      <a:t>data</a:t>
+                    </a:r>
+                  </a:p>
+                </p:txBody>
+              </p:sp>
+              <p:sp>
+                <p:nvSpPr>
+                  <p:cNvPr id="70" name="TextBox 69"/>
+                  <p:cNvSpPr txBox="1"/>
+                  <p:nvPr/>
+                </p:nvSpPr>
+                <p:spPr>
+                  <a:xfrm>
+                    <a:off x="31037843" y="15838182"/>
+                    <a:ext cx="5067679" cy="615553"/>
+                  </a:xfrm>
+                  <a:prstGeom prst="rect">
+                    <a:avLst/>
+                  </a:prstGeom>
+                  <a:noFill/>
+                </p:spPr>
+                <p:txBody>
+                  <a:bodyPr wrap="none" rtlCol="0">
+                    <a:spAutoFit/>
+                  </a:bodyPr>
+                  <a:lstStyle/>
+                  <a:p>
+                    <a:pPr algn="ctr"/>
+                    <a:r>
+                      <a:rPr lang="en-US" sz="3200" b="1" dirty="0" smtClean="0">
+                        <a:latin typeface="Arial"/>
+                        <a:cs typeface="Arial"/>
+                      </a:rPr>
+                      <a:t>Figure 3b: Real mixed</a:t>
+                    </a:r>
+                    <a:r>
+                      <a:rPr lang="en-US" sz="3400" b="1" dirty="0" smtClean="0">
+                        <a:latin typeface="Arial"/>
+                        <a:cs typeface="Arial"/>
+                      </a:rPr>
+                      <a:t> </a:t>
+                    </a:r>
+                    <a:r>
+                      <a:rPr lang="en-US" sz="3400" b="1" dirty="0">
+                        <a:latin typeface="Arial"/>
+                        <a:cs typeface="Arial"/>
+                      </a:rPr>
+                      <a:t>data</a:t>
+                    </a:r>
+                  </a:p>
+                </p:txBody>
+              </p:sp>
+              <p:sp>
+                <p:nvSpPr>
+                  <p:cNvPr id="71" name="TextBox 70"/>
+                  <p:cNvSpPr txBox="1"/>
+                  <p:nvPr/>
+                </p:nvSpPr>
+                <p:spPr>
+                  <a:xfrm>
+                    <a:off x="21446675" y="6132902"/>
+                    <a:ext cx="7675089" cy="584776"/>
+                  </a:xfrm>
+                  <a:prstGeom prst="rect">
+                    <a:avLst/>
+                  </a:prstGeom>
+                  <a:noFill/>
+                </p:spPr>
+                <p:txBody>
+                  <a:bodyPr wrap="none" rtlCol="0">
+                    <a:spAutoFit/>
+                  </a:bodyPr>
+                  <a:lstStyle/>
+                  <a:p>
+                    <a:pPr algn="ctr"/>
+                    <a:r>
+                      <a:rPr lang="en-US" sz="3200" b="1" dirty="0" smtClean="0">
+                        <a:latin typeface="Arial"/>
+                        <a:cs typeface="Arial"/>
+                      </a:rPr>
+                      <a:t>Figure 2a: Simulated </a:t>
+                    </a:r>
+                    <a:r>
+                      <a:rPr lang="en-US" sz="3200" b="1" dirty="0" smtClean="0">
+                        <a:latin typeface="Arial"/>
+                        <a:cs typeface="Arial"/>
+                      </a:rPr>
+                      <a:t>data without latency</a:t>
+                    </a:r>
+                    <a:endParaRPr lang="en-US" sz="3200" b="1" dirty="0">
+                      <a:latin typeface="Arial"/>
+                      <a:cs typeface="Arial"/>
+                    </a:endParaRPr>
+                  </a:p>
+                </p:txBody>
+              </p:sp>
+              <p:sp>
+                <p:nvSpPr>
+                  <p:cNvPr id="72" name="TextBox 71"/>
+                  <p:cNvSpPr txBox="1"/>
+                  <p:nvPr/>
+                </p:nvSpPr>
+                <p:spPr>
+                  <a:xfrm>
+                    <a:off x="29562383" y="6121367"/>
+                    <a:ext cx="7517945" cy="615553"/>
+                  </a:xfrm>
+                  <a:prstGeom prst="rect">
+                    <a:avLst/>
+                  </a:prstGeom>
+                  <a:noFill/>
+                </p:spPr>
+                <p:txBody>
+                  <a:bodyPr wrap="none" rtlCol="0">
+                    <a:spAutoFit/>
+                  </a:bodyPr>
+                  <a:lstStyle/>
+                  <a:p>
+                    <a:pPr algn="ctr"/>
+                    <a:r>
+                      <a:rPr lang="en-US" sz="3400" b="1" dirty="0" smtClean="0">
+                        <a:latin typeface="Arial"/>
+                        <a:cs typeface="Arial"/>
+                      </a:rPr>
+                      <a:t>Figure 2b: Simulated </a:t>
+                    </a:r>
+                    <a:r>
+                      <a:rPr lang="en-US" sz="3400" b="1" dirty="0">
+                        <a:latin typeface="Arial"/>
+                        <a:cs typeface="Arial"/>
+                      </a:rPr>
+                      <a:t>data </a:t>
+                    </a:r>
+                    <a:r>
+                      <a:rPr lang="en-US" sz="3200" b="1" dirty="0">
+                        <a:latin typeface="Arial"/>
+                        <a:cs typeface="Arial"/>
+                      </a:rPr>
+                      <a:t>with</a:t>
+                    </a:r>
+                    <a:r>
+                      <a:rPr lang="en-US" sz="3400" b="1" dirty="0">
+                        <a:latin typeface="Arial"/>
+                        <a:cs typeface="Arial"/>
+                      </a:rPr>
+                      <a:t> latency</a:t>
+                    </a:r>
+                  </a:p>
+                </p:txBody>
+              </p:sp>
+            </p:grpSp>
+            <p:sp>
+              <p:nvSpPr>
+                <p:cNvPr id="2" name="TextBox 1"/>
+                <p:cNvSpPr txBox="1"/>
+                <p:nvPr/>
+              </p:nvSpPr>
+              <p:spPr>
+                <a:xfrm>
+                  <a:off x="19475710" y="22209822"/>
+                  <a:ext cx="18069730" cy="1661993"/>
+                </a:xfrm>
+                <a:prstGeom prst="rect">
+                  <a:avLst/>
+                </a:prstGeom>
+                <a:noFill/>
+              </p:spPr>
+              <p:txBody>
+                <a:bodyPr wrap="square" rtlCol="0">
+                  <a:spAutoFit/>
+                </a:bodyPr>
+                <a:lstStyle/>
+                <a:p>
+                  <a:r>
+                    <a:rPr lang="en-US" sz="3400" dirty="0" smtClean="0">
+                      <a:latin typeface="Arial"/>
+                      <a:cs typeface="Arial"/>
+                    </a:rPr>
+                    <a:t>We compared the normalized difference of the censored dates / predicted dates in our real data and simulated data. We found that the normalized difference fit reasonably well, but there was more dispersion in the real data. This is shown in </a:t>
+                  </a:r>
+                  <a:r>
+                    <a:rPr lang="en-US" sz="3400" dirty="0" smtClean="0">
+                      <a:latin typeface="Arial"/>
+                      <a:cs typeface="Arial"/>
+                    </a:rPr>
+                    <a:t>Figure 4 below. </a:t>
+                  </a:r>
+                  <a:endParaRPr lang="en-US" sz="3400" dirty="0">
+                    <a:latin typeface="Arial"/>
+                    <a:cs typeface="Arial"/>
+                  </a:endParaRPr>
+                </a:p>
+              </p:txBody>
+            </p:sp>
+          </p:grpSp>
+          <p:pic>
+            <p:nvPicPr>
+              <p:cNvPr id="22" name="Picture 21" descr="ancre.hist.pdf"/>
+              <p:cNvPicPr>
+                <a:picLocks noChangeAspect="1"/>
+              </p:cNvPicPr>
+              <p:nvPr/>
+            </p:nvPicPr>
+            <p:blipFill>
+              <a:blip r:embed="rId12">
+                <a:extLst>
+                  <a:ext uri="{28A0092B-C50C-407E-A947-70E740481C1C}">
+                    <a14:useLocalDpi xmlns:a14="http://schemas.microsoft.com/office/drawing/2010/main" val="0"/>
+                  </a:ext>
+                </a:extLst>
+              </a:blip>
+              <a:stretch>
+                <a:fillRect/>
+              </a:stretch>
+            </p:blipFill>
+            <p:spPr>
+              <a:xfrm>
+                <a:off x="21069381" y="27233056"/>
+                <a:ext cx="6400800" cy="6400800"/>
+              </a:xfrm>
+              <a:prstGeom prst="rect">
+                <a:avLst/>
+              </a:prstGeom>
+            </p:spPr>
+          </p:pic>
+          <p:pic>
+            <p:nvPicPr>
+              <p:cNvPr id="25" name="Picture 24" descr="out.pdf"/>
+              <p:cNvPicPr>
+                <a:picLocks noChangeAspect="1"/>
+              </p:cNvPicPr>
+              <p:nvPr/>
+            </p:nvPicPr>
+            <p:blipFill>
+              <a:blip r:embed="rId13">
+                <a:extLst>
+                  <a:ext uri="{28A0092B-C50C-407E-A947-70E740481C1C}">
+                    <a14:useLocalDpi xmlns:a14="http://schemas.microsoft.com/office/drawing/2010/main" val="0"/>
+                  </a:ext>
+                </a:extLst>
+              </a:blip>
+              <a:stretch>
+                <a:fillRect/>
+              </a:stretch>
+            </p:blipFill>
+            <p:spPr>
+              <a:xfrm>
+                <a:off x="29688597" y="18511857"/>
+                <a:ext cx="6400800" cy="6400800"/>
+              </a:xfrm>
+              <a:prstGeom prst="rect">
+                <a:avLst/>
+              </a:prstGeom>
+            </p:spPr>
+          </p:pic>
+          <p:pic>
+            <p:nvPicPr>
+              <p:cNvPr id="26" name="Picture 25" descr="lanl.hist1.pdf"/>
+              <p:cNvPicPr>
+                <a:picLocks noChangeAspect="1"/>
+              </p:cNvPicPr>
+              <p:nvPr/>
+            </p:nvPicPr>
+            <p:blipFill>
+              <a:blip r:embed="rId14">
+                <a:extLst>
+                  <a:ext uri="{28A0092B-C50C-407E-A947-70E740481C1C}">
+                    <a14:useLocalDpi xmlns:a14="http://schemas.microsoft.com/office/drawing/2010/main" val="0"/>
+                  </a:ext>
+                </a:extLst>
+              </a:blip>
+              <a:stretch>
+                <a:fillRect/>
+              </a:stretch>
+            </p:blipFill>
+            <p:spPr>
+              <a:xfrm>
+                <a:off x="29496176" y="27233056"/>
+                <a:ext cx="6400800" cy="6400800"/>
+              </a:xfrm>
+              <a:prstGeom prst="rect">
+                <a:avLst/>
+              </a:prstGeom>
+            </p:spPr>
+          </p:pic>
+          <p:pic>
+            <p:nvPicPr>
+              <p:cNvPr id="41" name="Picture 40" descr="out.pdf"/>
+              <p:cNvPicPr>
+                <a:picLocks noChangeAspect="1"/>
+              </p:cNvPicPr>
+              <p:nvPr/>
+            </p:nvPicPr>
+            <p:blipFill>
+              <a:blip r:embed="rId15">
+                <a:extLst>
+                  <a:ext uri="{28A0092B-C50C-407E-A947-70E740481C1C}">
+                    <a14:useLocalDpi xmlns:a14="http://schemas.microsoft.com/office/drawing/2010/main" val="0"/>
+                  </a:ext>
+                </a:extLst>
+              </a:blip>
+              <a:stretch>
+                <a:fillRect/>
+              </a:stretch>
+            </p:blipFill>
+            <p:spPr>
+              <a:xfrm>
+                <a:off x="29688597" y="8786898"/>
+                <a:ext cx="6400800" cy="6400800"/>
+              </a:xfrm>
+              <a:prstGeom prst="rect">
+                <a:avLst/>
+              </a:prstGeom>
+            </p:spPr>
+          </p:pic>
+          <p:pic>
+            <p:nvPicPr>
+              <p:cNvPr id="53" name="Picture 52" descr="out.pdf"/>
+              <p:cNvPicPr>
+                <a:picLocks noChangeAspect="1"/>
+              </p:cNvPicPr>
+              <p:nvPr/>
+            </p:nvPicPr>
+            <p:blipFill>
+              <a:blip r:embed="rId16">
+                <a:extLst>
+                  <a:ext uri="{28A0092B-C50C-407E-A947-70E740481C1C}">
+                    <a14:useLocalDpi xmlns:a14="http://schemas.microsoft.com/office/drawing/2010/main" val="0"/>
+                  </a:ext>
+                </a:extLst>
+              </a:blip>
+              <a:stretch>
+                <a:fillRect/>
+              </a:stretch>
+            </p:blipFill>
+            <p:spPr>
+              <a:xfrm>
+                <a:off x="21069381" y="8786898"/>
+                <a:ext cx="6400800" cy="6400800"/>
+              </a:xfrm>
+              <a:prstGeom prst="rect">
+                <a:avLst/>
+              </a:prstGeom>
+            </p:spPr>
+          </p:pic>
+          <p:pic>
+            <p:nvPicPr>
+              <p:cNvPr id="74" name="Picture 73" descr="out.pdf"/>
+              <p:cNvPicPr>
+                <a:picLocks noChangeAspect="1"/>
+              </p:cNvPicPr>
+              <p:nvPr/>
+            </p:nvPicPr>
+            <p:blipFill>
+              <a:blip r:embed="rId17">
+                <a:extLst>
+                  <a:ext uri="{28A0092B-C50C-407E-A947-70E740481C1C}">
+                    <a14:useLocalDpi xmlns:a14="http://schemas.microsoft.com/office/drawing/2010/main" val="0"/>
+                  </a:ext>
+                </a:extLst>
+              </a:blip>
+              <a:stretch>
+                <a:fillRect/>
+              </a:stretch>
+            </p:blipFill>
+            <p:spPr>
+              <a:xfrm>
+                <a:off x="21069381" y="18511857"/>
+                <a:ext cx="6400800" cy="6400800"/>
+              </a:xfrm>
+              <a:prstGeom prst="rect">
+                <a:avLst/>
+              </a:prstGeom>
+            </p:spPr>
+          </p:pic>
+        </p:grpSp>
+      </p:grpSp>
     </p:spTree>
     <p:extLst>
       <p:ext uri="{BB962C8B-B14F-4D97-AF65-F5344CB8AC3E}">
@@ -7139,4 +7994,324 @@
   </a:objectDefaults>
   <a:extraClrSchemeLst/>
 </a:theme>
+</file>
+
+<file path=ppt/theme/theme2.xml><?xml version="1.0" encoding="utf-8"?>
+<a:theme xmlns:a="http://schemas.openxmlformats.org/drawingml/2006/main" name="Office Theme">
+  <a:themeElements>
+    <a:clrScheme name="Office">
+      <a:dk1>
+        <a:sysClr val="windowText" lastClr="000000"/>
+      </a:dk1>
+      <a:lt1>
+        <a:sysClr val="window" lastClr="FFFFFF"/>
+      </a:lt1>
+      <a:dk2>
+        <a:srgbClr val="1F497D"/>
+      </a:dk2>
+      <a:lt2>
+        <a:srgbClr val="EEECE1"/>
+      </a:lt2>
+      <a:accent1>
+        <a:srgbClr val="4F81BD"/>
+      </a:accent1>
+      <a:accent2>
+        <a:srgbClr val="C0504D"/>
+      </a:accent2>
+      <a:accent3>
+        <a:srgbClr val="9BBB59"/>
+      </a:accent3>
+      <a:accent4>
+        <a:srgbClr val="8064A2"/>
+      </a:accent4>
+      <a:accent5>
+        <a:srgbClr val="4BACC6"/>
+      </a:accent5>
+      <a:accent6>
+        <a:srgbClr val="F79646"/>
+      </a:accent6>
+      <a:hlink>
+        <a:srgbClr val="0000FF"/>
+      </a:hlink>
+      <a:folHlink>
+        <a:srgbClr val="800080"/>
+      </a:folHlink>
+    </a:clrScheme>
+    <a:fontScheme name="Office">
+      <a:majorFont>
+        <a:latin typeface="Calibri"/>
+        <a:ea typeface=""/>
+        <a:cs typeface=""/>
+        <a:font script="Jpan" typeface="ＭＳ Ｐゴシック"/>
+        <a:font script="Hang" typeface="맑은 고딕"/>
+        <a:font script="Hans" typeface="宋体"/>
+        <a:font script="Hant" typeface="新細明體"/>
+        <a:font script="Arab" typeface="Times New Roman"/>
+        <a:font script="Hebr" typeface="Times New Roman"/>
+        <a:font script="Thai" typeface="Angsana New"/>
+        <a:font script="Ethi" typeface="Nyala"/>
+        <a:font script="Beng" typeface="Vrinda"/>
+        <a:font script="Gujr" typeface="Shruti"/>
+        <a:font script="Khmr" typeface="MoolBoran"/>
+        <a:font script="Knda" typeface="Tunga"/>
+        <a:font script="Guru" typeface="Raavi"/>
+        <a:font script="Cans" typeface="Euphemia"/>
+        <a:font script="Cher" typeface="Plantagenet Cherokee"/>
+        <a:font script="Yiii" typeface="Microsoft Yi Baiti"/>
+        <a:font script="Tibt" typeface="Microsoft Himalaya"/>
+        <a:font script="Thaa" typeface="MV Boli"/>
+        <a:font script="Deva" typeface="Mangal"/>
+        <a:font script="Telu" typeface="Gautami"/>
+        <a:font script="Taml" typeface="Latha"/>
+        <a:font script="Syrc" typeface="Estrangelo Edessa"/>
+        <a:font script="Orya" typeface="Kalinga"/>
+        <a:font script="Mlym" typeface="Kartika"/>
+        <a:font script="Laoo" typeface="DokChampa"/>
+        <a:font script="Sinh" typeface="Iskoola Pota"/>
+        <a:font script="Mong" typeface="Mongolian Baiti"/>
+        <a:font script="Viet" typeface="Times New Roman"/>
+        <a:font script="Uigh" typeface="Microsoft Uighur"/>
+        <a:font script="Geor" typeface="Sylfaen"/>
+      </a:majorFont>
+      <a:minorFont>
+        <a:latin typeface="Calibri"/>
+        <a:ea typeface=""/>
+        <a:cs typeface=""/>
+        <a:font script="Jpan" typeface="ＭＳ Ｐゴシック"/>
+        <a:font script="Hang" typeface="맑은 고딕"/>
+        <a:font script="Hans" typeface="宋体"/>
+        <a:font script="Hant" typeface="新細明體"/>
+        <a:font script="Arab" typeface="Arial"/>
+        <a:font script="Hebr" typeface="Arial"/>
+        <a:font script="Thai" typeface="Cordia New"/>
+        <a:font script="Ethi" typeface="Nyala"/>
+        <a:font script="Beng" typeface="Vrinda"/>
+        <a:font script="Gujr" typeface="Shruti"/>
+        <a:font script="Khmr" typeface="DaunPenh"/>
+        <a:font script="Knda" typeface="Tunga"/>
+        <a:font script="Guru" typeface="Raavi"/>
+        <a:font script="Cans" typeface="Euphemia"/>
+        <a:font script="Cher" typeface="Plantagenet Cherokee"/>
+        <a:font script="Yiii" typeface="Microsoft Yi Baiti"/>
+        <a:font script="Tibt" typeface="Microsoft Himalaya"/>
+        <a:font script="Thaa" typeface="MV Boli"/>
+        <a:font script="Deva" typeface="Mangal"/>
+        <a:font script="Telu" typeface="Gautami"/>
+        <a:font script="Taml" typeface="Latha"/>
+        <a:font script="Syrc" typeface="Estrangelo Edessa"/>
+        <a:font script="Orya" typeface="Kalinga"/>
+        <a:font script="Mlym" typeface="Kartika"/>
+        <a:font script="Laoo" typeface="DokChampa"/>
+        <a:font script="Sinh" typeface="Iskoola Pota"/>
+        <a:font script="Mong" typeface="Mongolian Baiti"/>
+        <a:font script="Viet" typeface="Arial"/>
+        <a:font script="Uigh" typeface="Microsoft Uighur"/>
+        <a:font script="Geor" typeface="Sylfaen"/>
+      </a:minorFont>
+    </a:fontScheme>
+    <a:fmtScheme name="Office">
+      <a:fillStyleLst>
+        <a:solidFill>
+          <a:schemeClr val="phClr"/>
+        </a:solidFill>
+        <a:gradFill rotWithShape="1">
+          <a:gsLst>
+            <a:gs pos="0">
+              <a:schemeClr val="phClr">
+                <a:tint val="50000"/>
+                <a:satMod val="300000"/>
+              </a:schemeClr>
+            </a:gs>
+            <a:gs pos="35000">
+              <a:schemeClr val="phClr">
+                <a:tint val="37000"/>
+                <a:satMod val="300000"/>
+              </a:schemeClr>
+            </a:gs>
+            <a:gs pos="100000">
+              <a:schemeClr val="phClr">
+                <a:tint val="15000"/>
+                <a:satMod val="350000"/>
+              </a:schemeClr>
+            </a:gs>
+          </a:gsLst>
+          <a:lin ang="16200000" scaled="1"/>
+        </a:gradFill>
+        <a:gradFill rotWithShape="1">
+          <a:gsLst>
+            <a:gs pos="0">
+              <a:schemeClr val="phClr">
+                <a:tint val="100000"/>
+                <a:shade val="100000"/>
+                <a:satMod val="130000"/>
+              </a:schemeClr>
+            </a:gs>
+            <a:gs pos="100000">
+              <a:schemeClr val="phClr">
+                <a:tint val="50000"/>
+                <a:shade val="100000"/>
+                <a:satMod val="350000"/>
+              </a:schemeClr>
+            </a:gs>
+          </a:gsLst>
+          <a:lin ang="16200000" scaled="0"/>
+        </a:gradFill>
+      </a:fillStyleLst>
+      <a:lnStyleLst>
+        <a:ln w="9525" cap="flat" cmpd="sng" algn="ctr">
+          <a:solidFill>
+            <a:schemeClr val="phClr">
+              <a:shade val="95000"/>
+              <a:satMod val="105000"/>
+            </a:schemeClr>
+          </a:solidFill>
+          <a:prstDash val="solid"/>
+        </a:ln>
+        <a:ln w="25400" cap="flat" cmpd="sng" algn="ctr">
+          <a:solidFill>
+            <a:schemeClr val="phClr"/>
+          </a:solidFill>
+          <a:prstDash val="solid"/>
+        </a:ln>
+        <a:ln w="38100" cap="flat" cmpd="sng" algn="ctr">
+          <a:solidFill>
+            <a:schemeClr val="phClr"/>
+          </a:solidFill>
+          <a:prstDash val="solid"/>
+        </a:ln>
+      </a:lnStyleLst>
+      <a:effectStyleLst>
+        <a:effectStyle>
+          <a:effectLst>
+            <a:outerShdw blurRad="40000" dist="20000" dir="5400000" rotWithShape="0">
+              <a:srgbClr val="000000">
+                <a:alpha val="38000"/>
+              </a:srgbClr>
+            </a:outerShdw>
+          </a:effectLst>
+        </a:effectStyle>
+        <a:effectStyle>
+          <a:effectLst>
+            <a:outerShdw blurRad="40000" dist="23000" dir="5400000" rotWithShape="0">
+              <a:srgbClr val="000000">
+                <a:alpha val="35000"/>
+              </a:srgbClr>
+            </a:outerShdw>
+          </a:effectLst>
+        </a:effectStyle>
+        <a:effectStyle>
+          <a:effectLst>
+            <a:outerShdw blurRad="40000" dist="23000" dir="5400000" rotWithShape="0">
+              <a:srgbClr val="000000">
+                <a:alpha val="35000"/>
+              </a:srgbClr>
+            </a:outerShdw>
+          </a:effectLst>
+          <a:scene3d>
+            <a:camera prst="orthographicFront">
+              <a:rot lat="0" lon="0" rev="0"/>
+            </a:camera>
+            <a:lightRig rig="threePt" dir="t">
+              <a:rot lat="0" lon="0" rev="1200000"/>
+            </a:lightRig>
+          </a:scene3d>
+          <a:sp3d>
+            <a:bevelT w="63500" h="25400"/>
+          </a:sp3d>
+        </a:effectStyle>
+      </a:effectStyleLst>
+      <a:bgFillStyleLst>
+        <a:solidFill>
+          <a:schemeClr val="phClr"/>
+        </a:solidFill>
+        <a:gradFill rotWithShape="1">
+          <a:gsLst>
+            <a:gs pos="0">
+              <a:schemeClr val="phClr">
+                <a:tint val="40000"/>
+                <a:satMod val="350000"/>
+              </a:schemeClr>
+            </a:gs>
+            <a:gs pos="40000">
+              <a:schemeClr val="phClr">
+                <a:tint val="45000"/>
+                <a:shade val="99000"/>
+                <a:satMod val="350000"/>
+              </a:schemeClr>
+            </a:gs>
+            <a:gs pos="100000">
+              <a:schemeClr val="phClr">
+                <a:shade val="20000"/>
+                <a:satMod val="255000"/>
+              </a:schemeClr>
+            </a:gs>
+          </a:gsLst>
+          <a:path path="circle">
+            <a:fillToRect l="50000" t="-80000" r="50000" b="180000"/>
+          </a:path>
+        </a:gradFill>
+        <a:gradFill rotWithShape="1">
+          <a:gsLst>
+            <a:gs pos="0">
+              <a:schemeClr val="phClr">
+                <a:tint val="80000"/>
+                <a:satMod val="300000"/>
+              </a:schemeClr>
+            </a:gs>
+            <a:gs pos="100000">
+              <a:schemeClr val="phClr">
+                <a:shade val="30000"/>
+                <a:satMod val="200000"/>
+              </a:schemeClr>
+            </a:gs>
+          </a:gsLst>
+          <a:path path="circle">
+            <a:fillToRect l="50000" t="50000" r="50000" b="50000"/>
+          </a:path>
+        </a:gradFill>
+      </a:bgFillStyleLst>
+    </a:fmtScheme>
+  </a:themeElements>
+  <a:objectDefaults>
+    <a:spDef>
+      <a:spPr/>
+      <a:bodyPr/>
+      <a:lstStyle/>
+      <a:style>
+        <a:lnRef idx="1">
+          <a:schemeClr val="accent1"/>
+        </a:lnRef>
+        <a:fillRef idx="3">
+          <a:schemeClr val="accent1"/>
+        </a:fillRef>
+        <a:effectRef idx="2">
+          <a:schemeClr val="accent1"/>
+        </a:effectRef>
+        <a:fontRef idx="minor">
+          <a:schemeClr val="lt1"/>
+        </a:fontRef>
+      </a:style>
+    </a:spDef>
+    <a:lnDef>
+      <a:spPr/>
+      <a:bodyPr/>
+      <a:lstStyle/>
+      <a:style>
+        <a:lnRef idx="2">
+          <a:schemeClr val="accent1"/>
+        </a:lnRef>
+        <a:fillRef idx="0">
+          <a:schemeClr val="accent1"/>
+        </a:fillRef>
+        <a:effectRef idx="1">
+          <a:schemeClr val="accent1"/>
+        </a:effectRef>
+        <a:fontRef idx="minor">
+          <a:schemeClr val="tx1"/>
+        </a:fontRef>
+      </a:style>
+    </a:lnDef>
+  </a:objectDefaults>
+  <a:extraClrSchemeLst/>
+</a:theme>
 </file>
--- a/posters/CAHR 2016.pptx
+++ b/posters/CAHR 2016.pptx
@@ -192,7 +192,7 @@
           <a:p>
             <a:fld id="{9255E038-B418-6846-8762-220F5ED64695}" type="datetimeFigureOut">
               <a:rPr lang="en-US" smtClean="0"/>
-              <a:t>2016-04-28</a:t>
+              <a:t>2016-04-29</a:t>
             </a:fld>
             <a:endParaRPr lang="en-US"/>
           </a:p>
@@ -725,7 +725,7 @@
           <a:p>
             <a:fld id="{D10E5F71-CB03-4346-9BBA-E5D3823F93A7}" type="datetimeFigureOut">
               <a:rPr lang="en-US" smtClean="0"/>
-              <a:t>2016-04-28</a:t>
+              <a:t>2016-04-29</a:t>
             </a:fld>
             <a:endParaRPr lang="en-US"/>
           </a:p>
@@ -895,7 +895,7 @@
           <a:p>
             <a:fld id="{D10E5F71-CB03-4346-9BBA-E5D3823F93A7}" type="datetimeFigureOut">
               <a:rPr lang="en-US" smtClean="0"/>
-              <a:t>2016-04-28</a:t>
+              <a:t>2016-04-29</a:t>
             </a:fld>
             <a:endParaRPr lang="en-US"/>
           </a:p>
@@ -1075,7 +1075,7 @@
           <a:p>
             <a:fld id="{D10E5F71-CB03-4346-9BBA-E5D3823F93A7}" type="datetimeFigureOut">
               <a:rPr lang="en-US" smtClean="0"/>
-              <a:t>2016-04-28</a:t>
+              <a:t>2016-04-29</a:t>
             </a:fld>
             <a:endParaRPr lang="en-US"/>
           </a:p>
@@ -1245,7 +1245,7 @@
           <a:p>
             <a:fld id="{D10E5F71-CB03-4346-9BBA-E5D3823F93A7}" type="datetimeFigureOut">
               <a:rPr lang="en-US" smtClean="0"/>
-              <a:t>2016-04-28</a:t>
+              <a:t>2016-04-29</a:t>
             </a:fld>
             <a:endParaRPr lang="en-US"/>
           </a:p>
@@ -1491,7 +1491,7 @@
           <a:p>
             <a:fld id="{D10E5F71-CB03-4346-9BBA-E5D3823F93A7}" type="datetimeFigureOut">
               <a:rPr lang="en-US" smtClean="0"/>
-              <a:t>2016-04-28</a:t>
+              <a:t>2016-04-29</a:t>
             </a:fld>
             <a:endParaRPr lang="en-US"/>
           </a:p>
@@ -1779,7 +1779,7 @@
           <a:p>
             <a:fld id="{D10E5F71-CB03-4346-9BBA-E5D3823F93A7}" type="datetimeFigureOut">
               <a:rPr lang="en-US" smtClean="0"/>
-              <a:t>2016-04-28</a:t>
+              <a:t>2016-04-29</a:t>
             </a:fld>
             <a:endParaRPr lang="en-US"/>
           </a:p>
@@ -2206,7 +2206,7 @@
           <a:p>
             <a:fld id="{D10E5F71-CB03-4346-9BBA-E5D3823F93A7}" type="datetimeFigureOut">
               <a:rPr lang="en-US" smtClean="0"/>
-              <a:t>2016-04-28</a:t>
+              <a:t>2016-04-29</a:t>
             </a:fld>
             <a:endParaRPr lang="en-US"/>
           </a:p>
@@ -2324,7 +2324,7 @@
           <a:p>
             <a:fld id="{D10E5F71-CB03-4346-9BBA-E5D3823F93A7}" type="datetimeFigureOut">
               <a:rPr lang="en-US" smtClean="0"/>
-              <a:t>2016-04-28</a:t>
+              <a:t>2016-04-29</a:t>
             </a:fld>
             <a:endParaRPr lang="en-US"/>
           </a:p>
@@ -2419,7 +2419,7 @@
           <a:p>
             <a:fld id="{D10E5F71-CB03-4346-9BBA-E5D3823F93A7}" type="datetimeFigureOut">
               <a:rPr lang="en-US" smtClean="0"/>
-              <a:t>2016-04-28</a:t>
+              <a:t>2016-04-29</a:t>
             </a:fld>
             <a:endParaRPr lang="en-US"/>
           </a:p>
@@ -2696,7 +2696,7 @@
           <a:p>
             <a:fld id="{D10E5F71-CB03-4346-9BBA-E5D3823F93A7}" type="datetimeFigureOut">
               <a:rPr lang="en-US" smtClean="0"/>
-              <a:t>2016-04-28</a:t>
+              <a:t>2016-04-29</a:t>
             </a:fld>
             <a:endParaRPr lang="en-US"/>
           </a:p>
@@ -2949,7 +2949,7 @@
           <a:p>
             <a:fld id="{D10E5F71-CB03-4346-9BBA-E5D3823F93A7}" type="datetimeFigureOut">
               <a:rPr lang="en-US" smtClean="0"/>
-              <a:t>2016-04-28</a:t>
+              <a:t>2016-04-29</a:t>
             </a:fld>
             <a:endParaRPr lang="en-US"/>
           </a:p>
@@ -3162,7 +3162,7 @@
           <a:p>
             <a:fld id="{D10E5F71-CB03-4346-9BBA-E5D3823F93A7}" type="datetimeFigureOut">
               <a:rPr lang="en-US" smtClean="0"/>
-              <a:t>2016-04-28</a:t>
+              <a:t>2016-04-29</a:t>
             </a:fld>
             <a:endParaRPr lang="en-US"/>
           </a:p>
@@ -3764,17 +3764,37 @@
                 <a:latin typeface="Arial"/>
                 <a:cs typeface="Arial"/>
               </a:rPr>
-              <a:t>, Jeffrey B. Joy</a:t>
-            </a:r>
-            <a:r>
-              <a:rPr lang="en-US" sz="4800" b="1" baseline="30000" dirty="0">
+              <a:t>, Jeffrey B. </a:t>
+            </a:r>
+            <a:r>
+              <a:rPr lang="hu-HU" sz="4800" b="1" dirty="0" smtClean="0">
                 <a:solidFill>
                   <a:schemeClr val="bg1"/>
                 </a:solidFill>
                 <a:latin typeface="Arial"/>
                 <a:cs typeface="Arial"/>
               </a:rPr>
-              <a:t>2</a:t>
+              <a:t>Joy</a:t>
+            </a:r>
+            <a:r>
+              <a:rPr lang="en-US" sz="4800" b="1" baseline="30000" dirty="0" smtClean="0">
+                <a:solidFill>
+                  <a:schemeClr val="bg1"/>
+                </a:solidFill>
+                <a:latin typeface="Arial"/>
+                <a:cs typeface="Arial"/>
+              </a:rPr>
+              <a:t>2,3</a:t>
+            </a:r>
+            <a:r>
+              <a:rPr lang="hu-HU" sz="4800" b="1" dirty="0" smtClean="0">
+                <a:solidFill>
+                  <a:schemeClr val="bg1"/>
+                </a:solidFill>
+                <a:latin typeface="Arial"/>
+                <a:cs typeface="Arial"/>
+              </a:rPr>
+              <a:t>, </a:t>
             </a:r>
             <a:r>
               <a:rPr lang="hu-HU" sz="4800" b="1" dirty="0">
@@ -3784,7 +3804,7 @@
                 <a:latin typeface="Arial"/>
                 <a:cs typeface="Arial"/>
               </a:rPr>
-              <a:t>, Zabrina L. Brumme</a:t>
+              <a:t>Zabrina L. Brumme</a:t>
             </a:r>
             <a:r>
               <a:rPr lang="en-US" sz="4800" b="1" baseline="30000" dirty="0">
@@ -4175,14 +4195,7 @@
                   <a:latin typeface="Arial"/>
                   <a:cs typeface="Arial"/>
                 </a:rPr>
-                <a:t>clock.</a:t>
-              </a:r>
-              <a:r>
-                <a:rPr lang="en-US" sz="3400" dirty="0" smtClean="0">
-                  <a:latin typeface="Arial"/>
-                  <a:cs typeface="Arial"/>
-                </a:rPr>
-                <a:t> </a:t>
+                <a:t>clock. </a:t>
               </a:r>
               <a:r>
                 <a:rPr lang="en-US" sz="3400" dirty="0">
@@ -4652,14 +4665,7 @@
                       <a:latin typeface="Arial"/>
                       <a:cs typeface="Arial"/>
                     </a:rPr>
-                    <a:t>We </a:t>
-                  </a:r>
-                  <a:r>
-                    <a:rPr lang="en-US" sz="3400" dirty="0" smtClean="0">
-                      <a:latin typeface="Arial"/>
-                      <a:cs typeface="Arial"/>
-                    </a:rPr>
-                    <a:t>collected published </a:t>
+                    <a:t>We collected published </a:t>
                   </a:r>
                   <a:r>
                     <a:rPr lang="en-US" sz="3400" dirty="0">
@@ -5392,14 +5398,7 @@
                   <a:latin typeface="Arial"/>
                   <a:cs typeface="Arial"/>
                 </a:rPr>
-                <a:t>This phylogeny represents the ancestral relationships between these HIV sequences in that host, and thus can be used to calculate a host-specific rate of HIV evolution. </a:t>
-              </a:r>
-              <a:r>
-                <a:rPr lang="en-US" sz="3400" dirty="0" smtClean="0">
-                  <a:latin typeface="Arial"/>
-                  <a:cs typeface="Arial"/>
-                </a:rPr>
-                <a:t>A</a:t>
+                <a:t>This phylogeny represents the ancestral relationships between these HIV sequences in that host, and thus can be used to calculate a host-specific rate of HIV evolution. A</a:t>
               </a:r>
               <a:r>
                 <a:rPr lang="en-US" sz="3400" dirty="0">
@@ -5429,10 +5428,6 @@
                 </a:rPr>
                 <a:t>sequence.</a:t>
               </a:r>
-              <a:endParaRPr lang="en-US" sz="3400" dirty="0" smtClean="0">
-                <a:latin typeface="Arial"/>
-                <a:cs typeface="Arial"/>
-              </a:endParaRPr>
             </a:p>
           </p:txBody>
         </p:sp>
@@ -5464,21 +5459,7 @@
                 <a:latin typeface="Arial"/>
                 <a:cs typeface="Arial"/>
               </a:rPr>
-              <a:t>Figure 1: </a:t>
-            </a:r>
-            <a:r>
-              <a:rPr lang="en-US" sz="3200" b="1" dirty="0" smtClean="0">
-                <a:latin typeface="Arial"/>
-                <a:cs typeface="Arial"/>
-              </a:rPr>
-              <a:t>Reconstructing the time that a lineage became </a:t>
-            </a:r>
-            <a:r>
-              <a:rPr lang="en-US" sz="3200" b="1" dirty="0" smtClean="0">
-                <a:latin typeface="Arial"/>
-                <a:cs typeface="Arial"/>
-              </a:rPr>
-              <a:t>latent. </a:t>
+              <a:t>Figure 1: Reconstructing the time that a lineage became latent. </a:t>
             </a:r>
             <a:r>
               <a:rPr lang="en-US" sz="3200" dirty="0" smtClean="0">
@@ -5597,21 +5578,7 @@
                 <a:latin typeface="Arial"/>
                 <a:cs typeface="Arial"/>
               </a:rPr>
-              <a:t>. Since, while latent, this lineage </a:t>
-            </a:r>
-            <a:r>
-              <a:rPr lang="en-US" sz="3200" dirty="0" smtClean="0">
-                <a:latin typeface="Arial"/>
-                <a:cs typeface="Arial"/>
-              </a:rPr>
-              <a:t>underwent negligible molecular evolution, </a:t>
-            </a:r>
-            <a:r>
-              <a:rPr lang="en-US" sz="3200" dirty="0" smtClean="0">
-                <a:latin typeface="Arial"/>
-                <a:cs typeface="Arial"/>
-              </a:rPr>
-              <a:t>the </a:t>
+              <a:t>. Since, while latent, this lineage underwent negligible molecular evolution, the </a:t>
             </a:r>
             <a:r>
               <a:rPr lang="en-US" sz="3200" dirty="0">
@@ -5625,14 +5592,7 @@
                 <a:latin typeface="Arial"/>
                 <a:cs typeface="Arial"/>
               </a:rPr>
-              <a:t>sequence </a:t>
-            </a:r>
-            <a:r>
-              <a:rPr lang="en-US" sz="3200" dirty="0" smtClean="0">
-                <a:latin typeface="Arial"/>
-                <a:cs typeface="Arial"/>
-              </a:rPr>
-              <a:t>(red </a:t>
+              <a:t>sequence (red </a:t>
             </a:r>
             <a:r>
               <a:rPr lang="en-US" sz="3200" dirty="0">
@@ -7169,14 +7129,7 @@
                         <a:latin typeface="Arial"/>
                         <a:cs typeface="Arial"/>
                       </a:rPr>
-                      <a:t>sequences. </a:t>
-                    </a:r>
-                    <a:r>
-                      <a:rPr lang="en-US" sz="3400" dirty="0" smtClean="0">
-                        <a:latin typeface="Arial"/>
-                        <a:cs typeface="Arial"/>
-                      </a:rPr>
-                      <a:t>As expected, the </a:t>
+                      <a:t>sequences. As expected, the </a:t>
                     </a:r>
                     <a:r>
                       <a:rPr lang="en-US" sz="3400" dirty="0">
@@ -7190,21 +7143,7 @@
                         <a:latin typeface="Arial"/>
                         <a:cs typeface="Arial"/>
                       </a:rPr>
-                      <a:t>was insignificant latency in the RNA sequences (p</a:t>
-                    </a:r>
-                    <a:r>
-                      <a:rPr lang="en-US" sz="3400" dirty="0" smtClean="0">
-                        <a:latin typeface="Arial"/>
-                        <a:cs typeface="Arial"/>
-                      </a:rPr>
-                      <a:t>=0.91) </a:t>
-                    </a:r>
-                    <a:r>
-                      <a:rPr lang="en-US" sz="3400" dirty="0" smtClean="0">
-                        <a:latin typeface="Arial"/>
-                        <a:cs typeface="Arial"/>
-                      </a:rPr>
-                      <a:t>and significant latency in </a:t>
+                      <a:t>was insignificant latency in the RNA sequences (p=0.91) and significant latency in </a:t>
                     </a:r>
                     <a:r>
                       <a:rPr lang="en-US" sz="3400" dirty="0">
@@ -7359,14 +7298,7 @@
                         <a:latin typeface="Arial"/>
                         <a:cs typeface="Arial"/>
                       </a:rPr>
-                      <a:t>Figure 2a: Simulated </a:t>
-                    </a:r>
-                    <a:r>
-                      <a:rPr lang="en-US" sz="3200" b="1" dirty="0" smtClean="0">
-                        <a:latin typeface="Arial"/>
-                        <a:cs typeface="Arial"/>
-                      </a:rPr>
-                      <a:t>data without latency</a:t>
+                      <a:t>Figure 2a: Simulated data without latency</a:t>
                     </a:r>
                     <a:endParaRPr lang="en-US" sz="3200" b="1" dirty="0">
                       <a:latin typeface="Arial"/>
@@ -7457,14 +7389,7 @@
                       <a:latin typeface="Arial"/>
                       <a:cs typeface="Arial"/>
                     </a:rPr>
-                    <a:t>We compared the normalized difference of the censored dates / predicted dates in our real data and simulated data. We found that the normalized difference fit reasonably well, but there was more dispersion in the real data. This is shown in </a:t>
-                  </a:r>
-                  <a:r>
-                    <a:rPr lang="en-US" sz="3400" dirty="0" smtClean="0">
-                      <a:latin typeface="Arial"/>
-                      <a:cs typeface="Arial"/>
-                    </a:rPr>
-                    <a:t>Figure 4 below. </a:t>
+                    <a:t>We compared the normalized difference of the censored dates / predicted dates in our real data and simulated data. We found that the normalized difference fit reasonably well, but there was more dispersion in the real data. This is shown in Figure 4 below. </a:t>
                   </a:r>
                   <a:endParaRPr lang="en-US" sz="3400" dirty="0">
                     <a:latin typeface="Arial"/>

--- a/posters/CAHR 2016.pptx
+++ b/posters/CAHR 2016.pptx
@@ -192,7 +192,7 @@
           <a:p>
             <a:fld id="{9255E038-B418-6846-8762-220F5ED64695}" type="datetimeFigureOut">
               <a:rPr lang="en-US" smtClean="0"/>
-              <a:t>2016-04-29</a:t>
+              <a:t>2016-05-10</a:t>
             </a:fld>
             <a:endParaRPr lang="en-US"/>
           </a:p>
@@ -725,7 +725,7 @@
           <a:p>
             <a:fld id="{D10E5F71-CB03-4346-9BBA-E5D3823F93A7}" type="datetimeFigureOut">
               <a:rPr lang="en-US" smtClean="0"/>
-              <a:t>2016-04-29</a:t>
+              <a:t>2016-05-10</a:t>
             </a:fld>
             <a:endParaRPr lang="en-US"/>
           </a:p>
@@ -895,7 +895,7 @@
           <a:p>
             <a:fld id="{D10E5F71-CB03-4346-9BBA-E5D3823F93A7}" type="datetimeFigureOut">
               <a:rPr lang="en-US" smtClean="0"/>
-              <a:t>2016-04-29</a:t>
+              <a:t>2016-05-10</a:t>
             </a:fld>
             <a:endParaRPr lang="en-US"/>
           </a:p>
@@ -1075,7 +1075,7 @@
           <a:p>
             <a:fld id="{D10E5F71-CB03-4346-9BBA-E5D3823F93A7}" type="datetimeFigureOut">
               <a:rPr lang="en-US" smtClean="0"/>
-              <a:t>2016-04-29</a:t>
+              <a:t>2016-05-10</a:t>
             </a:fld>
             <a:endParaRPr lang="en-US"/>
           </a:p>
@@ -1245,7 +1245,7 @@
           <a:p>
             <a:fld id="{D10E5F71-CB03-4346-9BBA-E5D3823F93A7}" type="datetimeFigureOut">
               <a:rPr lang="en-US" smtClean="0"/>
-              <a:t>2016-04-29</a:t>
+              <a:t>2016-05-10</a:t>
             </a:fld>
             <a:endParaRPr lang="en-US"/>
           </a:p>
@@ -1491,7 +1491,7 @@
           <a:p>
             <a:fld id="{D10E5F71-CB03-4346-9BBA-E5D3823F93A7}" type="datetimeFigureOut">
               <a:rPr lang="en-US" smtClean="0"/>
-              <a:t>2016-04-29</a:t>
+              <a:t>2016-05-10</a:t>
             </a:fld>
             <a:endParaRPr lang="en-US"/>
           </a:p>
@@ -1779,7 +1779,7 @@
           <a:p>
             <a:fld id="{D10E5F71-CB03-4346-9BBA-E5D3823F93A7}" type="datetimeFigureOut">
               <a:rPr lang="en-US" smtClean="0"/>
-              <a:t>2016-04-29</a:t>
+              <a:t>2016-05-10</a:t>
             </a:fld>
             <a:endParaRPr lang="en-US"/>
           </a:p>
@@ -2206,7 +2206,7 @@
           <a:p>
             <a:fld id="{D10E5F71-CB03-4346-9BBA-E5D3823F93A7}" type="datetimeFigureOut">
               <a:rPr lang="en-US" smtClean="0"/>
-              <a:t>2016-04-29</a:t>
+              <a:t>2016-05-10</a:t>
             </a:fld>
             <a:endParaRPr lang="en-US"/>
           </a:p>
@@ -2324,7 +2324,7 @@
           <a:p>
             <a:fld id="{D10E5F71-CB03-4346-9BBA-E5D3823F93A7}" type="datetimeFigureOut">
               <a:rPr lang="en-US" smtClean="0"/>
-              <a:t>2016-04-29</a:t>
+              <a:t>2016-05-10</a:t>
             </a:fld>
             <a:endParaRPr lang="en-US"/>
           </a:p>
@@ -2419,7 +2419,7 @@
           <a:p>
             <a:fld id="{D10E5F71-CB03-4346-9BBA-E5D3823F93A7}" type="datetimeFigureOut">
               <a:rPr lang="en-US" smtClean="0"/>
-              <a:t>2016-04-29</a:t>
+              <a:t>2016-05-10</a:t>
             </a:fld>
             <a:endParaRPr lang="en-US"/>
           </a:p>
@@ -2696,7 +2696,7 @@
           <a:p>
             <a:fld id="{D10E5F71-CB03-4346-9BBA-E5D3823F93A7}" type="datetimeFigureOut">
               <a:rPr lang="en-US" smtClean="0"/>
-              <a:t>2016-04-29</a:t>
+              <a:t>2016-05-10</a:t>
             </a:fld>
             <a:endParaRPr lang="en-US"/>
           </a:p>
@@ -2949,7 +2949,7 @@
           <a:p>
             <a:fld id="{D10E5F71-CB03-4346-9BBA-E5D3823F93A7}" type="datetimeFigureOut">
               <a:rPr lang="en-US" smtClean="0"/>
-              <a:t>2016-04-29</a:t>
+              <a:t>2016-05-10</a:t>
             </a:fld>
             <a:endParaRPr lang="en-US"/>
           </a:p>
@@ -3162,7 +3162,7 @@
           <a:p>
             <a:fld id="{D10E5F71-CB03-4346-9BBA-E5D3823F93A7}" type="datetimeFigureOut">
               <a:rPr lang="en-US" smtClean="0"/>
-              <a:t>2016-04-29</a:t>
+              <a:t>2016-05-10</a:t>
             </a:fld>
             <a:endParaRPr lang="en-US"/>
           </a:p>
@@ -3764,37 +3764,17 @@
                 <a:latin typeface="Arial"/>
                 <a:cs typeface="Arial"/>
               </a:rPr>
-              <a:t>, Jeffrey B. </a:t>
-            </a:r>
-            <a:r>
-              <a:rPr lang="hu-HU" sz="4800" b="1" dirty="0" smtClean="0">
+              <a:t>, Jeffrey B. Joy</a:t>
+            </a:r>
+            <a:r>
+              <a:rPr lang="en-US" sz="4800" b="1" baseline="30000" dirty="0">
                 <a:solidFill>
                   <a:schemeClr val="bg1"/>
                 </a:solidFill>
                 <a:latin typeface="Arial"/>
                 <a:cs typeface="Arial"/>
               </a:rPr>
-              <a:t>Joy</a:t>
-            </a:r>
-            <a:r>
-              <a:rPr lang="en-US" sz="4800" b="1" baseline="30000" dirty="0" smtClean="0">
-                <a:solidFill>
-                  <a:schemeClr val="bg1"/>
-                </a:solidFill>
-                <a:latin typeface="Arial"/>
-                <a:cs typeface="Arial"/>
-              </a:rPr>
-              <a:t>2,3</a:t>
-            </a:r>
-            <a:r>
-              <a:rPr lang="hu-HU" sz="4800" b="1" dirty="0" smtClean="0">
-                <a:solidFill>
-                  <a:schemeClr val="bg1"/>
-                </a:solidFill>
-                <a:latin typeface="Arial"/>
-                <a:cs typeface="Arial"/>
-              </a:rPr>
-              <a:t>, </a:t>
+              <a:t>2</a:t>
             </a:r>
             <a:r>
               <a:rPr lang="hu-HU" sz="4800" b="1" dirty="0">
@@ -3804,7 +3784,7 @@
                 <a:latin typeface="Arial"/>
                 <a:cs typeface="Arial"/>
               </a:rPr>
-              <a:t>Zabrina L. Brumme</a:t>
+              <a:t>, Zabrina L. Brumme</a:t>
             </a:r>
             <a:r>
               <a:rPr lang="en-US" sz="4800" b="1" baseline="30000" dirty="0">
@@ -5623,8 +5603,8 @@
         </p:nvSpPr>
         <p:spPr>
           <a:xfrm>
-            <a:off x="22317148" y="36029987"/>
-            <a:ext cx="15179634" cy="861774"/>
+            <a:off x="22317148" y="35698116"/>
+            <a:ext cx="15179634" cy="1338828"/>
           </a:xfrm>
           <a:prstGeom prst="rect">
             <a:avLst/>
@@ -5656,8 +5636,32 @@
             </a:r>
             <a:r>
               <a:rPr lang="en-US" sz="2500" dirty="0"/>
-              <a:t>) and by a CIHR operating grant to Art Poon (HOP-111406).</a:t>
-            </a:r>
+              <a:t>) and by a CIHR operating grant to Art Poon (HOP-111406)</a:t>
+            </a:r>
+            <a:r>
+              <a:rPr lang="en-US" sz="2500" dirty="0" smtClean="0"/>
+              <a:t>. </a:t>
+            </a:r>
+          </a:p>
+          <a:p>
+            <a:pPr algn="r"/>
+            <a:r>
+              <a:rPr lang="en-US" sz="2500" dirty="0" smtClean="0"/>
+              <a:t>We</a:t>
+            </a:r>
+            <a:r>
+              <a:rPr lang="en-US" sz="2800" dirty="0" smtClean="0"/>
+              <a:t> </a:t>
+            </a:r>
+            <a:r>
+              <a:rPr lang="en-US" sz="2800" dirty="0"/>
+              <a:t>have no conflicts of </a:t>
+            </a:r>
+            <a:r>
+              <a:rPr lang="en-US" sz="2800" dirty="0" smtClean="0"/>
+              <a:t>interest.</a:t>
+            </a:r>
+            <a:endParaRPr lang="en-US" sz="2500" dirty="0"/>
           </a:p>
         </p:txBody>
       </p:sp>
@@ -6549,18 +6553,18 @@
                 <a:t>Figure 4b: </a:t>
               </a:r>
               <a:r>
-                <a:rPr lang="en-US" sz="3200" b="1" dirty="0" err="1" smtClean="0">
+                <a:rPr lang="en-US" sz="3200" b="1" dirty="0" smtClean="0">
                   <a:latin typeface="Arial"/>
                   <a:cs typeface="Arial"/>
                 </a:rPr>
-                <a:t>Mixedd</a:t>
+                <a:t>Mixed </a:t>
               </a:r>
               <a:r>
                 <a:rPr lang="en-US" sz="3200" b="1" dirty="0" smtClean="0">
                   <a:latin typeface="Arial"/>
                   <a:cs typeface="Arial"/>
                 </a:rPr>
-                <a:t> data difference density</a:t>
+                <a:t>data difference density</a:t>
               </a:r>
               <a:endParaRPr lang="en-US" sz="3200" b="1" dirty="0">
                 <a:latin typeface="Arial"/>
